--- a/PPGR_Presentation.pptx
+++ b/PPGR_Presentation.pptx
@@ -4,6 +4,9 @@
   <p:sldMasterIdLst>
     <p:sldMasterId id="2147483660" r:id="rId1"/>
   </p:sldMasterIdLst>
+  <p:notesMasterIdLst>
+    <p:notesMasterId r:id="rId10"/>
+  </p:notesMasterIdLst>
   <p:sldIdLst>
     <p:sldId id="256" r:id="rId2"/>
     <p:sldId id="257" r:id="rId3"/>
@@ -111,11 +114,450 @@
       </a:defRPr>
     </a:lvl9pPr>
   </p:defaultTextStyle>
+  <p:extLst>
+    <p:ext uri="{EFAFB233-063F-42B5-8137-9DF3F51BA10A}">
+      <p15:sldGuideLst xmlns:p15="http://schemas.microsoft.com/office/powerpoint/2012/main"/>
+    </p:ext>
+  </p:extLst>
 </p:presentation>
 </file>
 
 <file path=ppt/revisionInfo.xml><?xml version="1.0" encoding="utf-8"?>
 <p1510:revInfo xmlns:a="http://schemas.openxmlformats.org/drawingml/2006/main" xmlns:r="http://schemas.openxmlformats.org/officeDocument/2006/relationships" xmlns:p1510="http://schemas.microsoft.com/office/powerpoint/2015/10/main"/>
+</file>
+
+<file path=ppt/notesMasters/notesMaster1.xml><?xml version="1.0" encoding="utf-8"?>
+<p:notesMaster xmlns:a="http://schemas.openxmlformats.org/drawingml/2006/main" xmlns:r="http://schemas.openxmlformats.org/officeDocument/2006/relationships" xmlns:p="http://schemas.openxmlformats.org/presentationml/2006/main">
+  <p:cSld>
+    <p:bg>
+      <p:bgRef idx="1001">
+        <a:schemeClr val="bg1"/>
+      </p:bgRef>
+    </p:bg>
+    <p:spTree>
+      <p:nvGrpSpPr>
+        <p:cNvPr id="1" name=""/>
+        <p:cNvGrpSpPr/>
+        <p:nvPr/>
+      </p:nvGrpSpPr>
+      <p:grpSpPr>
+        <a:xfrm>
+          <a:off x="0" y="0"/>
+          <a:ext cx="0" cy="0"/>
+          <a:chOff x="0" y="0"/>
+          <a:chExt cx="0" cy="0"/>
+        </a:xfrm>
+      </p:grpSpPr>
+      <p:sp>
+        <p:nvSpPr>
+          <p:cNvPr id="2" name="Header Placeholder 1"/>
+          <p:cNvSpPr>
+            <a:spLocks noGrp="1"/>
+          </p:cNvSpPr>
+          <p:nvPr>
+            <p:ph type="hdr" sz="quarter"/>
+          </p:nvPr>
+        </p:nvSpPr>
+        <p:spPr>
+          <a:xfrm>
+            <a:off x="0" y="0"/>
+            <a:ext cx="2971800" cy="458788"/>
+          </a:xfrm>
+          <a:prstGeom prst="rect">
+            <a:avLst/>
+          </a:prstGeom>
+        </p:spPr>
+        <p:txBody>
+          <a:bodyPr vert="horz" lIns="91440" tIns="45720" rIns="91440" bIns="45720" rtlCol="0"/>
+          <a:lstStyle>
+            <a:lvl1pPr algn="l">
+              <a:defRPr sz="1200"/>
+            </a:lvl1pPr>
+          </a:lstStyle>
+          <a:p>
+            <a:endParaRPr lang="en-US"/>
+          </a:p>
+        </p:txBody>
+      </p:sp>
+      <p:sp>
+        <p:nvSpPr>
+          <p:cNvPr id="3" name="Date Placeholder 2"/>
+          <p:cNvSpPr>
+            <a:spLocks noGrp="1"/>
+          </p:cNvSpPr>
+          <p:nvPr>
+            <p:ph type="dt" idx="1"/>
+          </p:nvPr>
+        </p:nvSpPr>
+        <p:spPr>
+          <a:xfrm>
+            <a:off x="3884613" y="0"/>
+            <a:ext cx="2971800" cy="458788"/>
+          </a:xfrm>
+          <a:prstGeom prst="rect">
+            <a:avLst/>
+          </a:prstGeom>
+        </p:spPr>
+        <p:txBody>
+          <a:bodyPr vert="horz" lIns="91440" tIns="45720" rIns="91440" bIns="45720" rtlCol="0"/>
+          <a:lstStyle>
+            <a:lvl1pPr algn="r">
+              <a:defRPr sz="1200"/>
+            </a:lvl1pPr>
+          </a:lstStyle>
+          <a:p>
+            <a:fld id="{9592D379-50E2-4708-9C87-DCBADD402CD7}" type="datetimeFigureOut">
+              <a:rPr lang="en-US" smtClean="0"/>
+              <a:t>11/1/2017</a:t>
+            </a:fld>
+            <a:endParaRPr lang="en-US"/>
+          </a:p>
+        </p:txBody>
+      </p:sp>
+      <p:sp>
+        <p:nvSpPr>
+          <p:cNvPr id="4" name="Slide Image Placeholder 3"/>
+          <p:cNvSpPr>
+            <a:spLocks noGrp="1" noRot="1" noChangeAspect="1"/>
+          </p:cNvSpPr>
+          <p:nvPr>
+            <p:ph type="sldImg" idx="2"/>
+          </p:nvPr>
+        </p:nvSpPr>
+        <p:spPr>
+          <a:xfrm>
+            <a:off x="685800" y="1143000"/>
+            <a:ext cx="5486400" cy="3086100"/>
+          </a:xfrm>
+          <a:prstGeom prst="rect">
+            <a:avLst/>
+          </a:prstGeom>
+          <a:noFill/>
+          <a:ln w="12700">
+            <a:solidFill>
+              <a:prstClr val="black"/>
+            </a:solidFill>
+          </a:ln>
+        </p:spPr>
+        <p:txBody>
+          <a:bodyPr vert="horz" lIns="91440" tIns="45720" rIns="91440" bIns="45720" rtlCol="0" anchor="ctr"/>
+          <a:lstStyle/>
+          <a:p>
+            <a:endParaRPr lang="en-US"/>
+          </a:p>
+        </p:txBody>
+      </p:sp>
+      <p:sp>
+        <p:nvSpPr>
+          <p:cNvPr id="5" name="Notes Placeholder 4"/>
+          <p:cNvSpPr>
+            <a:spLocks noGrp="1"/>
+          </p:cNvSpPr>
+          <p:nvPr>
+            <p:ph type="body" sz="quarter" idx="3"/>
+          </p:nvPr>
+        </p:nvSpPr>
+        <p:spPr>
+          <a:xfrm>
+            <a:off x="685800" y="4400550"/>
+            <a:ext cx="5486400" cy="3600450"/>
+          </a:xfrm>
+          <a:prstGeom prst="rect">
+            <a:avLst/>
+          </a:prstGeom>
+        </p:spPr>
+        <p:txBody>
+          <a:bodyPr vert="horz" lIns="91440" tIns="45720" rIns="91440" bIns="45720" rtlCol="0"/>
+          <a:lstStyle/>
+          <a:p>
+            <a:pPr lvl="0"/>
+            <a:r>
+              <a:rPr lang="en-US" smtClean="0"/>
+              <a:t>Edit Master text styles</a:t>
+            </a:r>
+          </a:p>
+          <a:p>
+            <a:pPr lvl="1"/>
+            <a:r>
+              <a:rPr lang="en-US" smtClean="0"/>
+              <a:t>Second level</a:t>
+            </a:r>
+          </a:p>
+          <a:p>
+            <a:pPr lvl="2"/>
+            <a:r>
+              <a:rPr lang="en-US" smtClean="0"/>
+              <a:t>Third level</a:t>
+            </a:r>
+          </a:p>
+          <a:p>
+            <a:pPr lvl="3"/>
+            <a:r>
+              <a:rPr lang="en-US" smtClean="0"/>
+              <a:t>Fourth level</a:t>
+            </a:r>
+          </a:p>
+          <a:p>
+            <a:pPr lvl="4"/>
+            <a:r>
+              <a:rPr lang="en-US" smtClean="0"/>
+              <a:t>Fifth level</a:t>
+            </a:r>
+            <a:endParaRPr lang="en-US"/>
+          </a:p>
+        </p:txBody>
+      </p:sp>
+      <p:sp>
+        <p:nvSpPr>
+          <p:cNvPr id="6" name="Footer Placeholder 5"/>
+          <p:cNvSpPr>
+            <a:spLocks noGrp="1"/>
+          </p:cNvSpPr>
+          <p:nvPr>
+            <p:ph type="ftr" sz="quarter" idx="4"/>
+          </p:nvPr>
+        </p:nvSpPr>
+        <p:spPr>
+          <a:xfrm>
+            <a:off x="0" y="8685213"/>
+            <a:ext cx="2971800" cy="458787"/>
+          </a:xfrm>
+          <a:prstGeom prst="rect">
+            <a:avLst/>
+          </a:prstGeom>
+        </p:spPr>
+        <p:txBody>
+          <a:bodyPr vert="horz" lIns="91440" tIns="45720" rIns="91440" bIns="45720" rtlCol="0" anchor="b"/>
+          <a:lstStyle>
+            <a:lvl1pPr algn="l">
+              <a:defRPr sz="1200"/>
+            </a:lvl1pPr>
+          </a:lstStyle>
+          <a:p>
+            <a:endParaRPr lang="en-US"/>
+          </a:p>
+        </p:txBody>
+      </p:sp>
+      <p:sp>
+        <p:nvSpPr>
+          <p:cNvPr id="7" name="Slide Number Placeholder 6"/>
+          <p:cNvSpPr>
+            <a:spLocks noGrp="1"/>
+          </p:cNvSpPr>
+          <p:nvPr>
+            <p:ph type="sldNum" sz="quarter" idx="5"/>
+          </p:nvPr>
+        </p:nvSpPr>
+        <p:spPr>
+          <a:xfrm>
+            <a:off x="3884613" y="8685213"/>
+            <a:ext cx="2971800" cy="458787"/>
+          </a:xfrm>
+          <a:prstGeom prst="rect">
+            <a:avLst/>
+          </a:prstGeom>
+        </p:spPr>
+        <p:txBody>
+          <a:bodyPr vert="horz" lIns="91440" tIns="45720" rIns="91440" bIns="45720" rtlCol="0" anchor="b"/>
+          <a:lstStyle>
+            <a:lvl1pPr algn="r">
+              <a:defRPr sz="1200"/>
+            </a:lvl1pPr>
+          </a:lstStyle>
+          <a:p>
+            <a:fld id="{10A832F8-3E0B-45B2-A087-4376AFB957F1}" type="slidenum">
+              <a:rPr lang="en-US" smtClean="0"/>
+              <a:t>‹#›</a:t>
+            </a:fld>
+            <a:endParaRPr lang="en-US"/>
+          </a:p>
+        </p:txBody>
+      </p:sp>
+    </p:spTree>
+    <p:extLst>
+      <p:ext uri="{BB962C8B-B14F-4D97-AF65-F5344CB8AC3E}">
+        <p14:creationId xmlns:p14="http://schemas.microsoft.com/office/powerpoint/2010/main" val="3842906613"/>
+      </p:ext>
+    </p:extLst>
+  </p:cSld>
+  <p:clrMap bg1="lt1" tx1="dk1" bg2="lt2" tx2="dk2" accent1="accent1" accent2="accent2" accent3="accent3" accent4="accent4" accent5="accent5" accent6="accent6" hlink="hlink" folHlink="folHlink"/>
+  <p:notesStyle>
+    <a:lvl1pPr marL="0" algn="l" defTabSz="914400" rtl="0" eaLnBrk="1" latinLnBrk="0" hangingPunct="1">
+      <a:defRPr sz="1200" kern="1200">
+        <a:solidFill>
+          <a:schemeClr val="tx1"/>
+        </a:solidFill>
+        <a:latin typeface="+mn-lt"/>
+        <a:ea typeface="+mn-ea"/>
+        <a:cs typeface="+mn-cs"/>
+      </a:defRPr>
+    </a:lvl1pPr>
+    <a:lvl2pPr marL="457200" algn="l" defTabSz="914400" rtl="0" eaLnBrk="1" latinLnBrk="0" hangingPunct="1">
+      <a:defRPr sz="1200" kern="1200">
+        <a:solidFill>
+          <a:schemeClr val="tx1"/>
+        </a:solidFill>
+        <a:latin typeface="+mn-lt"/>
+        <a:ea typeface="+mn-ea"/>
+        <a:cs typeface="+mn-cs"/>
+      </a:defRPr>
+    </a:lvl2pPr>
+    <a:lvl3pPr marL="914400" algn="l" defTabSz="914400" rtl="0" eaLnBrk="1" latinLnBrk="0" hangingPunct="1">
+      <a:defRPr sz="1200" kern="1200">
+        <a:solidFill>
+          <a:schemeClr val="tx1"/>
+        </a:solidFill>
+        <a:latin typeface="+mn-lt"/>
+        <a:ea typeface="+mn-ea"/>
+        <a:cs typeface="+mn-cs"/>
+      </a:defRPr>
+    </a:lvl3pPr>
+    <a:lvl4pPr marL="1371600" algn="l" defTabSz="914400" rtl="0" eaLnBrk="1" latinLnBrk="0" hangingPunct="1">
+      <a:defRPr sz="1200" kern="1200">
+        <a:solidFill>
+          <a:schemeClr val="tx1"/>
+        </a:solidFill>
+        <a:latin typeface="+mn-lt"/>
+        <a:ea typeface="+mn-ea"/>
+        <a:cs typeface="+mn-cs"/>
+      </a:defRPr>
+    </a:lvl4pPr>
+    <a:lvl5pPr marL="1828800" algn="l" defTabSz="914400" rtl="0" eaLnBrk="1" latinLnBrk="0" hangingPunct="1">
+      <a:defRPr sz="1200" kern="1200">
+        <a:solidFill>
+          <a:schemeClr val="tx1"/>
+        </a:solidFill>
+        <a:latin typeface="+mn-lt"/>
+        <a:ea typeface="+mn-ea"/>
+        <a:cs typeface="+mn-cs"/>
+      </a:defRPr>
+    </a:lvl5pPr>
+    <a:lvl6pPr marL="2286000" algn="l" defTabSz="914400" rtl="0" eaLnBrk="1" latinLnBrk="0" hangingPunct="1">
+      <a:defRPr sz="1200" kern="1200">
+        <a:solidFill>
+          <a:schemeClr val="tx1"/>
+        </a:solidFill>
+        <a:latin typeface="+mn-lt"/>
+        <a:ea typeface="+mn-ea"/>
+        <a:cs typeface="+mn-cs"/>
+      </a:defRPr>
+    </a:lvl6pPr>
+    <a:lvl7pPr marL="2743200" algn="l" defTabSz="914400" rtl="0" eaLnBrk="1" latinLnBrk="0" hangingPunct="1">
+      <a:defRPr sz="1200" kern="1200">
+        <a:solidFill>
+          <a:schemeClr val="tx1"/>
+        </a:solidFill>
+        <a:latin typeface="+mn-lt"/>
+        <a:ea typeface="+mn-ea"/>
+        <a:cs typeface="+mn-cs"/>
+      </a:defRPr>
+    </a:lvl7pPr>
+    <a:lvl8pPr marL="3200400" algn="l" defTabSz="914400" rtl="0" eaLnBrk="1" latinLnBrk="0" hangingPunct="1">
+      <a:defRPr sz="1200" kern="1200">
+        <a:solidFill>
+          <a:schemeClr val="tx1"/>
+        </a:solidFill>
+        <a:latin typeface="+mn-lt"/>
+        <a:ea typeface="+mn-ea"/>
+        <a:cs typeface="+mn-cs"/>
+      </a:defRPr>
+    </a:lvl8pPr>
+    <a:lvl9pPr marL="3657600" algn="l" defTabSz="914400" rtl="0" eaLnBrk="1" latinLnBrk="0" hangingPunct="1">
+      <a:defRPr sz="1200" kern="1200">
+        <a:solidFill>
+          <a:schemeClr val="tx1"/>
+        </a:solidFill>
+        <a:latin typeface="+mn-lt"/>
+        <a:ea typeface="+mn-ea"/>
+        <a:cs typeface="+mn-cs"/>
+      </a:defRPr>
+    </a:lvl9pPr>
+  </p:notesStyle>
+</p:notesMaster>
+</file>
+
+<file path=ppt/notesSlides/notesSlide1.xml><?xml version="1.0" encoding="utf-8"?>
+<p:notes xmlns:a="http://schemas.openxmlformats.org/drawingml/2006/main" xmlns:r="http://schemas.openxmlformats.org/officeDocument/2006/relationships" xmlns:p="http://schemas.openxmlformats.org/presentationml/2006/main">
+  <p:cSld>
+    <p:spTree>
+      <p:nvGrpSpPr>
+        <p:cNvPr id="1" name=""/>
+        <p:cNvGrpSpPr/>
+        <p:nvPr/>
+      </p:nvGrpSpPr>
+      <p:grpSpPr>
+        <a:xfrm>
+          <a:off x="0" y="0"/>
+          <a:ext cx="0" cy="0"/>
+          <a:chOff x="0" y="0"/>
+          <a:chExt cx="0" cy="0"/>
+        </a:xfrm>
+      </p:grpSpPr>
+      <p:sp>
+        <p:nvSpPr>
+          <p:cNvPr id="2" name="Slide Image Placeholder 1"/>
+          <p:cNvSpPr>
+            <a:spLocks noGrp="1" noRot="1" noChangeAspect="1"/>
+          </p:cNvSpPr>
+          <p:nvPr>
+            <p:ph type="sldImg"/>
+          </p:nvPr>
+        </p:nvSpPr>
+        <p:spPr/>
+      </p:sp>
+      <p:sp>
+        <p:nvSpPr>
+          <p:cNvPr id="3" name="Notes Placeholder 2"/>
+          <p:cNvSpPr>
+            <a:spLocks noGrp="1"/>
+          </p:cNvSpPr>
+          <p:nvPr>
+            <p:ph type="body" idx="1"/>
+          </p:nvPr>
+        </p:nvSpPr>
+        <p:spPr/>
+        <p:txBody>
+          <a:bodyPr/>
+          <a:lstStyle/>
+          <a:p>
+            <a:endParaRPr lang="en-US" dirty="0"/>
+          </a:p>
+        </p:txBody>
+      </p:sp>
+      <p:sp>
+        <p:nvSpPr>
+          <p:cNvPr id="4" name="Slide Number Placeholder 3"/>
+          <p:cNvSpPr>
+            <a:spLocks noGrp="1"/>
+          </p:cNvSpPr>
+          <p:nvPr>
+            <p:ph type="sldNum" sz="quarter" idx="10"/>
+          </p:nvPr>
+        </p:nvSpPr>
+        <p:spPr/>
+        <p:txBody>
+          <a:bodyPr/>
+          <a:lstStyle/>
+          <a:p>
+            <a:fld id="{10A832F8-3E0B-45B2-A087-4376AFB957F1}" type="slidenum">
+              <a:rPr lang="en-US" smtClean="0"/>
+              <a:t>6</a:t>
+            </a:fld>
+            <a:endParaRPr lang="en-US"/>
+          </a:p>
+        </p:txBody>
+      </p:sp>
+    </p:spTree>
+    <p:extLst>
+      <p:ext uri="{BB962C8B-B14F-4D97-AF65-F5344CB8AC3E}">
+        <p14:creationId xmlns:p14="http://schemas.microsoft.com/office/powerpoint/2010/main" val="3480239215"/>
+      </p:ext>
+    </p:extLst>
+  </p:cSld>
+  <p:clrMapOvr>
+    <a:masterClrMapping/>
+  </p:clrMapOvr>
+</p:notes>
 </file>
 
 <file path=ppt/slideLayouts/slideLayout1.xml><?xml version="1.0" encoding="utf-8"?>
@@ -840,7 +1282,7 @@
           <a:p>
             <a:fld id="{DA6B044D-6B96-46DD-8021-7E409CA4D2CA}" type="datetimeFigureOut">
               <a:rPr lang="en-US" smtClean="0"/>
-              <a:t>10/25/2017</a:t>
+              <a:t>11/1/2017</a:t>
             </a:fld>
             <a:endParaRPr lang="en-US"/>
           </a:p>
@@ -1091,7 +1533,7 @@
           <a:p>
             <a:fld id="{DA6B044D-6B96-46DD-8021-7E409CA4D2CA}" type="datetimeFigureOut">
               <a:rPr lang="en-US" smtClean="0"/>
-              <a:t>10/25/2017</a:t>
+              <a:t>11/1/2017</a:t>
             </a:fld>
             <a:endParaRPr lang="en-US"/>
           </a:p>
@@ -1405,7 +1847,7 @@
           <a:p>
             <a:fld id="{DA6B044D-6B96-46DD-8021-7E409CA4D2CA}" type="datetimeFigureOut">
               <a:rPr lang="en-US" smtClean="0"/>
-              <a:t>10/25/2017</a:t>
+              <a:t>11/1/2017</a:t>
             </a:fld>
             <a:endParaRPr lang="en-US"/>
           </a:p>
@@ -1746,7 +2188,7 @@
           <a:p>
             <a:fld id="{DA6B044D-6B96-46DD-8021-7E409CA4D2CA}" type="datetimeFigureOut">
               <a:rPr lang="en-US" smtClean="0"/>
-              <a:t>10/25/2017</a:t>
+              <a:t>11/1/2017</a:t>
             </a:fld>
             <a:endParaRPr lang="en-US"/>
           </a:p>
@@ -2060,7 +2502,7 @@
           <a:p>
             <a:fld id="{DA6B044D-6B96-46DD-8021-7E409CA4D2CA}" type="datetimeFigureOut">
               <a:rPr lang="en-US" smtClean="0"/>
-              <a:t>10/25/2017</a:t>
+              <a:t>11/1/2017</a:t>
             </a:fld>
             <a:endParaRPr lang="en-US"/>
           </a:p>
@@ -2453,7 +2895,7 @@
           <a:p>
             <a:fld id="{DA6B044D-6B96-46DD-8021-7E409CA4D2CA}" type="datetimeFigureOut">
               <a:rPr lang="en-US" smtClean="0"/>
-              <a:t>10/25/2017</a:t>
+              <a:t>11/1/2017</a:t>
             </a:fld>
             <a:endParaRPr lang="en-US"/>
           </a:p>
@@ -2623,7 +3065,7 @@
           <a:p>
             <a:fld id="{DA6B044D-6B96-46DD-8021-7E409CA4D2CA}" type="datetimeFigureOut">
               <a:rPr lang="en-US" smtClean="0"/>
-              <a:t>10/25/2017</a:t>
+              <a:t>11/1/2017</a:t>
             </a:fld>
             <a:endParaRPr lang="en-US"/>
           </a:p>
@@ -2803,7 +3245,7 @@
           <a:p>
             <a:fld id="{DA6B044D-6B96-46DD-8021-7E409CA4D2CA}" type="datetimeFigureOut">
               <a:rPr lang="en-US" smtClean="0"/>
-              <a:t>10/25/2017</a:t>
+              <a:t>11/1/2017</a:t>
             </a:fld>
             <a:endParaRPr lang="en-US"/>
           </a:p>
@@ -2979,7 +3421,7 @@
           <a:p>
             <a:fld id="{DA6B044D-6B96-46DD-8021-7E409CA4D2CA}" type="datetimeFigureOut">
               <a:rPr lang="en-US" smtClean="0"/>
-              <a:t>10/25/2017</a:t>
+              <a:t>11/1/2017</a:t>
             </a:fld>
             <a:endParaRPr lang="en-US"/>
           </a:p>
@@ -3226,7 +3668,7 @@
           <a:p>
             <a:fld id="{DA6B044D-6B96-46DD-8021-7E409CA4D2CA}" type="datetimeFigureOut">
               <a:rPr lang="en-US" smtClean="0"/>
-              <a:t>10/25/2017</a:t>
+              <a:t>11/1/2017</a:t>
             </a:fld>
             <a:endParaRPr lang="en-US"/>
           </a:p>
@@ -3458,7 +3900,7 @@
           <a:p>
             <a:fld id="{DA6B044D-6B96-46DD-8021-7E409CA4D2CA}" type="datetimeFigureOut">
               <a:rPr lang="en-US" smtClean="0"/>
-              <a:t>10/25/2017</a:t>
+              <a:t>11/1/2017</a:t>
             </a:fld>
             <a:endParaRPr lang="en-US"/>
           </a:p>
@@ -3832,7 +4274,7 @@
           <a:p>
             <a:fld id="{DA6B044D-6B96-46DD-8021-7E409CA4D2CA}" type="datetimeFigureOut">
               <a:rPr lang="en-US" smtClean="0"/>
-              <a:t>10/25/2017</a:t>
+              <a:t>11/1/2017</a:t>
             </a:fld>
             <a:endParaRPr lang="en-US"/>
           </a:p>
@@ -3955,7 +4397,7 @@
           <a:p>
             <a:fld id="{DA6B044D-6B96-46DD-8021-7E409CA4D2CA}" type="datetimeFigureOut">
               <a:rPr lang="en-US" smtClean="0"/>
-              <a:t>10/25/2017</a:t>
+              <a:t>11/1/2017</a:t>
             </a:fld>
             <a:endParaRPr lang="en-US"/>
           </a:p>
@@ -4050,7 +4492,7 @@
           <a:p>
             <a:fld id="{DA6B044D-6B96-46DD-8021-7E409CA4D2CA}" type="datetimeFigureOut">
               <a:rPr lang="en-US" smtClean="0"/>
-              <a:t>10/25/2017</a:t>
+              <a:t>11/1/2017</a:t>
             </a:fld>
             <a:endParaRPr lang="en-US"/>
           </a:p>
@@ -4305,7 +4747,7 @@
           <a:p>
             <a:fld id="{DA6B044D-6B96-46DD-8021-7E409CA4D2CA}" type="datetimeFigureOut">
               <a:rPr lang="en-US" smtClean="0"/>
-              <a:t>10/25/2017</a:t>
+              <a:t>11/1/2017</a:t>
             </a:fld>
             <a:endParaRPr lang="en-US"/>
           </a:p>
@@ -4568,7 +5010,7 @@
           <a:p>
             <a:fld id="{DA6B044D-6B96-46DD-8021-7E409CA4D2CA}" type="datetimeFigureOut">
               <a:rPr lang="en-US" smtClean="0"/>
-              <a:t>10/25/2017</a:t>
+              <a:t>11/1/2017</a:t>
             </a:fld>
             <a:endParaRPr lang="en-US"/>
           </a:p>
@@ -5311,7 +5753,7 @@
           <a:p>
             <a:fld id="{DA6B044D-6B96-46DD-8021-7E409CA4D2CA}" type="datetimeFigureOut">
               <a:rPr lang="en-US" smtClean="0"/>
-              <a:t>10/25/2017</a:t>
+              <a:t>11/1/2017</a:t>
             </a:fld>
             <a:endParaRPr lang="en-US"/>
           </a:p>
@@ -7283,8 +7725,8 @@
           </a:p>
         </p:txBody>
       </p:sp>
-      <mc:AlternateContent xmlns:mc="http://schemas.openxmlformats.org/markup-compatibility/2006">
-        <mc:Choice xmlns:a14="http://schemas.microsoft.com/office/drawing/2010/main" Requires="a14">
+      <mc:AlternateContent xmlns:mc="http://schemas.openxmlformats.org/markup-compatibility/2006" xmlns:a14="http://schemas.microsoft.com/office/drawing/2010/main">
+        <mc:Choice Requires="a14">
           <p:sp>
             <p:nvSpPr>
               <p:cNvPr id="4" name="TextBox 3">
@@ -7313,6 +7755,7 @@
               </a:bodyPr>
               <a:lstStyle/>
               <a:p>
+                <a:pPr/>
                 <a14:m>
                   <m:oMathPara xmlns:m="http://schemas.openxmlformats.org/officeDocument/2006/math">
                     <m:oMathParaPr>
@@ -7364,7 +7807,7 @@
             </p:txBody>
           </p:sp>
         </mc:Choice>
-        <mc:Fallback>
+        <mc:Fallback xmlns="">
           <p:sp>
             <p:nvSpPr>
               <p:cNvPr id="4" name="TextBox 3">
@@ -7409,8 +7852,8 @@
           </p:sp>
         </mc:Fallback>
       </mc:AlternateContent>
-      <mc:AlternateContent xmlns:mc="http://schemas.openxmlformats.org/markup-compatibility/2006">
-        <mc:Choice xmlns:a14="http://schemas.microsoft.com/office/drawing/2010/main" Requires="a14">
+      <mc:AlternateContent xmlns:mc="http://schemas.openxmlformats.org/markup-compatibility/2006" xmlns:a14="http://schemas.microsoft.com/office/drawing/2010/main">
+        <mc:Choice Requires="a14">
           <p:sp>
             <p:nvSpPr>
               <p:cNvPr id="5" name="TextBox 4">
@@ -7439,6 +7882,7 @@
               </a:bodyPr>
               <a:lstStyle/>
               <a:p>
+                <a:pPr/>
                 <a14:m>
                   <m:oMathPara xmlns:m="http://schemas.openxmlformats.org/officeDocument/2006/math">
                     <m:oMathParaPr>
@@ -7532,7 +7976,7 @@
             </p:txBody>
           </p:sp>
         </mc:Choice>
-        <mc:Fallback>
+        <mc:Fallback xmlns="">
           <p:sp>
             <p:nvSpPr>
               <p:cNvPr id="5" name="TextBox 4">
@@ -7594,7 +8038,7 @@
             <p:spPr>
               <a:xfrm>
                 <a:off x="3060439" y="3843871"/>
-                <a:ext cx="2204193" cy="701218"/>
+                <a:ext cx="2380139" cy="709105"/>
               </a:xfrm>
               <a:prstGeom prst="rect">
                 <a:avLst/>
@@ -7607,6 +8051,7 @@
               </a:bodyPr>
               <a:lstStyle/>
               <a:p>
+                <a:pPr/>
                 <a14:m>
                   <m:oMathPara xmlns:m="http://schemas.openxmlformats.org/officeDocument/2006/math">
                     <m:oMathParaPr>
@@ -7650,43 +8095,48 @@
                         </a:rPr>
                         <m:t>𝑟𝑃</m:t>
                       </m:r>
-                      <m:r>
-                        <a:rPr lang="en-US" sz="2400" b="0" i="1" smtClean="0">
-                          <a:latin typeface="Cambria Math" panose="02040503050406030204" pitchFamily="18" charset="0"/>
-                        </a:rPr>
-                        <m:t>(1−</m:t>
-                      </m:r>
-                      <m:f>
-                        <m:fPr>
+                      <m:d>
+                        <m:dPr>
                           <m:ctrlPr>
                             <a:rPr lang="en-US" sz="2400" b="0" i="1" smtClean="0">
                               <a:latin typeface="Cambria Math" panose="02040503050406030204" pitchFamily="18" charset="0"/>
                             </a:rPr>
                           </m:ctrlPr>
-                        </m:fPr>
-                        <m:num>
+                        </m:dPr>
+                        <m:e>
                           <m:r>
-                            <a:rPr lang="en-US" sz="2400" b="0" i="1" smtClean="0">
+                            <a:rPr lang="en-US" sz="2400" i="1">
                               <a:latin typeface="Cambria Math" panose="02040503050406030204" pitchFamily="18" charset="0"/>
                             </a:rPr>
-                            <m:t>𝑃</m:t>
+                            <m:t>1−</m:t>
                           </m:r>
-                        </m:num>
-                        <m:den>
-                          <m:r>
-                            <a:rPr lang="en-US" sz="2400" b="0" i="1" smtClean="0">
-                              <a:latin typeface="Cambria Math" panose="02040503050406030204" pitchFamily="18" charset="0"/>
-                            </a:rPr>
-                            <m:t>𝐿</m:t>
-                          </m:r>
-                        </m:den>
-                      </m:f>
-                      <m:r>
-                        <a:rPr lang="en-US" sz="2400" b="0" i="1" smtClean="0">
-                          <a:latin typeface="Cambria Math" panose="02040503050406030204" pitchFamily="18" charset="0"/>
-                        </a:rPr>
-                        <m:t>)</m:t>
-                      </m:r>
+                          <m:f>
+                            <m:fPr>
+                              <m:ctrlPr>
+                                <a:rPr lang="en-US" sz="2400" i="1">
+                                  <a:latin typeface="Cambria Math" panose="02040503050406030204" pitchFamily="18" charset="0"/>
+                                </a:rPr>
+                              </m:ctrlPr>
+                            </m:fPr>
+                            <m:num>
+                              <m:r>
+                                <a:rPr lang="en-US" sz="2400" i="1">
+                                  <a:latin typeface="Cambria Math" panose="02040503050406030204" pitchFamily="18" charset="0"/>
+                                </a:rPr>
+                                <m:t>𝑃</m:t>
+                              </m:r>
+                            </m:num>
+                            <m:den>
+                              <m:r>
+                                <a:rPr lang="en-US" sz="2400" i="1">
+                                  <a:latin typeface="Cambria Math" panose="02040503050406030204" pitchFamily="18" charset="0"/>
+                                </a:rPr>
+                                <m:t>𝐿</m:t>
+                              </m:r>
+                            </m:den>
+                          </m:f>
+                        </m:e>
+                      </m:d>
                     </m:oMath>
                   </m:oMathPara>
                 </a14:m>
@@ -7713,7 +8163,7 @@
             <p:spPr>
               <a:xfrm>
                 <a:off x="3060439" y="3843871"/>
-                <a:ext cx="2204193" cy="701218"/>
+                <a:ext cx="2380139" cy="709105"/>
               </a:xfrm>
               <a:prstGeom prst="rect">
                 <a:avLst/>
@@ -7740,8 +8190,8 @@
           </p:sp>
         </mc:Fallback>
       </mc:AlternateContent>
-      <mc:AlternateContent xmlns:mc="http://schemas.openxmlformats.org/markup-compatibility/2006">
-        <mc:Choice xmlns:a14="http://schemas.microsoft.com/office/drawing/2010/main" Requires="a14">
+      <mc:AlternateContent xmlns:mc="http://schemas.openxmlformats.org/markup-compatibility/2006" xmlns:a14="http://schemas.microsoft.com/office/drawing/2010/main">
+        <mc:Choice Requires="a14">
           <p:sp>
             <p:nvSpPr>
               <p:cNvPr id="7" name="TextBox 6">
@@ -7770,6 +8220,7 @@
               </a:bodyPr>
               <a:lstStyle/>
               <a:p>
+                <a:pPr/>
                 <a14:m>
                   <m:oMathPara xmlns:m="http://schemas.openxmlformats.org/officeDocument/2006/math">
                     <m:oMathParaPr>
@@ -7956,7 +8407,7 @@
             </p:txBody>
           </p:sp>
         </mc:Choice>
-        <mc:Fallback>
+        <mc:Fallback xmlns="">
           <p:sp>
             <p:nvSpPr>
               <p:cNvPr id="7" name="TextBox 6">
@@ -8245,8 +8696,8 @@
           </a:p>
         </p:txBody>
       </p:sp>
-      <mc:AlternateContent xmlns:mc="http://schemas.openxmlformats.org/markup-compatibility/2006">
-        <mc:Choice xmlns:a14="http://schemas.microsoft.com/office/drawing/2010/main" Requires="a14">
+      <mc:AlternateContent xmlns:mc="http://schemas.openxmlformats.org/markup-compatibility/2006" xmlns:a14="http://schemas.microsoft.com/office/drawing/2010/main">
+        <mc:Choice Requires="a14">
           <p:sp>
             <p:nvSpPr>
               <p:cNvPr id="5" name="TextBox 4">
@@ -8275,6 +8726,7 @@
               </a:bodyPr>
               <a:lstStyle/>
               <a:p>
+                <a:pPr/>
                 <a14:m>
                   <m:oMathPara xmlns:m="http://schemas.openxmlformats.org/officeDocument/2006/math">
                     <m:oMathParaPr>
@@ -8455,7 +8907,7 @@
             </p:txBody>
           </p:sp>
         </mc:Choice>
-        <mc:Fallback>
+        <mc:Fallback xmlns="">
           <p:sp>
             <p:nvSpPr>
               <p:cNvPr id="5" name="TextBox 4">
@@ -8832,8 +9284,8 @@
           </a:p>
         </p:txBody>
       </p:sp>
-      <mc:AlternateContent xmlns:mc="http://schemas.openxmlformats.org/markup-compatibility/2006">
-        <mc:Choice xmlns:a14="http://schemas.microsoft.com/office/drawing/2010/main" Requires="a14">
+      <mc:AlternateContent xmlns:mc="http://schemas.openxmlformats.org/markup-compatibility/2006" xmlns:a14="http://schemas.microsoft.com/office/drawing/2010/main">
+        <mc:Choice Requires="a14">
           <p:sp>
             <p:nvSpPr>
               <p:cNvPr id="3" name="TextBox 2">
@@ -8862,6 +9314,7 @@
               </a:bodyPr>
               <a:lstStyle/>
               <a:p>
+                <a:pPr/>
                 <a14:m>
                   <m:oMathPara xmlns:m="http://schemas.openxmlformats.org/officeDocument/2006/math">
                     <m:oMathParaPr>
@@ -9047,7 +9500,7 @@
             </p:txBody>
           </p:sp>
         </mc:Choice>
-        <mc:Fallback>
+        <mc:Fallback xmlns="">
           <p:sp>
             <p:nvSpPr>
               <p:cNvPr id="3" name="TextBox 2">
@@ -9092,8 +9545,8 @@
           </p:sp>
         </mc:Fallback>
       </mc:AlternateContent>
-      <mc:AlternateContent xmlns:mc="http://schemas.openxmlformats.org/markup-compatibility/2006">
-        <mc:Choice xmlns:a14="http://schemas.microsoft.com/office/drawing/2010/main" Requires="a14">
+      <mc:AlternateContent xmlns:mc="http://schemas.openxmlformats.org/markup-compatibility/2006" xmlns:a14="http://schemas.microsoft.com/office/drawing/2010/main">
+        <mc:Choice Requires="a14">
           <p:sp>
             <p:nvSpPr>
               <p:cNvPr id="4" name="Content Placeholder 2">
@@ -9396,7 +9849,7 @@
             </p:txBody>
           </p:sp>
         </mc:Choice>
-        <mc:Fallback>
+        <mc:Fallback xmlns="">
           <p:sp>
             <p:nvSpPr>
               <p:cNvPr id="4" name="Content Placeholder 2">
@@ -9519,7 +9972,7 @@
           <p:nvPr/>
         </p:nvPicPr>
         <p:blipFill>
-          <a:blip r:embed="rId2">
+          <a:blip r:embed="rId3">
             <a:extLst>
               <a:ext uri="{28A0092B-C50C-407E-A947-70E740481C1C}">
                 <a14:useLocalDpi xmlns:a14="http://schemas.microsoft.com/office/drawing/2010/main" val="0"/>
@@ -9540,8 +9993,8 @@
           </a:prstGeom>
         </p:spPr>
       </p:pic>
-      <mc:AlternateContent xmlns:mc="http://schemas.openxmlformats.org/markup-compatibility/2006">
-        <mc:Choice xmlns:a14="http://schemas.microsoft.com/office/drawing/2010/main" Requires="a14">
+      <mc:AlternateContent xmlns:mc="http://schemas.openxmlformats.org/markup-compatibility/2006" xmlns:a14="http://schemas.microsoft.com/office/drawing/2010/main">
+        <mc:Choice Requires="a14">
           <p:sp>
             <p:nvSpPr>
               <p:cNvPr id="8" name="Content Placeholder 2">
@@ -9916,7 +10369,7 @@
             </p:txBody>
           </p:sp>
         </mc:Choice>
-        <mc:Fallback>
+        <mc:Fallback xmlns="">
           <p:sp>
             <p:nvSpPr>
               <p:cNvPr id="8" name="Content Placeholder 2">
@@ -9940,7 +10393,7 @@
                 <a:avLst/>
               </a:prstGeom>
               <a:blipFill>
-                <a:blip r:embed="rId3"/>
+                <a:blip r:embed="rId4"/>
                 <a:stretch>
                   <a:fillRect l="-606" t="-773" r="-1616"/>
                 </a:stretch>
@@ -10737,4 +11190,265 @@
     </a:ext>
   </a:extLst>
 </a:theme>
+</file>
+
+<file path=ppt/theme/theme2.xml><?xml version="1.0" encoding="utf-8"?>
+<a:theme xmlns:a="http://schemas.openxmlformats.org/drawingml/2006/main" name="Office Theme">
+  <a:themeElements>
+    <a:clrScheme name="Office">
+      <a:dk1>
+        <a:sysClr val="windowText" lastClr="000000"/>
+      </a:dk1>
+      <a:lt1>
+        <a:sysClr val="window" lastClr="FFFFFF"/>
+      </a:lt1>
+      <a:dk2>
+        <a:srgbClr val="44546A"/>
+      </a:dk2>
+      <a:lt2>
+        <a:srgbClr val="E7E6E6"/>
+      </a:lt2>
+      <a:accent1>
+        <a:srgbClr val="5B9BD5"/>
+      </a:accent1>
+      <a:accent2>
+        <a:srgbClr val="ED7D31"/>
+      </a:accent2>
+      <a:accent3>
+        <a:srgbClr val="A5A5A5"/>
+      </a:accent3>
+      <a:accent4>
+        <a:srgbClr val="FFC000"/>
+      </a:accent4>
+      <a:accent5>
+        <a:srgbClr val="4472C4"/>
+      </a:accent5>
+      <a:accent6>
+        <a:srgbClr val="70AD47"/>
+      </a:accent6>
+      <a:hlink>
+        <a:srgbClr val="0563C1"/>
+      </a:hlink>
+      <a:folHlink>
+        <a:srgbClr val="954F72"/>
+      </a:folHlink>
+    </a:clrScheme>
+    <a:fontScheme name="Office">
+      <a:majorFont>
+        <a:latin typeface="Calibri Light" panose="020F0302020204030204"/>
+        <a:ea typeface=""/>
+        <a:cs typeface=""/>
+        <a:font script="Jpan" typeface="游ゴシック Light"/>
+        <a:font script="Hang" typeface="맑은 고딕"/>
+        <a:font script="Hans" typeface="等线 Light"/>
+        <a:font script="Hant" typeface="新細明體"/>
+        <a:font script="Arab" typeface="Times New Roman"/>
+        <a:font script="Hebr" typeface="Times New Roman"/>
+        <a:font script="Thai" typeface="Angsana New"/>
+        <a:font script="Ethi" typeface="Nyala"/>
+        <a:font script="Beng" typeface="Vrinda"/>
+        <a:font script="Gujr" typeface="Shruti"/>
+        <a:font script="Khmr" typeface="MoolBoran"/>
+        <a:font script="Knda" typeface="Tunga"/>
+        <a:font script="Guru" typeface="Raavi"/>
+        <a:font script="Cans" typeface="Euphemia"/>
+        <a:font script="Cher" typeface="Plantagenet Cherokee"/>
+        <a:font script="Yiii" typeface="Microsoft Yi Baiti"/>
+        <a:font script="Tibt" typeface="Microsoft Himalaya"/>
+        <a:font script="Thaa" typeface="MV Boli"/>
+        <a:font script="Deva" typeface="Mangal"/>
+        <a:font script="Telu" typeface="Gautami"/>
+        <a:font script="Taml" typeface="Latha"/>
+        <a:font script="Syrc" typeface="Estrangelo Edessa"/>
+        <a:font script="Orya" typeface="Kalinga"/>
+        <a:font script="Mlym" typeface="Kartika"/>
+        <a:font script="Laoo" typeface="DokChampa"/>
+        <a:font script="Sinh" typeface="Iskoola Pota"/>
+        <a:font script="Mong" typeface="Mongolian Baiti"/>
+        <a:font script="Viet" typeface="Times New Roman"/>
+        <a:font script="Uigh" typeface="Microsoft Uighur"/>
+        <a:font script="Geor" typeface="Sylfaen"/>
+      </a:majorFont>
+      <a:minorFont>
+        <a:latin typeface="Calibri" panose="020F0502020204030204"/>
+        <a:ea typeface=""/>
+        <a:cs typeface=""/>
+        <a:font script="Jpan" typeface="游ゴシック"/>
+        <a:font script="Hang" typeface="맑은 고딕"/>
+        <a:font script="Hans" typeface="等线"/>
+        <a:font script="Hant" typeface="新細明體"/>
+        <a:font script="Arab" typeface="Arial"/>
+        <a:font script="Hebr" typeface="Arial"/>
+        <a:font script="Thai" typeface="Cordia New"/>
+        <a:font script="Ethi" typeface="Nyala"/>
+        <a:font script="Beng" typeface="Vrinda"/>
+        <a:font script="Gujr" typeface="Shruti"/>
+        <a:font script="Khmr" typeface="DaunPenh"/>
+        <a:font script="Knda" typeface="Tunga"/>
+        <a:font script="Guru" typeface="Raavi"/>
+        <a:font script="Cans" typeface="Euphemia"/>
+        <a:font script="Cher" typeface="Plantagenet Cherokee"/>
+        <a:font script="Yiii" typeface="Microsoft Yi Baiti"/>
+        <a:font script="Tibt" typeface="Microsoft Himalaya"/>
+        <a:font script="Thaa" typeface="MV Boli"/>
+        <a:font script="Deva" typeface="Mangal"/>
+        <a:font script="Telu" typeface="Gautami"/>
+        <a:font script="Taml" typeface="Latha"/>
+        <a:font script="Syrc" typeface="Estrangelo Edessa"/>
+        <a:font script="Orya" typeface="Kalinga"/>
+        <a:font script="Mlym" typeface="Kartika"/>
+        <a:font script="Laoo" typeface="DokChampa"/>
+        <a:font script="Sinh" typeface="Iskoola Pota"/>
+        <a:font script="Mong" typeface="Mongolian Baiti"/>
+        <a:font script="Viet" typeface="Arial"/>
+        <a:font script="Uigh" typeface="Microsoft Uighur"/>
+        <a:font script="Geor" typeface="Sylfaen"/>
+      </a:minorFont>
+    </a:fontScheme>
+    <a:fmtScheme name="Office">
+      <a:fillStyleLst>
+        <a:solidFill>
+          <a:schemeClr val="phClr"/>
+        </a:solidFill>
+        <a:gradFill rotWithShape="1">
+          <a:gsLst>
+            <a:gs pos="0">
+              <a:schemeClr val="phClr">
+                <a:lumMod val="110000"/>
+                <a:satMod val="105000"/>
+                <a:tint val="67000"/>
+              </a:schemeClr>
+            </a:gs>
+            <a:gs pos="50000">
+              <a:schemeClr val="phClr">
+                <a:lumMod val="105000"/>
+                <a:satMod val="103000"/>
+                <a:tint val="73000"/>
+              </a:schemeClr>
+            </a:gs>
+            <a:gs pos="100000">
+              <a:schemeClr val="phClr">
+                <a:lumMod val="105000"/>
+                <a:satMod val="109000"/>
+                <a:tint val="81000"/>
+              </a:schemeClr>
+            </a:gs>
+          </a:gsLst>
+          <a:lin ang="5400000" scaled="0"/>
+        </a:gradFill>
+        <a:gradFill rotWithShape="1">
+          <a:gsLst>
+            <a:gs pos="0">
+              <a:schemeClr val="phClr">
+                <a:satMod val="103000"/>
+                <a:lumMod val="102000"/>
+                <a:tint val="94000"/>
+              </a:schemeClr>
+            </a:gs>
+            <a:gs pos="50000">
+              <a:schemeClr val="phClr">
+                <a:satMod val="110000"/>
+                <a:lumMod val="100000"/>
+                <a:shade val="100000"/>
+              </a:schemeClr>
+            </a:gs>
+            <a:gs pos="100000">
+              <a:schemeClr val="phClr">
+                <a:lumMod val="99000"/>
+                <a:satMod val="120000"/>
+                <a:shade val="78000"/>
+              </a:schemeClr>
+            </a:gs>
+          </a:gsLst>
+          <a:lin ang="5400000" scaled="0"/>
+        </a:gradFill>
+      </a:fillStyleLst>
+      <a:lnStyleLst>
+        <a:ln w="6350" cap="flat" cmpd="sng" algn="ctr">
+          <a:solidFill>
+            <a:schemeClr val="phClr"/>
+          </a:solidFill>
+          <a:prstDash val="solid"/>
+          <a:miter lim="800000"/>
+        </a:ln>
+        <a:ln w="12700" cap="flat" cmpd="sng" algn="ctr">
+          <a:solidFill>
+            <a:schemeClr val="phClr"/>
+          </a:solidFill>
+          <a:prstDash val="solid"/>
+          <a:miter lim="800000"/>
+        </a:ln>
+        <a:ln w="19050" cap="flat" cmpd="sng" algn="ctr">
+          <a:solidFill>
+            <a:schemeClr val="phClr"/>
+          </a:solidFill>
+          <a:prstDash val="solid"/>
+          <a:miter lim="800000"/>
+        </a:ln>
+      </a:lnStyleLst>
+      <a:effectStyleLst>
+        <a:effectStyle>
+          <a:effectLst/>
+        </a:effectStyle>
+        <a:effectStyle>
+          <a:effectLst/>
+        </a:effectStyle>
+        <a:effectStyle>
+          <a:effectLst>
+            <a:outerShdw blurRad="57150" dist="19050" dir="5400000" algn="ctr" rotWithShape="0">
+              <a:srgbClr val="000000">
+                <a:alpha val="63000"/>
+              </a:srgbClr>
+            </a:outerShdw>
+          </a:effectLst>
+        </a:effectStyle>
+      </a:effectStyleLst>
+      <a:bgFillStyleLst>
+        <a:solidFill>
+          <a:schemeClr val="phClr"/>
+        </a:solidFill>
+        <a:solidFill>
+          <a:schemeClr val="phClr">
+            <a:tint val="95000"/>
+            <a:satMod val="170000"/>
+          </a:schemeClr>
+        </a:solidFill>
+        <a:gradFill rotWithShape="1">
+          <a:gsLst>
+            <a:gs pos="0">
+              <a:schemeClr val="phClr">
+                <a:tint val="93000"/>
+                <a:satMod val="150000"/>
+                <a:shade val="98000"/>
+                <a:lumMod val="102000"/>
+              </a:schemeClr>
+            </a:gs>
+            <a:gs pos="50000">
+              <a:schemeClr val="phClr">
+                <a:tint val="98000"/>
+                <a:satMod val="130000"/>
+                <a:shade val="90000"/>
+                <a:lumMod val="103000"/>
+              </a:schemeClr>
+            </a:gs>
+            <a:gs pos="100000">
+              <a:schemeClr val="phClr">
+                <a:shade val="63000"/>
+                <a:satMod val="120000"/>
+              </a:schemeClr>
+            </a:gs>
+          </a:gsLst>
+          <a:lin ang="5400000" scaled="0"/>
+        </a:gradFill>
+      </a:bgFillStyleLst>
+    </a:fmtScheme>
+  </a:themeElements>
+  <a:objectDefaults/>
+  <a:extraClrSchemeLst/>
+  <a:extLst>
+    <a:ext uri="{05A4C25C-085E-4340-85A3-A5531E510DB2}">
+      <thm15:themeFamily xmlns:thm15="http://schemas.microsoft.com/office/thememl/2012/main" name="Office Theme" id="{62F939B6-93AF-4DB8-9C6B-D6C7DFDC589F}" vid="{4A3C46E8-61CC-4603-A589-7422A47A8E4A}"/>
+    </a:ext>
+  </a:extLst>
+</a:theme>
 </file>
--- a/PPGR_Presentation.pptx
+++ b/PPGR_Presentation.pptx
@@ -5,17 +5,18 @@
     <p:sldMasterId id="2147483660" r:id="rId1"/>
   </p:sldMasterIdLst>
   <p:notesMasterIdLst>
-    <p:notesMasterId r:id="rId10"/>
+    <p:notesMasterId r:id="rId11"/>
   </p:notesMasterIdLst>
   <p:sldIdLst>
     <p:sldId id="256" r:id="rId2"/>
     <p:sldId id="257" r:id="rId3"/>
     <p:sldId id="258" r:id="rId4"/>
-    <p:sldId id="259" r:id="rId5"/>
-    <p:sldId id="263" r:id="rId6"/>
-    <p:sldId id="260" r:id="rId7"/>
-    <p:sldId id="261" r:id="rId8"/>
-    <p:sldId id="262" r:id="rId9"/>
+    <p:sldId id="264" r:id="rId5"/>
+    <p:sldId id="259" r:id="rId6"/>
+    <p:sldId id="263" r:id="rId7"/>
+    <p:sldId id="260" r:id="rId8"/>
+    <p:sldId id="261" r:id="rId9"/>
+    <p:sldId id="262" r:id="rId10"/>
   </p:sldIdLst>
   <p:sldSz cx="12192000" cy="6858000"/>
   <p:notesSz cx="6858000" cy="9144000"/>
@@ -208,7 +209,7 @@
           <a:p>
             <a:fld id="{9592D379-50E2-4708-9C87-DCBADD402CD7}" type="datetimeFigureOut">
               <a:rPr lang="en-US" smtClean="0"/>
-              <a:t>11/1/2017</a:t>
+              <a:t>11/2/2017</a:t>
             </a:fld>
             <a:endParaRPr lang="en-US"/>
           </a:p>
@@ -272,38 +273,37 @@
           <a:p>
             <a:pPr lvl="0"/>
             <a:r>
-              <a:rPr lang="en-US" smtClean="0"/>
+              <a:rPr lang="en-US"/>
               <a:t>Edit Master text styles</a:t>
             </a:r>
           </a:p>
           <a:p>
             <a:pPr lvl="1"/>
             <a:r>
-              <a:rPr lang="en-US" smtClean="0"/>
+              <a:rPr lang="en-US"/>
               <a:t>Second level</a:t>
             </a:r>
           </a:p>
           <a:p>
             <a:pPr lvl="2"/>
             <a:r>
-              <a:rPr lang="en-US" smtClean="0"/>
+              <a:rPr lang="en-US"/>
               <a:t>Third level</a:t>
             </a:r>
           </a:p>
           <a:p>
             <a:pPr lvl="3"/>
             <a:r>
-              <a:rPr lang="en-US" smtClean="0"/>
+              <a:rPr lang="en-US"/>
               <a:t>Fourth level</a:t>
             </a:r>
           </a:p>
           <a:p>
             <a:pPr lvl="4"/>
             <a:r>
-              <a:rPr lang="en-US" smtClean="0"/>
+              <a:rPr lang="en-US"/>
               <a:t>Fifth level</a:t>
             </a:r>
-            <a:endParaRPr lang="en-US"/>
           </a:p>
         </p:txBody>
       </p:sp>
@@ -541,7 +541,7 @@
           <a:p>
             <a:fld id="{10A832F8-3E0B-45B2-A087-4376AFB957F1}" type="slidenum">
               <a:rPr lang="en-US" smtClean="0"/>
-              <a:t>6</a:t>
+              <a:t>7</a:t>
             </a:fld>
             <a:endParaRPr lang="en-US"/>
           </a:p>
@@ -1282,7 +1282,7 @@
           <a:p>
             <a:fld id="{DA6B044D-6B96-46DD-8021-7E409CA4D2CA}" type="datetimeFigureOut">
               <a:rPr lang="en-US" smtClean="0"/>
-              <a:t>11/1/2017</a:t>
+              <a:t>11/2/2017</a:t>
             </a:fld>
             <a:endParaRPr lang="en-US"/>
           </a:p>
@@ -1533,7 +1533,7 @@
           <a:p>
             <a:fld id="{DA6B044D-6B96-46DD-8021-7E409CA4D2CA}" type="datetimeFigureOut">
               <a:rPr lang="en-US" smtClean="0"/>
-              <a:t>11/1/2017</a:t>
+              <a:t>11/2/2017</a:t>
             </a:fld>
             <a:endParaRPr lang="en-US"/>
           </a:p>
@@ -1847,7 +1847,7 @@
           <a:p>
             <a:fld id="{DA6B044D-6B96-46DD-8021-7E409CA4D2CA}" type="datetimeFigureOut">
               <a:rPr lang="en-US" smtClean="0"/>
-              <a:t>11/1/2017</a:t>
+              <a:t>11/2/2017</a:t>
             </a:fld>
             <a:endParaRPr lang="en-US"/>
           </a:p>
@@ -2188,7 +2188,7 @@
           <a:p>
             <a:fld id="{DA6B044D-6B96-46DD-8021-7E409CA4D2CA}" type="datetimeFigureOut">
               <a:rPr lang="en-US" smtClean="0"/>
-              <a:t>11/1/2017</a:t>
+              <a:t>11/2/2017</a:t>
             </a:fld>
             <a:endParaRPr lang="en-US"/>
           </a:p>
@@ -2502,7 +2502,7 @@
           <a:p>
             <a:fld id="{DA6B044D-6B96-46DD-8021-7E409CA4D2CA}" type="datetimeFigureOut">
               <a:rPr lang="en-US" smtClean="0"/>
-              <a:t>11/1/2017</a:t>
+              <a:t>11/2/2017</a:t>
             </a:fld>
             <a:endParaRPr lang="en-US"/>
           </a:p>
@@ -2895,7 +2895,7 @@
           <a:p>
             <a:fld id="{DA6B044D-6B96-46DD-8021-7E409CA4D2CA}" type="datetimeFigureOut">
               <a:rPr lang="en-US" smtClean="0"/>
-              <a:t>11/1/2017</a:t>
+              <a:t>11/2/2017</a:t>
             </a:fld>
             <a:endParaRPr lang="en-US"/>
           </a:p>
@@ -3065,7 +3065,7 @@
           <a:p>
             <a:fld id="{DA6B044D-6B96-46DD-8021-7E409CA4D2CA}" type="datetimeFigureOut">
               <a:rPr lang="en-US" smtClean="0"/>
-              <a:t>11/1/2017</a:t>
+              <a:t>11/2/2017</a:t>
             </a:fld>
             <a:endParaRPr lang="en-US"/>
           </a:p>
@@ -3245,7 +3245,7 @@
           <a:p>
             <a:fld id="{DA6B044D-6B96-46DD-8021-7E409CA4D2CA}" type="datetimeFigureOut">
               <a:rPr lang="en-US" smtClean="0"/>
-              <a:t>11/1/2017</a:t>
+              <a:t>11/2/2017</a:t>
             </a:fld>
             <a:endParaRPr lang="en-US"/>
           </a:p>
@@ -3421,7 +3421,7 @@
           <a:p>
             <a:fld id="{DA6B044D-6B96-46DD-8021-7E409CA4D2CA}" type="datetimeFigureOut">
               <a:rPr lang="en-US" smtClean="0"/>
-              <a:t>11/1/2017</a:t>
+              <a:t>11/2/2017</a:t>
             </a:fld>
             <a:endParaRPr lang="en-US"/>
           </a:p>
@@ -3668,7 +3668,7 @@
           <a:p>
             <a:fld id="{DA6B044D-6B96-46DD-8021-7E409CA4D2CA}" type="datetimeFigureOut">
               <a:rPr lang="en-US" smtClean="0"/>
-              <a:t>11/1/2017</a:t>
+              <a:t>11/2/2017</a:t>
             </a:fld>
             <a:endParaRPr lang="en-US"/>
           </a:p>
@@ -3900,7 +3900,7 @@
           <a:p>
             <a:fld id="{DA6B044D-6B96-46DD-8021-7E409CA4D2CA}" type="datetimeFigureOut">
               <a:rPr lang="en-US" smtClean="0"/>
-              <a:t>11/1/2017</a:t>
+              <a:t>11/2/2017</a:t>
             </a:fld>
             <a:endParaRPr lang="en-US"/>
           </a:p>
@@ -4274,7 +4274,7 @@
           <a:p>
             <a:fld id="{DA6B044D-6B96-46DD-8021-7E409CA4D2CA}" type="datetimeFigureOut">
               <a:rPr lang="en-US" smtClean="0"/>
-              <a:t>11/1/2017</a:t>
+              <a:t>11/2/2017</a:t>
             </a:fld>
             <a:endParaRPr lang="en-US"/>
           </a:p>
@@ -4397,7 +4397,7 @@
           <a:p>
             <a:fld id="{DA6B044D-6B96-46DD-8021-7E409CA4D2CA}" type="datetimeFigureOut">
               <a:rPr lang="en-US" smtClean="0"/>
-              <a:t>11/1/2017</a:t>
+              <a:t>11/2/2017</a:t>
             </a:fld>
             <a:endParaRPr lang="en-US"/>
           </a:p>
@@ -4492,7 +4492,7 @@
           <a:p>
             <a:fld id="{DA6B044D-6B96-46DD-8021-7E409CA4D2CA}" type="datetimeFigureOut">
               <a:rPr lang="en-US" smtClean="0"/>
-              <a:t>11/1/2017</a:t>
+              <a:t>11/2/2017</a:t>
             </a:fld>
             <a:endParaRPr lang="en-US"/>
           </a:p>
@@ -4747,7 +4747,7 @@
           <a:p>
             <a:fld id="{DA6B044D-6B96-46DD-8021-7E409CA4D2CA}" type="datetimeFigureOut">
               <a:rPr lang="en-US" smtClean="0"/>
-              <a:t>11/1/2017</a:t>
+              <a:t>11/2/2017</a:t>
             </a:fld>
             <a:endParaRPr lang="en-US"/>
           </a:p>
@@ -5010,7 +5010,7 @@
           <a:p>
             <a:fld id="{DA6B044D-6B96-46DD-8021-7E409CA4D2CA}" type="datetimeFigureOut">
               <a:rPr lang="en-US" smtClean="0"/>
-              <a:t>11/1/2017</a:t>
+              <a:t>11/2/2017</a:t>
             </a:fld>
             <a:endParaRPr lang="en-US"/>
           </a:p>
@@ -5753,7 +5753,7 @@
           <a:p>
             <a:fld id="{DA6B044D-6B96-46DD-8021-7E409CA4D2CA}" type="datetimeFigureOut">
               <a:rPr lang="en-US" smtClean="0"/>
-              <a:t>11/1/2017</a:t>
+              <a:t>11/2/2017</a:t>
             </a:fld>
             <a:endParaRPr lang="en-US"/>
           </a:p>
@@ -6381,7 +6381,7 @@
         </p:nvSpPr>
         <p:spPr>
           <a:xfrm>
-            <a:off x="677334" y="609600"/>
+            <a:off x="357737" y="298881"/>
             <a:ext cx="6395270" cy="1320800"/>
           </a:xfrm>
         </p:spPr>
@@ -6396,6 +6396,42 @@
           </a:p>
         </p:txBody>
       </p:sp>
+      <p:pic>
+        <p:nvPicPr>
+          <p:cNvPr id="16" name="Picture 15">
+            <a:extLst>
+              <a:ext uri="{FF2B5EF4-FFF2-40B4-BE49-F238E27FC236}">
+                <a16:creationId xmlns:a16="http://schemas.microsoft.com/office/drawing/2014/main" id="{064F29F8-78B9-4879-843C-C1AA493511CD}"/>
+              </a:ext>
+            </a:extLst>
+          </p:cNvPr>
+          <p:cNvPicPr>
+            <a:picLocks noChangeAspect="1"/>
+          </p:cNvPicPr>
+          <p:nvPr/>
+        </p:nvPicPr>
+        <p:blipFill>
+          <a:blip r:embed="rId2">
+            <a:extLst>
+              <a:ext uri="{28A0092B-C50C-407E-A947-70E740481C1C}">
+                <a14:useLocalDpi xmlns:a14="http://schemas.microsoft.com/office/drawing/2010/main" val="0"/>
+              </a:ext>
+            </a:extLst>
+          </a:blip>
+          <a:stretch>
+            <a:fillRect/>
+          </a:stretch>
+        </p:blipFill>
+        <p:spPr>
+          <a:xfrm>
+            <a:off x="1780168" y="1368918"/>
+            <a:ext cx="6622081" cy="4966560"/>
+          </a:xfrm>
+          <a:prstGeom prst="rect">
+            <a:avLst/>
+          </a:prstGeom>
+        </p:spPr>
+      </p:pic>
       <p:graphicFrame>
         <p:nvGraphicFramePr>
           <p:cNvPr id="9" name="Content Placeholder 8">
@@ -6412,14 +6448,14 @@
             <p:ph sz="half" idx="1"/>
             <p:extLst>
               <p:ext uri="{D42A27DB-BD31-4B8C-83A1-F6EECF244321}">
-                <p14:modId xmlns:p14="http://schemas.microsoft.com/office/powerpoint/2010/main" val="3019046969"/>
+                <p14:modId xmlns:p14="http://schemas.microsoft.com/office/powerpoint/2010/main" val="3038986178"/>
               </p:ext>
             </p:extLst>
           </p:nvPr>
         </p:nvGraphicFramePr>
         <p:xfrm>
-          <a:off x="7186009" y="939257"/>
-          <a:ext cx="2011680" cy="4572000"/>
+          <a:off x="2708374" y="1066135"/>
+          <a:ext cx="4765668" cy="5572125"/>
         </p:xfrm>
         <a:graphic>
           <a:graphicData uri="http://schemas.openxmlformats.org/drawingml/2006/table">
@@ -6428,14 +6464,14 @@
                 <a:tableStyleId>{5C22544A-7EE6-4342-B048-85BDC9FD1C3A}</a:tableStyleId>
               </a:tblPr>
               <a:tblGrid>
-                <a:gridCol w="1005840">
+                <a:gridCol w="2382834">
                   <a:extLst>
                     <a:ext uri="{9D8B030D-6E8A-4147-A177-3AD203B41FA5}">
                       <a16:colId xmlns:a16="http://schemas.microsoft.com/office/drawing/2014/main" val="2456363618"/>
                     </a:ext>
                   </a:extLst>
                 </a:gridCol>
-                <a:gridCol w="1005840">
+                <a:gridCol w="2382834">
                   <a:extLst>
                     <a:ext uri="{9D8B030D-6E8A-4147-A177-3AD203B41FA5}">
                       <a16:colId xmlns:a16="http://schemas.microsoft.com/office/drawing/2014/main" val="570775292"/>
@@ -6443,7 +6479,7 @@
                   </a:extLst>
                 </a:gridCol>
               </a:tblGrid>
-              <a:tr h="182880">
+              <a:tr h="220984">
                 <a:tc gridSpan="2">
                   <a:txBody>
                     <a:bodyPr/>
@@ -6451,7 +6487,7 @@
                     <a:p>
                       <a:pPr algn="ctr" fontAlgn="b"/>
                       <a:r>
-                        <a:rPr lang="en-US" sz="1100" b="0" i="0" u="none" strike="noStrike" dirty="0">
+                        <a:rPr lang="en-US" sz="1400" b="0" i="0" u="none" strike="noStrike" dirty="0">
                           <a:solidFill>
                             <a:srgbClr val="000000"/>
                           </a:solidFill>
@@ -6480,7 +6516,7 @@
                   </a:ext>
                 </a:extLst>
               </a:tr>
-              <a:tr h="182880">
+              <a:tr h="220984">
                 <a:tc>
                   <a:txBody>
                     <a:bodyPr/>
@@ -6488,7 +6524,7 @@
                     <a:p>
                       <a:pPr algn="ctr" fontAlgn="b"/>
                       <a:r>
-                        <a:rPr lang="en-US" sz="1100" b="0" i="0" u="none" strike="noStrike" dirty="0">
+                        <a:rPr lang="en-US" sz="1400" b="0" i="0" u="none" strike="noStrike" dirty="0">
                           <a:solidFill>
                             <a:srgbClr val="000000"/>
                           </a:solidFill>
@@ -6515,7 +6551,7 @@
                     <a:p>
                       <a:pPr algn="ctr" fontAlgn="b"/>
                       <a:r>
-                        <a:rPr lang="en-US" sz="1100" b="0" i="0" u="none" strike="noStrike" dirty="0">
+                        <a:rPr lang="en-US" sz="1400" b="0" i="0" u="none" strike="noStrike" dirty="0">
                           <a:solidFill>
                             <a:srgbClr val="000000"/>
                           </a:solidFill>
@@ -6541,7 +6577,7 @@
                   </a:ext>
                 </a:extLst>
               </a:tr>
-              <a:tr h="182880">
+              <a:tr h="220984">
                 <a:tc>
                   <a:txBody>
                     <a:bodyPr/>
@@ -6549,7 +6585,7 @@
                     <a:p>
                       <a:pPr algn="ctr" fontAlgn="b"/>
                       <a:r>
-                        <a:rPr lang="en-US" sz="1100" b="0" i="0" u="none" strike="noStrike" dirty="0">
+                        <a:rPr lang="en-US" sz="1400" b="0" i="0" u="none" strike="noStrike" dirty="0">
                           <a:solidFill>
                             <a:srgbClr val="000000"/>
                           </a:solidFill>
@@ -6569,7 +6605,7 @@
                     <a:p>
                       <a:pPr algn="ctr" fontAlgn="b"/>
                       <a:r>
-                        <a:rPr lang="en-US" sz="1100" b="0" i="0" u="none" strike="noStrike" dirty="0">
+                        <a:rPr lang="en-US" sz="1400" b="0" i="0" u="none" strike="noStrike" dirty="0">
                           <a:solidFill>
                             <a:srgbClr val="000000"/>
                           </a:solidFill>
@@ -6588,7 +6624,7 @@
                   </a:ext>
                 </a:extLst>
               </a:tr>
-              <a:tr h="182880">
+              <a:tr h="220984">
                 <a:tc>
                   <a:txBody>
                     <a:bodyPr/>
@@ -6596,7 +6632,7 @@
                     <a:p>
                       <a:pPr algn="ctr" fontAlgn="b"/>
                       <a:r>
-                        <a:rPr lang="en-US" sz="1100" b="0" i="0" u="none" strike="noStrike" dirty="0">
+                        <a:rPr lang="en-US" sz="1400" b="0" i="0" u="none" strike="noStrike" dirty="0">
                           <a:solidFill>
                             <a:srgbClr val="000000"/>
                           </a:solidFill>
@@ -6616,7 +6652,7 @@
                     <a:p>
                       <a:pPr algn="ctr" fontAlgn="b"/>
                       <a:r>
-                        <a:rPr lang="en-US" sz="1100" b="0" i="0" u="none" strike="noStrike" dirty="0">
+                        <a:rPr lang="en-US" sz="1400" b="0" i="0" u="none" strike="noStrike" dirty="0">
                           <a:solidFill>
                             <a:srgbClr val="000000"/>
                           </a:solidFill>
@@ -6635,7 +6671,7 @@
                   </a:ext>
                 </a:extLst>
               </a:tr>
-              <a:tr h="182880">
+              <a:tr h="220984">
                 <a:tc>
                   <a:txBody>
                     <a:bodyPr/>
@@ -6643,7 +6679,7 @@
                     <a:p>
                       <a:pPr algn="ctr" fontAlgn="b"/>
                       <a:r>
-                        <a:rPr lang="en-US" sz="1100" b="0" i="0" u="none" strike="noStrike" dirty="0">
+                        <a:rPr lang="en-US" sz="1400" b="0" i="0" u="none" strike="noStrike" dirty="0">
                           <a:solidFill>
                             <a:srgbClr val="000000"/>
                           </a:solidFill>
@@ -6663,7 +6699,7 @@
                     <a:p>
                       <a:pPr algn="ctr" fontAlgn="b"/>
                       <a:r>
-                        <a:rPr lang="en-US" sz="1100" b="0" i="0" u="none" strike="noStrike" dirty="0">
+                        <a:rPr lang="en-US" sz="1400" b="0" i="0" u="none" strike="noStrike" dirty="0">
                           <a:solidFill>
                             <a:srgbClr val="000000"/>
                           </a:solidFill>
@@ -6682,7 +6718,7 @@
                   </a:ext>
                 </a:extLst>
               </a:tr>
-              <a:tr h="182880">
+              <a:tr h="220984">
                 <a:tc>
                   <a:txBody>
                     <a:bodyPr/>
@@ -6690,7 +6726,7 @@
                     <a:p>
                       <a:pPr algn="ctr" fontAlgn="b"/>
                       <a:r>
-                        <a:rPr lang="en-US" sz="1100" b="0" i="0" u="none" strike="noStrike" dirty="0">
+                        <a:rPr lang="en-US" sz="1400" b="0" i="0" u="none" strike="noStrike" dirty="0">
                           <a:solidFill>
                             <a:srgbClr val="000000"/>
                           </a:solidFill>
@@ -6710,7 +6746,7 @@
                     <a:p>
                       <a:pPr algn="ctr" fontAlgn="b"/>
                       <a:r>
-                        <a:rPr lang="en-US" sz="1100" b="0" i="0" u="none" strike="noStrike" dirty="0">
+                        <a:rPr lang="en-US" sz="1400" b="0" i="0" u="none" strike="noStrike" dirty="0">
                           <a:solidFill>
                             <a:srgbClr val="000000"/>
                           </a:solidFill>
@@ -6729,7 +6765,7 @@
                   </a:ext>
                 </a:extLst>
               </a:tr>
-              <a:tr h="182880">
+              <a:tr h="220984">
                 <a:tc>
                   <a:txBody>
                     <a:bodyPr/>
@@ -6737,7 +6773,7 @@
                     <a:p>
                       <a:pPr algn="ctr" fontAlgn="b"/>
                       <a:r>
-                        <a:rPr lang="en-US" sz="1100" b="0" i="0" u="none" strike="noStrike">
+                        <a:rPr lang="en-US" sz="1400" b="0" i="0" u="none" strike="noStrike">
                           <a:solidFill>
                             <a:srgbClr val="000000"/>
                           </a:solidFill>
@@ -6757,7 +6793,7 @@
                     <a:p>
                       <a:pPr algn="ctr" fontAlgn="b"/>
                       <a:r>
-                        <a:rPr lang="en-US" sz="1100" b="0" i="0" u="none" strike="noStrike">
+                        <a:rPr lang="en-US" sz="1400" b="0" i="0" u="none" strike="noStrike" dirty="0">
                           <a:solidFill>
                             <a:srgbClr val="000000"/>
                           </a:solidFill>
@@ -6776,7 +6812,7 @@
                   </a:ext>
                 </a:extLst>
               </a:tr>
-              <a:tr h="182880">
+              <a:tr h="220984">
                 <a:tc>
                   <a:txBody>
                     <a:bodyPr/>
@@ -6784,7 +6820,7 @@
                     <a:p>
                       <a:pPr algn="ctr" fontAlgn="b"/>
                       <a:r>
-                        <a:rPr lang="en-US" sz="1100" b="0" i="0" u="none" strike="noStrike">
+                        <a:rPr lang="en-US" sz="1400" b="0" i="0" u="none" strike="noStrike">
                           <a:solidFill>
                             <a:srgbClr val="000000"/>
                           </a:solidFill>
@@ -6804,7 +6840,7 @@
                     <a:p>
                       <a:pPr algn="ctr" fontAlgn="b"/>
                       <a:r>
-                        <a:rPr lang="en-US" sz="1100" b="0" i="0" u="none" strike="noStrike" dirty="0">
+                        <a:rPr lang="en-US" sz="1400" b="0" i="0" u="none" strike="noStrike" dirty="0">
                           <a:solidFill>
                             <a:srgbClr val="000000"/>
                           </a:solidFill>
@@ -6823,7 +6859,7 @@
                   </a:ext>
                 </a:extLst>
               </a:tr>
-              <a:tr h="182880">
+              <a:tr h="220984">
                 <a:tc>
                   <a:txBody>
                     <a:bodyPr/>
@@ -6831,7 +6867,7 @@
                     <a:p>
                       <a:pPr algn="ctr" fontAlgn="b"/>
                       <a:r>
-                        <a:rPr lang="en-US" sz="1100" b="0" i="0" u="none" strike="noStrike">
+                        <a:rPr lang="en-US" sz="1400" b="0" i="0" u="none" strike="noStrike">
                           <a:solidFill>
                             <a:srgbClr val="000000"/>
                           </a:solidFill>
@@ -6851,7 +6887,7 @@
                     <a:p>
                       <a:pPr algn="ctr" fontAlgn="b"/>
                       <a:r>
-                        <a:rPr lang="en-US" sz="1100" b="0" i="0" u="none" strike="noStrike" dirty="0">
+                        <a:rPr lang="en-US" sz="1400" b="0" i="0" u="none" strike="noStrike" dirty="0">
                           <a:solidFill>
                             <a:srgbClr val="000000"/>
                           </a:solidFill>
@@ -6870,7 +6906,7 @@
                   </a:ext>
                 </a:extLst>
               </a:tr>
-              <a:tr h="182880">
+              <a:tr h="220984">
                 <a:tc>
                   <a:txBody>
                     <a:bodyPr/>
@@ -6878,7 +6914,7 @@
                     <a:p>
                       <a:pPr algn="ctr" fontAlgn="b"/>
                       <a:r>
-                        <a:rPr lang="en-US" sz="1100" b="0" i="0" u="none" strike="noStrike">
+                        <a:rPr lang="en-US" sz="1400" b="0" i="0" u="none" strike="noStrike">
                           <a:solidFill>
                             <a:srgbClr val="000000"/>
                           </a:solidFill>
@@ -6898,7 +6934,7 @@
                     <a:p>
                       <a:pPr algn="ctr" fontAlgn="b"/>
                       <a:r>
-                        <a:rPr lang="en-US" sz="1100" b="0" i="0" u="none" strike="noStrike" dirty="0">
+                        <a:rPr lang="en-US" sz="1400" b="0" i="0" u="none" strike="noStrike" dirty="0">
                           <a:solidFill>
                             <a:srgbClr val="000000"/>
                           </a:solidFill>
@@ -6917,7 +6953,7 @@
                   </a:ext>
                 </a:extLst>
               </a:tr>
-              <a:tr h="182880">
+              <a:tr h="220984">
                 <a:tc>
                   <a:txBody>
                     <a:bodyPr/>
@@ -6925,7 +6961,7 @@
                     <a:p>
                       <a:pPr algn="ctr" fontAlgn="b"/>
                       <a:r>
-                        <a:rPr lang="en-US" sz="1100" b="0" i="0" u="none" strike="noStrike">
+                        <a:rPr lang="en-US" sz="1400" b="0" i="0" u="none" strike="noStrike">
                           <a:solidFill>
                             <a:srgbClr val="000000"/>
                           </a:solidFill>
@@ -6945,7 +6981,7 @@
                     <a:p>
                       <a:pPr algn="ctr" fontAlgn="b"/>
                       <a:r>
-                        <a:rPr lang="en-US" sz="1100" b="0" i="0" u="none" strike="noStrike" dirty="0">
+                        <a:rPr lang="en-US" sz="1400" b="0" i="0" u="none" strike="noStrike" dirty="0">
                           <a:solidFill>
                             <a:srgbClr val="000000"/>
                           </a:solidFill>
@@ -6964,7 +7000,7 @@
                   </a:ext>
                 </a:extLst>
               </a:tr>
-              <a:tr h="182880">
+              <a:tr h="220984">
                 <a:tc>
                   <a:txBody>
                     <a:bodyPr/>
@@ -6972,7 +7008,7 @@
                     <a:p>
                       <a:pPr algn="ctr" fontAlgn="b"/>
                       <a:r>
-                        <a:rPr lang="en-US" sz="1100" b="0" i="0" u="none" strike="noStrike">
+                        <a:rPr lang="en-US" sz="1400" b="0" i="0" u="none" strike="noStrike">
                           <a:solidFill>
                             <a:srgbClr val="000000"/>
                           </a:solidFill>
@@ -6992,7 +7028,7 @@
                     <a:p>
                       <a:pPr algn="ctr" fontAlgn="b"/>
                       <a:r>
-                        <a:rPr lang="en-US" sz="1100" b="0" i="0" u="none" strike="noStrike" dirty="0">
+                        <a:rPr lang="en-US" sz="1400" b="0" i="0" u="none" strike="noStrike" dirty="0">
                           <a:solidFill>
                             <a:srgbClr val="000000"/>
                           </a:solidFill>
@@ -7011,7 +7047,7 @@
                   </a:ext>
                 </a:extLst>
               </a:tr>
-              <a:tr h="182880">
+              <a:tr h="220984">
                 <a:tc>
                   <a:txBody>
                     <a:bodyPr/>
@@ -7019,7 +7055,7 @@
                     <a:p>
                       <a:pPr algn="ctr" fontAlgn="b"/>
                       <a:r>
-                        <a:rPr lang="en-US" sz="1100" b="0" i="0" u="none" strike="noStrike">
+                        <a:rPr lang="en-US" sz="1400" b="0" i="0" u="none" strike="noStrike">
                           <a:solidFill>
                             <a:srgbClr val="000000"/>
                           </a:solidFill>
@@ -7039,7 +7075,7 @@
                     <a:p>
                       <a:pPr algn="ctr" fontAlgn="b"/>
                       <a:r>
-                        <a:rPr lang="en-US" sz="1100" b="0" i="0" u="none" strike="noStrike" dirty="0">
+                        <a:rPr lang="en-US" sz="1400" b="0" i="0" u="none" strike="noStrike" dirty="0">
                           <a:solidFill>
                             <a:srgbClr val="000000"/>
                           </a:solidFill>
@@ -7058,7 +7094,7 @@
                   </a:ext>
                 </a:extLst>
               </a:tr>
-              <a:tr h="182880">
+              <a:tr h="220984">
                 <a:tc>
                   <a:txBody>
                     <a:bodyPr/>
@@ -7066,7 +7102,7 @@
                     <a:p>
                       <a:pPr algn="ctr" fontAlgn="b"/>
                       <a:r>
-                        <a:rPr lang="en-US" sz="1100" b="0" i="0" u="none" strike="noStrike">
+                        <a:rPr lang="en-US" sz="1400" b="0" i="0" u="none" strike="noStrike">
                           <a:solidFill>
                             <a:srgbClr val="000000"/>
                           </a:solidFill>
@@ -7086,7 +7122,7 @@
                     <a:p>
                       <a:pPr algn="ctr" fontAlgn="b"/>
                       <a:r>
-                        <a:rPr lang="en-US" sz="1100" b="0" i="0" u="none" strike="noStrike" dirty="0">
+                        <a:rPr lang="en-US" sz="1400" b="0" i="0" u="none" strike="noStrike" dirty="0">
                           <a:solidFill>
                             <a:srgbClr val="000000"/>
                           </a:solidFill>
@@ -7105,7 +7141,7 @@
                   </a:ext>
                 </a:extLst>
               </a:tr>
-              <a:tr h="182880">
+              <a:tr h="220984">
                 <a:tc>
                   <a:txBody>
                     <a:bodyPr/>
@@ -7113,7 +7149,7 @@
                     <a:p>
                       <a:pPr algn="ctr" fontAlgn="b"/>
                       <a:r>
-                        <a:rPr lang="en-US" sz="1100" b="0" i="0" u="none" strike="noStrike">
+                        <a:rPr lang="en-US" sz="1400" b="0" i="0" u="none" strike="noStrike">
                           <a:solidFill>
                             <a:srgbClr val="000000"/>
                           </a:solidFill>
@@ -7133,7 +7169,7 @@
                     <a:p>
                       <a:pPr algn="ctr" fontAlgn="b"/>
                       <a:r>
-                        <a:rPr lang="en-US" sz="1100" b="0" i="0" u="none" strike="noStrike" dirty="0">
+                        <a:rPr lang="en-US" sz="1400" b="0" i="0" u="none" strike="noStrike" dirty="0">
                           <a:solidFill>
                             <a:srgbClr val="000000"/>
                           </a:solidFill>
@@ -7152,7 +7188,7 @@
                   </a:ext>
                 </a:extLst>
               </a:tr>
-              <a:tr h="182880">
+              <a:tr h="220984">
                 <a:tc>
                   <a:txBody>
                     <a:bodyPr/>
@@ -7160,7 +7196,7 @@
                     <a:p>
                       <a:pPr algn="ctr" fontAlgn="b"/>
                       <a:r>
-                        <a:rPr lang="en-US" sz="1100" b="0" i="0" u="none" strike="noStrike">
+                        <a:rPr lang="en-US" sz="1400" b="0" i="0" u="none" strike="noStrike">
                           <a:solidFill>
                             <a:srgbClr val="000000"/>
                           </a:solidFill>
@@ -7180,7 +7216,7 @@
                     <a:p>
                       <a:pPr algn="ctr" fontAlgn="b"/>
                       <a:r>
-                        <a:rPr lang="en-US" sz="1100" b="0" i="0" u="none" strike="noStrike" dirty="0">
+                        <a:rPr lang="en-US" sz="1400" b="0" i="0" u="none" strike="noStrike" dirty="0">
                           <a:solidFill>
                             <a:srgbClr val="000000"/>
                           </a:solidFill>
@@ -7199,7 +7235,7 @@
                   </a:ext>
                 </a:extLst>
               </a:tr>
-              <a:tr h="182880">
+              <a:tr h="220984">
                 <a:tc>
                   <a:txBody>
                     <a:bodyPr/>
@@ -7207,7 +7243,7 @@
                     <a:p>
                       <a:pPr algn="ctr" fontAlgn="b"/>
                       <a:r>
-                        <a:rPr lang="en-US" sz="1100" b="0" i="0" u="none" strike="noStrike">
+                        <a:rPr lang="en-US" sz="1400" b="0" i="0" u="none" strike="noStrike">
                           <a:solidFill>
                             <a:srgbClr val="000000"/>
                           </a:solidFill>
@@ -7227,7 +7263,7 @@
                     <a:p>
                       <a:pPr algn="ctr" fontAlgn="b"/>
                       <a:r>
-                        <a:rPr lang="en-US" sz="1100" b="0" i="0" u="none" strike="noStrike" dirty="0">
+                        <a:rPr lang="en-US" sz="1400" b="0" i="0" u="none" strike="noStrike" dirty="0">
                           <a:solidFill>
                             <a:srgbClr val="000000"/>
                           </a:solidFill>
@@ -7246,7 +7282,7 @@
                   </a:ext>
                 </a:extLst>
               </a:tr>
-              <a:tr h="182880">
+              <a:tr h="220984">
                 <a:tc>
                   <a:txBody>
                     <a:bodyPr/>
@@ -7254,7 +7290,7 @@
                     <a:p>
                       <a:pPr algn="ctr" fontAlgn="b"/>
                       <a:r>
-                        <a:rPr lang="en-US" sz="1100" b="0" i="0" u="none" strike="noStrike">
+                        <a:rPr lang="en-US" sz="1400" b="0" i="0" u="none" strike="noStrike">
                           <a:solidFill>
                             <a:srgbClr val="000000"/>
                           </a:solidFill>
@@ -7274,7 +7310,7 @@
                     <a:p>
                       <a:pPr algn="ctr" fontAlgn="b"/>
                       <a:r>
-                        <a:rPr lang="en-US" sz="1100" b="0" i="0" u="none" strike="noStrike" dirty="0">
+                        <a:rPr lang="en-US" sz="1400" b="0" i="0" u="none" strike="noStrike" dirty="0">
                           <a:solidFill>
                             <a:srgbClr val="000000"/>
                           </a:solidFill>
@@ -7293,7 +7329,7 @@
                   </a:ext>
                 </a:extLst>
               </a:tr>
-              <a:tr h="182880">
+              <a:tr h="220984">
                 <a:tc>
                   <a:txBody>
                     <a:bodyPr/>
@@ -7301,7 +7337,7 @@
                     <a:p>
                       <a:pPr algn="ctr" fontAlgn="b"/>
                       <a:r>
-                        <a:rPr lang="en-US" sz="1100" b="0" i="0" u="none" strike="noStrike">
+                        <a:rPr lang="en-US" sz="1400" b="0" i="0" u="none" strike="noStrike">
                           <a:solidFill>
                             <a:srgbClr val="000000"/>
                           </a:solidFill>
@@ -7321,7 +7357,7 @@
                     <a:p>
                       <a:pPr algn="ctr" fontAlgn="b"/>
                       <a:r>
-                        <a:rPr lang="en-US" sz="1100" b="0" i="0" u="none" strike="noStrike" dirty="0">
+                        <a:rPr lang="en-US" sz="1400" b="0" i="0" u="none" strike="noStrike" dirty="0">
                           <a:solidFill>
                             <a:srgbClr val="000000"/>
                           </a:solidFill>
@@ -7340,7 +7376,7 @@
                   </a:ext>
                 </a:extLst>
               </a:tr>
-              <a:tr h="182880">
+              <a:tr h="220984">
                 <a:tc>
                   <a:txBody>
                     <a:bodyPr/>
@@ -7348,7 +7384,7 @@
                     <a:p>
                       <a:pPr algn="ctr" fontAlgn="b"/>
                       <a:r>
-                        <a:rPr lang="en-US" sz="1100" b="0" i="0" u="none" strike="noStrike">
+                        <a:rPr lang="en-US" sz="1400" b="0" i="0" u="none" strike="noStrike">
                           <a:solidFill>
                             <a:srgbClr val="000000"/>
                           </a:solidFill>
@@ -7368,7 +7404,7 @@
                     <a:p>
                       <a:pPr algn="ctr" fontAlgn="b"/>
                       <a:r>
-                        <a:rPr lang="en-US" sz="1100" b="0" i="0" u="none" strike="noStrike" dirty="0">
+                        <a:rPr lang="en-US" sz="1400" b="0" i="0" u="none" strike="noStrike" dirty="0">
                           <a:solidFill>
                             <a:srgbClr val="000000"/>
                           </a:solidFill>
@@ -7387,7 +7423,7 @@
                   </a:ext>
                 </a:extLst>
               </a:tr>
-              <a:tr h="182880">
+              <a:tr h="220984">
                 <a:tc>
                   <a:txBody>
                     <a:bodyPr/>
@@ -7395,7 +7431,7 @@
                     <a:p>
                       <a:pPr algn="ctr" fontAlgn="b"/>
                       <a:r>
-                        <a:rPr lang="en-US" sz="1100" b="0" i="0" u="none" strike="noStrike">
+                        <a:rPr lang="en-US" sz="1400" b="0" i="0" u="none" strike="noStrike">
                           <a:solidFill>
                             <a:srgbClr val="000000"/>
                           </a:solidFill>
@@ -7415,7 +7451,7 @@
                     <a:p>
                       <a:pPr algn="ctr" fontAlgn="b"/>
                       <a:r>
-                        <a:rPr lang="en-US" sz="1100" b="0" i="0" u="none" strike="noStrike" dirty="0">
+                        <a:rPr lang="en-US" sz="1400" b="0" i="0" u="none" strike="noStrike" dirty="0">
                           <a:solidFill>
                             <a:srgbClr val="000000"/>
                           </a:solidFill>
@@ -7434,7 +7470,7 @@
                   </a:ext>
                 </a:extLst>
               </a:tr>
-              <a:tr h="182880">
+              <a:tr h="220984">
                 <a:tc>
                   <a:txBody>
                     <a:bodyPr/>
@@ -7442,7 +7478,7 @@
                     <a:p>
                       <a:pPr algn="ctr" fontAlgn="b"/>
                       <a:r>
-                        <a:rPr lang="en-US" sz="1100" b="0" i="0" u="none" strike="noStrike">
+                        <a:rPr lang="en-US" sz="1400" b="0" i="0" u="none" strike="noStrike">
                           <a:solidFill>
                             <a:srgbClr val="000000"/>
                           </a:solidFill>
@@ -7462,7 +7498,7 @@
                     <a:p>
                       <a:pPr algn="ctr" fontAlgn="b"/>
                       <a:r>
-                        <a:rPr lang="en-US" sz="1100" b="0" i="0" u="none" strike="noStrike" dirty="0">
+                        <a:rPr lang="en-US" sz="1400" b="0" i="0" u="none" strike="noStrike" dirty="0">
                           <a:solidFill>
                             <a:srgbClr val="000000"/>
                           </a:solidFill>
@@ -7481,7 +7517,7 @@
                   </a:ext>
                 </a:extLst>
               </a:tr>
-              <a:tr h="182880">
+              <a:tr h="220984">
                 <a:tc>
                   <a:txBody>
                     <a:bodyPr/>
@@ -7489,7 +7525,7 @@
                     <a:p>
                       <a:pPr algn="ctr" fontAlgn="b"/>
                       <a:r>
-                        <a:rPr lang="en-US" sz="1100" b="0" i="0" u="none" strike="noStrike">
+                        <a:rPr lang="en-US" sz="1400" b="0" i="0" u="none" strike="noStrike">
                           <a:solidFill>
                             <a:srgbClr val="000000"/>
                           </a:solidFill>
@@ -7509,7 +7545,7 @@
                     <a:p>
                       <a:pPr algn="ctr" fontAlgn="b"/>
                       <a:r>
-                        <a:rPr lang="en-US" sz="1100" b="0" i="0" u="none" strike="noStrike" dirty="0">
+                        <a:rPr lang="en-US" sz="1400" b="0" i="0" u="none" strike="noStrike" dirty="0">
                           <a:solidFill>
                             <a:srgbClr val="000000"/>
                           </a:solidFill>
@@ -7528,7 +7564,7 @@
                   </a:ext>
                 </a:extLst>
               </a:tr>
-              <a:tr h="182880">
+              <a:tr h="220984">
                 <a:tc>
                   <a:txBody>
                     <a:bodyPr/>
@@ -7536,7 +7572,7 @@
                     <a:p>
                       <a:pPr algn="ctr" fontAlgn="b"/>
                       <a:r>
-                        <a:rPr lang="en-US" sz="1100" b="0" i="0" u="none" strike="noStrike">
+                        <a:rPr lang="en-US" sz="1400" b="0" i="0" u="none" strike="noStrike">
                           <a:solidFill>
                             <a:srgbClr val="000000"/>
                           </a:solidFill>
@@ -7556,7 +7592,7 @@
                     <a:p>
                       <a:pPr algn="ctr" fontAlgn="b"/>
                       <a:r>
-                        <a:rPr lang="en-US" sz="1100" b="0" i="0" u="none" strike="noStrike" dirty="0">
+                        <a:rPr lang="en-US" sz="1400" b="0" i="0" u="none" strike="noStrike" dirty="0">
                           <a:solidFill>
                             <a:srgbClr val="000000"/>
                           </a:solidFill>
@@ -7575,7 +7611,7 @@
                   </a:ext>
                 </a:extLst>
               </a:tr>
-              <a:tr h="182880">
+              <a:tr h="220984">
                 <a:tc>
                   <a:txBody>
                     <a:bodyPr/>
@@ -7583,7 +7619,7 @@
                     <a:p>
                       <a:pPr algn="ctr" fontAlgn="b"/>
                       <a:r>
-                        <a:rPr lang="en-US" sz="1100" b="0" i="0" u="none" strike="noStrike">
+                        <a:rPr lang="en-US" sz="1400" b="0" i="0" u="none" strike="noStrike">
                           <a:solidFill>
                             <a:srgbClr val="000000"/>
                           </a:solidFill>
@@ -7603,7 +7639,7 @@
                     <a:p>
                       <a:pPr algn="ctr" fontAlgn="b"/>
                       <a:r>
-                        <a:rPr lang="en-US" sz="1100" b="0" i="0" u="none" strike="noStrike" dirty="0">
+                        <a:rPr lang="en-US" sz="1400" b="0" i="0" u="none" strike="noStrike" dirty="0">
                           <a:solidFill>
                             <a:srgbClr val="000000"/>
                           </a:solidFill>
@@ -7626,42 +7662,6 @@
           </a:graphicData>
         </a:graphic>
       </p:graphicFrame>
-      <p:pic>
-        <p:nvPicPr>
-          <p:cNvPr id="16" name="Picture 15">
-            <a:extLst>
-              <a:ext uri="{FF2B5EF4-FFF2-40B4-BE49-F238E27FC236}">
-                <a16:creationId xmlns:a16="http://schemas.microsoft.com/office/drawing/2014/main" id="{064F29F8-78B9-4879-843C-C1AA493511CD}"/>
-              </a:ext>
-            </a:extLst>
-          </p:cNvPr>
-          <p:cNvPicPr>
-            <a:picLocks noChangeAspect="1"/>
-          </p:cNvPicPr>
-          <p:nvPr/>
-        </p:nvPicPr>
-        <p:blipFill>
-          <a:blip r:embed="rId2">
-            <a:extLst>
-              <a:ext uri="{28A0092B-C50C-407E-A947-70E740481C1C}">
-                <a14:useLocalDpi xmlns:a14="http://schemas.microsoft.com/office/drawing/2010/main" val="0"/>
-              </a:ext>
-            </a:extLst>
-          </a:blip>
-          <a:stretch>
-            <a:fillRect/>
-          </a:stretch>
-        </p:blipFill>
-        <p:spPr>
-          <a:xfrm>
-            <a:off x="563928" y="1377796"/>
-            <a:ext cx="6622081" cy="4966560"/>
-          </a:xfrm>
-          <a:prstGeom prst="rect">
-            <a:avLst/>
-          </a:prstGeom>
-        </p:spPr>
-      </p:pic>
     </p:spTree>
     <p:extLst>
       <p:ext uri="{BB962C8B-B14F-4D97-AF65-F5344CB8AC3E}">
@@ -7672,6 +7672,142 @@
   <p:clrMapOvr>
     <a:masterClrMapping/>
   </p:clrMapOvr>
+  <p:timing>
+    <p:tnLst>
+      <p:par>
+        <p:cTn id="1" dur="indefinite" restart="never" nodeType="tmRoot">
+          <p:childTnLst>
+            <p:seq concurrent="1" nextAc="seek">
+              <p:cTn id="2" dur="indefinite" nodeType="mainSeq">
+                <p:childTnLst>
+                  <p:par>
+                    <p:cTn id="3" fill="hold">
+                      <p:stCondLst>
+                        <p:cond delay="indefinite"/>
+                      </p:stCondLst>
+                      <p:childTnLst>
+                        <p:par>
+                          <p:cTn id="4" fill="hold">
+                            <p:stCondLst>
+                              <p:cond delay="0"/>
+                            </p:stCondLst>
+                            <p:childTnLst>
+                              <p:par>
+                                <p:cTn id="5" presetID="6" presetClass="emph" presetSubtype="0" fill="hold" nodeType="clickEffect">
+                                  <p:stCondLst>
+                                    <p:cond delay="0"/>
+                                  </p:stCondLst>
+                                  <p:childTnLst>
+                                    <p:animScale>
+                                      <p:cBhvr>
+                                        <p:cTn id="6" dur="500" fill="hold"/>
+                                        <p:tgtEl>
+                                          <p:spTgt spid="9"/>
+                                        </p:tgtEl>
+                                      </p:cBhvr>
+                                      <p:by x="25000" y="25000"/>
+                                    </p:animScale>
+                                  </p:childTnLst>
+                                </p:cTn>
+                              </p:par>
+                              <p:par>
+                                <p:cTn id="7" presetID="10" presetClass="exit" presetSubtype="0" fill="hold" nodeType="withEffect">
+                                  <p:stCondLst>
+                                    <p:cond delay="500"/>
+                                  </p:stCondLst>
+                                  <p:childTnLst>
+                                    <p:animEffect transition="out" filter="fade">
+                                      <p:cBhvr>
+                                        <p:cTn id="8" dur="500"/>
+                                        <p:tgtEl>
+                                          <p:spTgt spid="9"/>
+                                        </p:tgtEl>
+                                      </p:cBhvr>
+                                    </p:animEffect>
+                                    <p:set>
+                                      <p:cBhvr>
+                                        <p:cTn id="9" dur="1" fill="hold">
+                                          <p:stCondLst>
+                                            <p:cond delay="499"/>
+                                          </p:stCondLst>
+                                        </p:cTn>
+                                        <p:tgtEl>
+                                          <p:spTgt spid="9"/>
+                                        </p:tgtEl>
+                                        <p:attrNameLst>
+                                          <p:attrName>style.visibility</p:attrName>
+                                        </p:attrNameLst>
+                                      </p:cBhvr>
+                                      <p:to>
+                                        <p:strVal val="hidden"/>
+                                      </p:to>
+                                    </p:set>
+                                  </p:childTnLst>
+                                </p:cTn>
+                              </p:par>
+                              <p:par>
+                                <p:cTn id="10" presetID="10" presetClass="entr" presetSubtype="0" fill="hold" nodeType="withEffect">
+                                  <p:stCondLst>
+                                    <p:cond delay="500"/>
+                                  </p:stCondLst>
+                                  <p:childTnLst>
+                                    <p:set>
+                                      <p:cBhvr>
+                                        <p:cTn id="11" dur="1" fill="hold">
+                                          <p:stCondLst>
+                                            <p:cond delay="0"/>
+                                          </p:stCondLst>
+                                        </p:cTn>
+                                        <p:tgtEl>
+                                          <p:spTgt spid="16"/>
+                                        </p:tgtEl>
+                                        <p:attrNameLst>
+                                          <p:attrName>style.visibility</p:attrName>
+                                        </p:attrNameLst>
+                                      </p:cBhvr>
+                                      <p:to>
+                                        <p:strVal val="visible"/>
+                                      </p:to>
+                                    </p:set>
+                                    <p:animEffect transition="in" filter="fade">
+                                      <p:cBhvr>
+                                        <p:cTn id="12" dur="500"/>
+                                        <p:tgtEl>
+                                          <p:spTgt spid="16"/>
+                                        </p:tgtEl>
+                                      </p:cBhvr>
+                                    </p:animEffect>
+                                  </p:childTnLst>
+                                </p:cTn>
+                              </p:par>
+                            </p:childTnLst>
+                          </p:cTn>
+                        </p:par>
+                      </p:childTnLst>
+                    </p:cTn>
+                  </p:par>
+                </p:childTnLst>
+              </p:cTn>
+              <p:prevCondLst>
+                <p:cond evt="onPrev" delay="0">
+                  <p:tgtEl>
+                    <p:sldTgt/>
+                  </p:tgtEl>
+                </p:cond>
+              </p:prevCondLst>
+              <p:nextCondLst>
+                <p:cond evt="onNext" delay="0">
+                  <p:tgtEl>
+                    <p:sldTgt/>
+                  </p:tgtEl>
+                </p:cond>
+              </p:nextCondLst>
+            </p:seq>
+          </p:childTnLst>
+        </p:cTn>
+      </p:par>
+    </p:tnLst>
+  </p:timing>
 </p:sld>
 </file>
 
@@ -8021,8 +8157,8 @@
           </p:sp>
         </mc:Fallback>
       </mc:AlternateContent>
-      <mc:AlternateContent xmlns:mc="http://schemas.openxmlformats.org/markup-compatibility/2006">
-        <mc:Choice xmlns:a14="http://schemas.microsoft.com/office/drawing/2010/main" Requires="a14">
+      <mc:AlternateContent xmlns:mc="http://schemas.openxmlformats.org/markup-compatibility/2006" xmlns:a14="http://schemas.microsoft.com/office/drawing/2010/main">
+        <mc:Choice Requires="a14">
           <p:sp>
             <p:nvSpPr>
               <p:cNvPr id="6" name="TextBox 5">
@@ -8145,7 +8281,7 @@
             </p:txBody>
           </p:sp>
         </mc:Choice>
-        <mc:Fallback>
+        <mc:Fallback xmlns="">
           <p:sp>
             <p:nvSpPr>
               <p:cNvPr id="6" name="TextBox 5">
@@ -8627,6 +8763,2450 @@
           <p:cNvPr id="2" name="Title 1">
             <a:extLst>
               <a:ext uri="{FF2B5EF4-FFF2-40B4-BE49-F238E27FC236}">
+                <a16:creationId xmlns:a16="http://schemas.microsoft.com/office/drawing/2014/main" id="{CD7FF34F-F60A-4208-BAD0-8BA27CBCF078}"/>
+              </a:ext>
+            </a:extLst>
+          </p:cNvPr>
+          <p:cNvSpPr>
+            <a:spLocks noGrp="1"/>
+          </p:cNvSpPr>
+          <p:nvPr>
+            <p:ph type="title"/>
+          </p:nvPr>
+        </p:nvSpPr>
+        <p:spPr>
+          <a:xfrm>
+            <a:off x="677334" y="609600"/>
+            <a:ext cx="8596668" cy="901148"/>
+          </a:xfrm>
+        </p:spPr>
+        <p:txBody>
+          <a:bodyPr/>
+          <a:lstStyle/>
+          <a:p>
+            <a:r>
+              <a:rPr lang="en-US" dirty="0"/>
+              <a:t>Per-Capita Population Growth Rate</a:t>
+            </a:r>
+          </a:p>
+        </p:txBody>
+      </p:sp>
+      <p:sp>
+        <p:nvSpPr>
+          <p:cNvPr id="3" name="Content Placeholder 2">
+            <a:extLst>
+              <a:ext uri="{FF2B5EF4-FFF2-40B4-BE49-F238E27FC236}">
+                <a16:creationId xmlns:a16="http://schemas.microsoft.com/office/drawing/2014/main" id="{3F35932A-A4FC-41FD-A5C5-3641000777D1}"/>
+              </a:ext>
+            </a:extLst>
+          </p:cNvPr>
+          <p:cNvSpPr>
+            <a:spLocks noGrp="1"/>
+          </p:cNvSpPr>
+          <p:nvPr>
+            <p:ph idx="1"/>
+          </p:nvPr>
+        </p:nvSpPr>
+        <p:spPr>
+          <a:xfrm>
+            <a:off x="2074915" y="3803859"/>
+            <a:ext cx="2900753" cy="535060"/>
+          </a:xfrm>
+        </p:spPr>
+        <p:txBody>
+          <a:bodyPr>
+            <a:normAutofit/>
+          </a:bodyPr>
+          <a:lstStyle/>
+          <a:p>
+            <a:r>
+              <a:rPr lang="en-US" sz="2000" dirty="0"/>
+              <a:t>Exponential Model</a:t>
+            </a:r>
+          </a:p>
+        </p:txBody>
+      </p:sp>
+      <p:sp>
+        <p:nvSpPr>
+          <p:cNvPr id="4" name="Content Placeholder 2">
+            <a:extLst>
+              <a:ext uri="{FF2B5EF4-FFF2-40B4-BE49-F238E27FC236}">
+                <a16:creationId xmlns:a16="http://schemas.microsoft.com/office/drawing/2014/main" id="{A1CC5CEC-89DD-4FD6-8FC0-5BB7F1E85E14}"/>
+              </a:ext>
+            </a:extLst>
+          </p:cNvPr>
+          <p:cNvSpPr txBox="1">
+            <a:spLocks/>
+          </p:cNvSpPr>
+          <p:nvPr/>
+        </p:nvSpPr>
+        <p:spPr>
+          <a:xfrm>
+            <a:off x="5238716" y="3750850"/>
+            <a:ext cx="2445025" cy="480491"/>
+          </a:xfrm>
+          <a:prstGeom prst="rect">
+            <a:avLst/>
+          </a:prstGeom>
+        </p:spPr>
+        <p:txBody>
+          <a:bodyPr vert="horz" lIns="91440" tIns="45720" rIns="91440" bIns="45720" rtlCol="0">
+            <a:normAutofit/>
+          </a:bodyPr>
+          <a:lstStyle>
+            <a:lvl1pPr marL="342900" indent="-342900" algn="l" defTabSz="457200" rtl="0" eaLnBrk="1" latinLnBrk="0" hangingPunct="1">
+              <a:spcBef>
+                <a:spcPts val="1000"/>
+              </a:spcBef>
+              <a:spcAft>
+                <a:spcPts val="0"/>
+              </a:spcAft>
+              <a:buClr>
+                <a:schemeClr val="accent1"/>
+              </a:buClr>
+              <a:buSzPct val="80000"/>
+              <a:buFont typeface="Wingdings 3" charset="2"/>
+              <a:buChar char=""/>
+              <a:defRPr sz="1800" kern="1200">
+                <a:solidFill>
+                  <a:schemeClr val="tx1">
+                    <a:lumMod val="75000"/>
+                    <a:lumOff val="25000"/>
+                  </a:schemeClr>
+                </a:solidFill>
+                <a:latin typeface="+mn-lt"/>
+                <a:ea typeface="+mn-ea"/>
+                <a:cs typeface="+mn-cs"/>
+              </a:defRPr>
+            </a:lvl1pPr>
+            <a:lvl2pPr marL="742950" indent="-285750" algn="l" defTabSz="457200" rtl="0" eaLnBrk="1" latinLnBrk="0" hangingPunct="1">
+              <a:spcBef>
+                <a:spcPts val="1000"/>
+              </a:spcBef>
+              <a:spcAft>
+                <a:spcPts val="0"/>
+              </a:spcAft>
+              <a:buClr>
+                <a:schemeClr val="accent1"/>
+              </a:buClr>
+              <a:buSzPct val="80000"/>
+              <a:buFont typeface="Wingdings 3" charset="2"/>
+              <a:buChar char=""/>
+              <a:defRPr sz="1600" kern="1200">
+                <a:solidFill>
+                  <a:schemeClr val="tx1">
+                    <a:lumMod val="75000"/>
+                    <a:lumOff val="25000"/>
+                  </a:schemeClr>
+                </a:solidFill>
+                <a:latin typeface="+mn-lt"/>
+                <a:ea typeface="+mn-ea"/>
+                <a:cs typeface="+mn-cs"/>
+              </a:defRPr>
+            </a:lvl2pPr>
+            <a:lvl3pPr marL="1143000" indent="-228600" algn="l" defTabSz="457200" rtl="0" eaLnBrk="1" latinLnBrk="0" hangingPunct="1">
+              <a:spcBef>
+                <a:spcPts val="1000"/>
+              </a:spcBef>
+              <a:spcAft>
+                <a:spcPts val="0"/>
+              </a:spcAft>
+              <a:buClr>
+                <a:schemeClr val="accent1"/>
+              </a:buClr>
+              <a:buSzPct val="80000"/>
+              <a:buFont typeface="Wingdings 3" charset="2"/>
+              <a:buChar char=""/>
+              <a:defRPr sz="1400" kern="1200">
+                <a:solidFill>
+                  <a:schemeClr val="tx1">
+                    <a:lumMod val="75000"/>
+                    <a:lumOff val="25000"/>
+                  </a:schemeClr>
+                </a:solidFill>
+                <a:latin typeface="+mn-lt"/>
+                <a:ea typeface="+mn-ea"/>
+                <a:cs typeface="+mn-cs"/>
+              </a:defRPr>
+            </a:lvl3pPr>
+            <a:lvl4pPr marL="1600200" indent="-228600" algn="l" defTabSz="457200" rtl="0" eaLnBrk="1" latinLnBrk="0" hangingPunct="1">
+              <a:spcBef>
+                <a:spcPts val="1000"/>
+              </a:spcBef>
+              <a:spcAft>
+                <a:spcPts val="0"/>
+              </a:spcAft>
+              <a:buClr>
+                <a:schemeClr val="accent1"/>
+              </a:buClr>
+              <a:buSzPct val="80000"/>
+              <a:buFont typeface="Wingdings 3" charset="2"/>
+              <a:buChar char=""/>
+              <a:defRPr sz="1200" kern="1200">
+                <a:solidFill>
+                  <a:schemeClr val="tx1">
+                    <a:lumMod val="75000"/>
+                    <a:lumOff val="25000"/>
+                  </a:schemeClr>
+                </a:solidFill>
+                <a:latin typeface="+mn-lt"/>
+                <a:ea typeface="+mn-ea"/>
+                <a:cs typeface="+mn-cs"/>
+              </a:defRPr>
+            </a:lvl4pPr>
+            <a:lvl5pPr marL="2057400" indent="-228600" algn="l" defTabSz="457200" rtl="0" eaLnBrk="1" latinLnBrk="0" hangingPunct="1">
+              <a:spcBef>
+                <a:spcPts val="1000"/>
+              </a:spcBef>
+              <a:spcAft>
+                <a:spcPts val="0"/>
+              </a:spcAft>
+              <a:buClr>
+                <a:schemeClr val="accent1"/>
+              </a:buClr>
+              <a:buSzPct val="80000"/>
+              <a:buFont typeface="Wingdings 3" charset="2"/>
+              <a:buChar char=""/>
+              <a:defRPr sz="1200" kern="1200">
+                <a:solidFill>
+                  <a:schemeClr val="tx1">
+                    <a:lumMod val="75000"/>
+                    <a:lumOff val="25000"/>
+                  </a:schemeClr>
+                </a:solidFill>
+                <a:latin typeface="+mn-lt"/>
+                <a:ea typeface="+mn-ea"/>
+                <a:cs typeface="+mn-cs"/>
+              </a:defRPr>
+            </a:lvl5pPr>
+            <a:lvl6pPr marL="2514600" indent="-228600" algn="l" defTabSz="457200" rtl="0" eaLnBrk="1" latinLnBrk="0" hangingPunct="1">
+              <a:spcBef>
+                <a:spcPts val="1000"/>
+              </a:spcBef>
+              <a:spcAft>
+                <a:spcPts val="0"/>
+              </a:spcAft>
+              <a:buClr>
+                <a:schemeClr val="accent1"/>
+              </a:buClr>
+              <a:buSzPct val="80000"/>
+              <a:buFont typeface="Wingdings 3" charset="2"/>
+              <a:buChar char=""/>
+              <a:defRPr sz="1200" kern="1200">
+                <a:solidFill>
+                  <a:schemeClr val="tx1">
+                    <a:lumMod val="75000"/>
+                    <a:lumOff val="25000"/>
+                  </a:schemeClr>
+                </a:solidFill>
+                <a:latin typeface="+mn-lt"/>
+                <a:ea typeface="+mn-ea"/>
+                <a:cs typeface="+mn-cs"/>
+              </a:defRPr>
+            </a:lvl6pPr>
+            <a:lvl7pPr marL="2971800" indent="-228600" algn="l" defTabSz="457200" rtl="0" eaLnBrk="1" latinLnBrk="0" hangingPunct="1">
+              <a:spcBef>
+                <a:spcPts val="1000"/>
+              </a:spcBef>
+              <a:spcAft>
+                <a:spcPts val="0"/>
+              </a:spcAft>
+              <a:buClr>
+                <a:schemeClr val="accent1"/>
+              </a:buClr>
+              <a:buSzPct val="80000"/>
+              <a:buFont typeface="Wingdings 3" charset="2"/>
+              <a:buChar char=""/>
+              <a:defRPr sz="1200" kern="1200">
+                <a:solidFill>
+                  <a:schemeClr val="tx1">
+                    <a:lumMod val="75000"/>
+                    <a:lumOff val="25000"/>
+                  </a:schemeClr>
+                </a:solidFill>
+                <a:latin typeface="+mn-lt"/>
+                <a:ea typeface="+mn-ea"/>
+                <a:cs typeface="+mn-cs"/>
+              </a:defRPr>
+            </a:lvl7pPr>
+            <a:lvl8pPr marL="3429000" indent="-228600" algn="l" defTabSz="457200" rtl="0" eaLnBrk="1" latinLnBrk="0" hangingPunct="1">
+              <a:spcBef>
+                <a:spcPts val="1000"/>
+              </a:spcBef>
+              <a:spcAft>
+                <a:spcPts val="0"/>
+              </a:spcAft>
+              <a:buClr>
+                <a:schemeClr val="accent1"/>
+              </a:buClr>
+              <a:buSzPct val="80000"/>
+              <a:buFont typeface="Wingdings 3" charset="2"/>
+              <a:buChar char=""/>
+              <a:defRPr sz="1200" kern="1200">
+                <a:solidFill>
+                  <a:schemeClr val="tx1">
+                    <a:lumMod val="75000"/>
+                    <a:lumOff val="25000"/>
+                  </a:schemeClr>
+                </a:solidFill>
+                <a:latin typeface="+mn-lt"/>
+                <a:ea typeface="+mn-ea"/>
+                <a:cs typeface="+mn-cs"/>
+              </a:defRPr>
+            </a:lvl8pPr>
+            <a:lvl9pPr marL="3886200" indent="-228600" algn="l" defTabSz="457200" rtl="0" eaLnBrk="1" latinLnBrk="0" hangingPunct="1">
+              <a:spcBef>
+                <a:spcPts val="1000"/>
+              </a:spcBef>
+              <a:spcAft>
+                <a:spcPts val="0"/>
+              </a:spcAft>
+              <a:buClr>
+                <a:schemeClr val="accent1"/>
+              </a:buClr>
+              <a:buSzPct val="80000"/>
+              <a:buFont typeface="Wingdings 3" charset="2"/>
+              <a:buChar char=""/>
+              <a:defRPr sz="1200" kern="1200">
+                <a:solidFill>
+                  <a:schemeClr val="tx1">
+                    <a:lumMod val="75000"/>
+                    <a:lumOff val="25000"/>
+                  </a:schemeClr>
+                </a:solidFill>
+                <a:latin typeface="+mn-lt"/>
+                <a:ea typeface="+mn-ea"/>
+                <a:cs typeface="+mn-cs"/>
+              </a:defRPr>
+            </a:lvl9pPr>
+          </a:lstStyle>
+          <a:p>
+            <a:pPr>
+              <a:spcBef>
+                <a:spcPts val="0"/>
+              </a:spcBef>
+            </a:pPr>
+            <a:r>
+              <a:rPr lang="en-US" sz="2000" dirty="0"/>
+              <a:t>Logistic Model</a:t>
+            </a:r>
+          </a:p>
+        </p:txBody>
+      </p:sp>
+      <mc:AlternateContent xmlns:mc="http://schemas.openxmlformats.org/markup-compatibility/2006">
+        <mc:Choice xmlns:a14="http://schemas.microsoft.com/office/drawing/2010/main" Requires="a14">
+          <p:sp>
+            <p:nvSpPr>
+              <p:cNvPr id="5" name="Content Placeholder 2">
+                <a:extLst>
+                  <a:ext uri="{FF2B5EF4-FFF2-40B4-BE49-F238E27FC236}">
+                    <a16:creationId xmlns:a16="http://schemas.microsoft.com/office/drawing/2014/main" id="{6E51EC62-0E46-4743-9D2F-0E7C63A1B380}"/>
+                  </a:ext>
+                </a:extLst>
+              </p:cNvPr>
+              <p:cNvSpPr txBox="1">
+                <a:spLocks/>
+              </p:cNvSpPr>
+              <p:nvPr/>
+            </p:nvSpPr>
+            <p:spPr>
+              <a:xfrm>
+                <a:off x="1500077" y="1510748"/>
+                <a:ext cx="6951182" cy="1715671"/>
+              </a:xfrm>
+              <a:prstGeom prst="rect">
+                <a:avLst/>
+              </a:prstGeom>
+            </p:spPr>
+            <p:txBody>
+              <a:bodyPr vert="horz" lIns="91440" tIns="45720" rIns="91440" bIns="45720" rtlCol="0">
+                <a:noAutofit/>
+              </a:bodyPr>
+              <a:lstStyle>
+                <a:lvl1pPr marL="342900" indent="-342900" algn="l" defTabSz="457200" rtl="0" eaLnBrk="1" latinLnBrk="0" hangingPunct="1">
+                  <a:spcBef>
+                    <a:spcPts val="1000"/>
+                  </a:spcBef>
+                  <a:spcAft>
+                    <a:spcPts val="0"/>
+                  </a:spcAft>
+                  <a:buClr>
+                    <a:schemeClr val="accent1"/>
+                  </a:buClr>
+                  <a:buSzPct val="80000"/>
+                  <a:buFont typeface="Wingdings 3" charset="2"/>
+                  <a:buChar char=""/>
+                  <a:defRPr sz="1800" kern="1200">
+                    <a:solidFill>
+                      <a:schemeClr val="tx1">
+                        <a:lumMod val="75000"/>
+                        <a:lumOff val="25000"/>
+                      </a:schemeClr>
+                    </a:solidFill>
+                    <a:latin typeface="+mn-lt"/>
+                    <a:ea typeface="+mn-ea"/>
+                    <a:cs typeface="+mn-cs"/>
+                  </a:defRPr>
+                </a:lvl1pPr>
+                <a:lvl2pPr marL="742950" indent="-285750" algn="l" defTabSz="457200" rtl="0" eaLnBrk="1" latinLnBrk="0" hangingPunct="1">
+                  <a:spcBef>
+                    <a:spcPts val="1000"/>
+                  </a:spcBef>
+                  <a:spcAft>
+                    <a:spcPts val="0"/>
+                  </a:spcAft>
+                  <a:buClr>
+                    <a:schemeClr val="accent1"/>
+                  </a:buClr>
+                  <a:buSzPct val="80000"/>
+                  <a:buFont typeface="Wingdings 3" charset="2"/>
+                  <a:buChar char=""/>
+                  <a:defRPr sz="1600" kern="1200">
+                    <a:solidFill>
+                      <a:schemeClr val="tx1">
+                        <a:lumMod val="75000"/>
+                        <a:lumOff val="25000"/>
+                      </a:schemeClr>
+                    </a:solidFill>
+                    <a:latin typeface="+mn-lt"/>
+                    <a:ea typeface="+mn-ea"/>
+                    <a:cs typeface="+mn-cs"/>
+                  </a:defRPr>
+                </a:lvl2pPr>
+                <a:lvl3pPr marL="1143000" indent="-228600" algn="l" defTabSz="457200" rtl="0" eaLnBrk="1" latinLnBrk="0" hangingPunct="1">
+                  <a:spcBef>
+                    <a:spcPts val="1000"/>
+                  </a:spcBef>
+                  <a:spcAft>
+                    <a:spcPts val="0"/>
+                  </a:spcAft>
+                  <a:buClr>
+                    <a:schemeClr val="accent1"/>
+                  </a:buClr>
+                  <a:buSzPct val="80000"/>
+                  <a:buFont typeface="Wingdings 3" charset="2"/>
+                  <a:buChar char=""/>
+                  <a:defRPr sz="1400" kern="1200">
+                    <a:solidFill>
+                      <a:schemeClr val="tx1">
+                        <a:lumMod val="75000"/>
+                        <a:lumOff val="25000"/>
+                      </a:schemeClr>
+                    </a:solidFill>
+                    <a:latin typeface="+mn-lt"/>
+                    <a:ea typeface="+mn-ea"/>
+                    <a:cs typeface="+mn-cs"/>
+                  </a:defRPr>
+                </a:lvl3pPr>
+                <a:lvl4pPr marL="1600200" indent="-228600" algn="l" defTabSz="457200" rtl="0" eaLnBrk="1" latinLnBrk="0" hangingPunct="1">
+                  <a:spcBef>
+                    <a:spcPts val="1000"/>
+                  </a:spcBef>
+                  <a:spcAft>
+                    <a:spcPts val="0"/>
+                  </a:spcAft>
+                  <a:buClr>
+                    <a:schemeClr val="accent1"/>
+                  </a:buClr>
+                  <a:buSzPct val="80000"/>
+                  <a:buFont typeface="Wingdings 3" charset="2"/>
+                  <a:buChar char=""/>
+                  <a:defRPr sz="1200" kern="1200">
+                    <a:solidFill>
+                      <a:schemeClr val="tx1">
+                        <a:lumMod val="75000"/>
+                        <a:lumOff val="25000"/>
+                      </a:schemeClr>
+                    </a:solidFill>
+                    <a:latin typeface="+mn-lt"/>
+                    <a:ea typeface="+mn-ea"/>
+                    <a:cs typeface="+mn-cs"/>
+                  </a:defRPr>
+                </a:lvl4pPr>
+                <a:lvl5pPr marL="2057400" indent="-228600" algn="l" defTabSz="457200" rtl="0" eaLnBrk="1" latinLnBrk="0" hangingPunct="1">
+                  <a:spcBef>
+                    <a:spcPts val="1000"/>
+                  </a:spcBef>
+                  <a:spcAft>
+                    <a:spcPts val="0"/>
+                  </a:spcAft>
+                  <a:buClr>
+                    <a:schemeClr val="accent1"/>
+                  </a:buClr>
+                  <a:buSzPct val="80000"/>
+                  <a:buFont typeface="Wingdings 3" charset="2"/>
+                  <a:buChar char=""/>
+                  <a:defRPr sz="1200" kern="1200">
+                    <a:solidFill>
+                      <a:schemeClr val="tx1">
+                        <a:lumMod val="75000"/>
+                        <a:lumOff val="25000"/>
+                      </a:schemeClr>
+                    </a:solidFill>
+                    <a:latin typeface="+mn-lt"/>
+                    <a:ea typeface="+mn-ea"/>
+                    <a:cs typeface="+mn-cs"/>
+                  </a:defRPr>
+                </a:lvl5pPr>
+                <a:lvl6pPr marL="2514600" indent="-228600" algn="l" defTabSz="457200" rtl="0" eaLnBrk="1" latinLnBrk="0" hangingPunct="1">
+                  <a:spcBef>
+                    <a:spcPts val="1000"/>
+                  </a:spcBef>
+                  <a:spcAft>
+                    <a:spcPts val="0"/>
+                  </a:spcAft>
+                  <a:buClr>
+                    <a:schemeClr val="accent1"/>
+                  </a:buClr>
+                  <a:buSzPct val="80000"/>
+                  <a:buFont typeface="Wingdings 3" charset="2"/>
+                  <a:buChar char=""/>
+                  <a:defRPr sz="1200" kern="1200">
+                    <a:solidFill>
+                      <a:schemeClr val="tx1">
+                        <a:lumMod val="75000"/>
+                        <a:lumOff val="25000"/>
+                      </a:schemeClr>
+                    </a:solidFill>
+                    <a:latin typeface="+mn-lt"/>
+                    <a:ea typeface="+mn-ea"/>
+                    <a:cs typeface="+mn-cs"/>
+                  </a:defRPr>
+                </a:lvl6pPr>
+                <a:lvl7pPr marL="2971800" indent="-228600" algn="l" defTabSz="457200" rtl="0" eaLnBrk="1" latinLnBrk="0" hangingPunct="1">
+                  <a:spcBef>
+                    <a:spcPts val="1000"/>
+                  </a:spcBef>
+                  <a:spcAft>
+                    <a:spcPts val="0"/>
+                  </a:spcAft>
+                  <a:buClr>
+                    <a:schemeClr val="accent1"/>
+                  </a:buClr>
+                  <a:buSzPct val="80000"/>
+                  <a:buFont typeface="Wingdings 3" charset="2"/>
+                  <a:buChar char=""/>
+                  <a:defRPr sz="1200" kern="1200">
+                    <a:solidFill>
+                      <a:schemeClr val="tx1">
+                        <a:lumMod val="75000"/>
+                        <a:lumOff val="25000"/>
+                      </a:schemeClr>
+                    </a:solidFill>
+                    <a:latin typeface="+mn-lt"/>
+                    <a:ea typeface="+mn-ea"/>
+                    <a:cs typeface="+mn-cs"/>
+                  </a:defRPr>
+                </a:lvl7pPr>
+                <a:lvl8pPr marL="3429000" indent="-228600" algn="l" defTabSz="457200" rtl="0" eaLnBrk="1" latinLnBrk="0" hangingPunct="1">
+                  <a:spcBef>
+                    <a:spcPts val="1000"/>
+                  </a:spcBef>
+                  <a:spcAft>
+                    <a:spcPts val="0"/>
+                  </a:spcAft>
+                  <a:buClr>
+                    <a:schemeClr val="accent1"/>
+                  </a:buClr>
+                  <a:buSzPct val="80000"/>
+                  <a:buFont typeface="Wingdings 3" charset="2"/>
+                  <a:buChar char=""/>
+                  <a:defRPr sz="1200" kern="1200">
+                    <a:solidFill>
+                      <a:schemeClr val="tx1">
+                        <a:lumMod val="75000"/>
+                        <a:lumOff val="25000"/>
+                      </a:schemeClr>
+                    </a:solidFill>
+                    <a:latin typeface="+mn-lt"/>
+                    <a:ea typeface="+mn-ea"/>
+                    <a:cs typeface="+mn-cs"/>
+                  </a:defRPr>
+                </a:lvl8pPr>
+                <a:lvl9pPr marL="3886200" indent="-228600" algn="l" defTabSz="457200" rtl="0" eaLnBrk="1" latinLnBrk="0" hangingPunct="1">
+                  <a:spcBef>
+                    <a:spcPts val="1000"/>
+                  </a:spcBef>
+                  <a:spcAft>
+                    <a:spcPts val="0"/>
+                  </a:spcAft>
+                  <a:buClr>
+                    <a:schemeClr val="accent1"/>
+                  </a:buClr>
+                  <a:buSzPct val="80000"/>
+                  <a:buFont typeface="Wingdings 3" charset="2"/>
+                  <a:buChar char=""/>
+                  <a:defRPr sz="1200" kern="1200">
+                    <a:solidFill>
+                      <a:schemeClr val="tx1">
+                        <a:lumMod val="75000"/>
+                        <a:lumOff val="25000"/>
+                      </a:schemeClr>
+                    </a:solidFill>
+                    <a:latin typeface="+mn-lt"/>
+                    <a:ea typeface="+mn-ea"/>
+                    <a:cs typeface="+mn-cs"/>
+                  </a:defRPr>
+                </a:lvl9pPr>
+              </a:lstStyle>
+              <a:p>
+                <a:pPr marL="0" indent="0" algn="ctr">
+                  <a:buNone/>
+                </a:pPr>
+                <a:r>
+                  <a:rPr lang="en-US" sz="2400" u="sng" dirty="0"/>
+                  <a:t>Definition</a:t>
+                </a:r>
+              </a:p>
+              <a:p>
+                <a:pPr marL="0" indent="0" algn="ctr">
+                  <a:buNone/>
+                </a:pPr>
+                <a14:m>
+                  <m:oMathPara xmlns:m="http://schemas.openxmlformats.org/officeDocument/2006/math">
+                    <m:oMathParaPr>
+                      <m:jc m:val="centerGroup"/>
+                    </m:oMathParaPr>
+                    <m:oMath xmlns:m="http://schemas.openxmlformats.org/officeDocument/2006/math">
+                      <m:r>
+                        <a:rPr lang="en-US" sz="2400" b="0" i="1" smtClean="0">
+                          <a:latin typeface="Cambria Math" panose="02040503050406030204" pitchFamily="18" charset="0"/>
+                        </a:rPr>
+                        <m:t>𝑃𝑃𝐺𝑅</m:t>
+                      </m:r>
+                      <m:r>
+                        <a:rPr lang="en-US" sz="2400" b="0" i="1" smtClean="0">
+                          <a:latin typeface="Cambria Math" panose="02040503050406030204" pitchFamily="18" charset="0"/>
+                        </a:rPr>
+                        <m:t>= </m:t>
+                      </m:r>
+                      <m:f>
+                        <m:fPr>
+                          <m:ctrlPr>
+                            <a:rPr lang="en-US" sz="2400" b="0" i="1" smtClean="0">
+                              <a:latin typeface="Cambria Math" panose="02040503050406030204" pitchFamily="18" charset="0"/>
+                            </a:rPr>
+                          </m:ctrlPr>
+                        </m:fPr>
+                        <m:num>
+                          <m:r>
+                            <a:rPr lang="en-US" sz="2400" b="0" i="1" smtClean="0">
+                              <a:latin typeface="Cambria Math" panose="02040503050406030204" pitchFamily="18" charset="0"/>
+                            </a:rPr>
+                            <m:t>1</m:t>
+                          </m:r>
+                        </m:num>
+                        <m:den>
+                          <m:r>
+                            <a:rPr lang="en-US" sz="2400" b="0" i="1" smtClean="0">
+                              <a:latin typeface="Cambria Math" panose="02040503050406030204" pitchFamily="18" charset="0"/>
+                            </a:rPr>
+                            <m:t>𝑃</m:t>
+                          </m:r>
+                        </m:den>
+                      </m:f>
+                      <m:r>
+                        <a:rPr lang="en-US" sz="2400" b="0" i="1" smtClean="0">
+                          <a:latin typeface="Cambria Math" panose="02040503050406030204" pitchFamily="18" charset="0"/>
+                        </a:rPr>
+                        <m:t>×</m:t>
+                      </m:r>
+                      <m:f>
+                        <m:fPr>
+                          <m:ctrlPr>
+                            <a:rPr lang="en-US" sz="2400" b="0" i="1" smtClean="0">
+                              <a:latin typeface="Cambria Math" panose="02040503050406030204" pitchFamily="18" charset="0"/>
+                            </a:rPr>
+                          </m:ctrlPr>
+                        </m:fPr>
+                        <m:num>
+                          <m:r>
+                            <a:rPr lang="en-US" sz="2400" b="0" i="1" smtClean="0">
+                              <a:latin typeface="Cambria Math" panose="02040503050406030204" pitchFamily="18" charset="0"/>
+                            </a:rPr>
+                            <m:t>𝑑𝑃</m:t>
+                          </m:r>
+                        </m:num>
+                        <m:den>
+                          <m:r>
+                            <a:rPr lang="en-US" sz="2400" b="0" i="1" smtClean="0">
+                              <a:latin typeface="Cambria Math" panose="02040503050406030204" pitchFamily="18" charset="0"/>
+                            </a:rPr>
+                            <m:t>𝑑𝑇</m:t>
+                          </m:r>
+                        </m:den>
+                      </m:f>
+                    </m:oMath>
+                  </m:oMathPara>
+                </a14:m>
+                <a:endParaRPr lang="en-US" sz="2400" dirty="0"/>
+              </a:p>
+              <a:p>
+                <a:pPr algn="ctr"/>
+                <a:r>
+                  <a:rPr lang="en-US" sz="2400" dirty="0"/>
+                  <a:t>Change in Population, per person, over time</a:t>
+                </a:r>
+              </a:p>
+            </p:txBody>
+          </p:sp>
+        </mc:Choice>
+        <mc:Fallback>
+          <p:sp>
+            <p:nvSpPr>
+              <p:cNvPr id="5" name="Content Placeholder 2">
+                <a:extLst>
+                  <a:ext uri="{FF2B5EF4-FFF2-40B4-BE49-F238E27FC236}">
+                    <a16:creationId xmlns:a16="http://schemas.microsoft.com/office/drawing/2014/main" id="{6E51EC62-0E46-4743-9D2F-0E7C63A1B380}"/>
+                  </a:ext>
+                </a:extLst>
+              </p:cNvPr>
+              <p:cNvSpPr txBox="1">
+                <a:spLocks noRot="1" noChangeAspect="1" noMove="1" noResize="1" noEditPoints="1" noAdjustHandles="1" noChangeArrowheads="1" noChangeShapeType="1" noTextEdit="1"/>
+              </p:cNvSpPr>
+              <p:nvPr/>
+            </p:nvSpPr>
+            <p:spPr>
+              <a:xfrm>
+                <a:off x="1500077" y="1510748"/>
+                <a:ext cx="6951182" cy="1715671"/>
+              </a:xfrm>
+              <a:prstGeom prst="rect">
+                <a:avLst/>
+              </a:prstGeom>
+              <a:blipFill>
+                <a:blip r:embed="rId2"/>
+                <a:stretch>
+                  <a:fillRect t="-2847" b="-3915"/>
+                </a:stretch>
+              </a:blipFill>
+            </p:spPr>
+            <p:txBody>
+              <a:bodyPr/>
+              <a:lstStyle/>
+              <a:p>
+                <a:r>
+                  <a:rPr lang="en-US">
+                    <a:noFill/>
+                  </a:rPr>
+                  <a:t> </a:t>
+                </a:r>
+              </a:p>
+            </p:txBody>
+          </p:sp>
+        </mc:Fallback>
+      </mc:AlternateContent>
+      <mc:AlternateContent xmlns:mc="http://schemas.openxmlformats.org/markup-compatibility/2006">
+        <mc:Choice xmlns:a14="http://schemas.microsoft.com/office/drawing/2010/main" Requires="a14">
+          <p:sp>
+            <p:nvSpPr>
+              <p:cNvPr id="6" name="Content Placeholder 2">
+                <a:extLst>
+                  <a:ext uri="{FF2B5EF4-FFF2-40B4-BE49-F238E27FC236}">
+                    <a16:creationId xmlns:a16="http://schemas.microsoft.com/office/drawing/2014/main" id="{D9058741-E137-4FFB-8409-EBDD68DCE2EA}"/>
+                  </a:ext>
+                </a:extLst>
+              </p:cNvPr>
+              <p:cNvSpPr txBox="1">
+                <a:spLocks/>
+              </p:cNvSpPr>
+              <p:nvPr/>
+            </p:nvSpPr>
+            <p:spPr>
+              <a:xfrm>
+                <a:off x="2676897" y="4543449"/>
+                <a:ext cx="1696788" cy="809362"/>
+              </a:xfrm>
+              <a:prstGeom prst="rect">
+                <a:avLst/>
+              </a:prstGeom>
+            </p:spPr>
+            <p:txBody>
+              <a:bodyPr vert="horz" lIns="91440" tIns="45720" rIns="91440" bIns="45720" rtlCol="0">
+                <a:normAutofit/>
+              </a:bodyPr>
+              <a:lstStyle>
+                <a:lvl1pPr marL="342900" indent="-342900" algn="l" defTabSz="457200" rtl="0" eaLnBrk="1" latinLnBrk="0" hangingPunct="1">
+                  <a:spcBef>
+                    <a:spcPts val="1000"/>
+                  </a:spcBef>
+                  <a:spcAft>
+                    <a:spcPts val="0"/>
+                  </a:spcAft>
+                  <a:buClr>
+                    <a:schemeClr val="accent1"/>
+                  </a:buClr>
+                  <a:buSzPct val="80000"/>
+                  <a:buFont typeface="Wingdings 3" charset="2"/>
+                  <a:buChar char=""/>
+                  <a:defRPr sz="1800" kern="1200">
+                    <a:solidFill>
+                      <a:schemeClr val="tx1">
+                        <a:lumMod val="75000"/>
+                        <a:lumOff val="25000"/>
+                      </a:schemeClr>
+                    </a:solidFill>
+                    <a:latin typeface="+mn-lt"/>
+                    <a:ea typeface="+mn-ea"/>
+                    <a:cs typeface="+mn-cs"/>
+                  </a:defRPr>
+                </a:lvl1pPr>
+                <a:lvl2pPr marL="742950" indent="-285750" algn="l" defTabSz="457200" rtl="0" eaLnBrk="1" latinLnBrk="0" hangingPunct="1">
+                  <a:spcBef>
+                    <a:spcPts val="1000"/>
+                  </a:spcBef>
+                  <a:spcAft>
+                    <a:spcPts val="0"/>
+                  </a:spcAft>
+                  <a:buClr>
+                    <a:schemeClr val="accent1"/>
+                  </a:buClr>
+                  <a:buSzPct val="80000"/>
+                  <a:buFont typeface="Wingdings 3" charset="2"/>
+                  <a:buChar char=""/>
+                  <a:defRPr sz="1600" kern="1200">
+                    <a:solidFill>
+                      <a:schemeClr val="tx1">
+                        <a:lumMod val="75000"/>
+                        <a:lumOff val="25000"/>
+                      </a:schemeClr>
+                    </a:solidFill>
+                    <a:latin typeface="+mn-lt"/>
+                    <a:ea typeface="+mn-ea"/>
+                    <a:cs typeface="+mn-cs"/>
+                  </a:defRPr>
+                </a:lvl2pPr>
+                <a:lvl3pPr marL="1143000" indent="-228600" algn="l" defTabSz="457200" rtl="0" eaLnBrk="1" latinLnBrk="0" hangingPunct="1">
+                  <a:spcBef>
+                    <a:spcPts val="1000"/>
+                  </a:spcBef>
+                  <a:spcAft>
+                    <a:spcPts val="0"/>
+                  </a:spcAft>
+                  <a:buClr>
+                    <a:schemeClr val="accent1"/>
+                  </a:buClr>
+                  <a:buSzPct val="80000"/>
+                  <a:buFont typeface="Wingdings 3" charset="2"/>
+                  <a:buChar char=""/>
+                  <a:defRPr sz="1400" kern="1200">
+                    <a:solidFill>
+                      <a:schemeClr val="tx1">
+                        <a:lumMod val="75000"/>
+                        <a:lumOff val="25000"/>
+                      </a:schemeClr>
+                    </a:solidFill>
+                    <a:latin typeface="+mn-lt"/>
+                    <a:ea typeface="+mn-ea"/>
+                    <a:cs typeface="+mn-cs"/>
+                  </a:defRPr>
+                </a:lvl3pPr>
+                <a:lvl4pPr marL="1600200" indent="-228600" algn="l" defTabSz="457200" rtl="0" eaLnBrk="1" latinLnBrk="0" hangingPunct="1">
+                  <a:spcBef>
+                    <a:spcPts val="1000"/>
+                  </a:spcBef>
+                  <a:spcAft>
+                    <a:spcPts val="0"/>
+                  </a:spcAft>
+                  <a:buClr>
+                    <a:schemeClr val="accent1"/>
+                  </a:buClr>
+                  <a:buSzPct val="80000"/>
+                  <a:buFont typeface="Wingdings 3" charset="2"/>
+                  <a:buChar char=""/>
+                  <a:defRPr sz="1200" kern="1200">
+                    <a:solidFill>
+                      <a:schemeClr val="tx1">
+                        <a:lumMod val="75000"/>
+                        <a:lumOff val="25000"/>
+                      </a:schemeClr>
+                    </a:solidFill>
+                    <a:latin typeface="+mn-lt"/>
+                    <a:ea typeface="+mn-ea"/>
+                    <a:cs typeface="+mn-cs"/>
+                  </a:defRPr>
+                </a:lvl4pPr>
+                <a:lvl5pPr marL="2057400" indent="-228600" algn="l" defTabSz="457200" rtl="0" eaLnBrk="1" latinLnBrk="0" hangingPunct="1">
+                  <a:spcBef>
+                    <a:spcPts val="1000"/>
+                  </a:spcBef>
+                  <a:spcAft>
+                    <a:spcPts val="0"/>
+                  </a:spcAft>
+                  <a:buClr>
+                    <a:schemeClr val="accent1"/>
+                  </a:buClr>
+                  <a:buSzPct val="80000"/>
+                  <a:buFont typeface="Wingdings 3" charset="2"/>
+                  <a:buChar char=""/>
+                  <a:defRPr sz="1200" kern="1200">
+                    <a:solidFill>
+                      <a:schemeClr val="tx1">
+                        <a:lumMod val="75000"/>
+                        <a:lumOff val="25000"/>
+                      </a:schemeClr>
+                    </a:solidFill>
+                    <a:latin typeface="+mn-lt"/>
+                    <a:ea typeface="+mn-ea"/>
+                    <a:cs typeface="+mn-cs"/>
+                  </a:defRPr>
+                </a:lvl5pPr>
+                <a:lvl6pPr marL="2514600" indent="-228600" algn="l" defTabSz="457200" rtl="0" eaLnBrk="1" latinLnBrk="0" hangingPunct="1">
+                  <a:spcBef>
+                    <a:spcPts val="1000"/>
+                  </a:spcBef>
+                  <a:spcAft>
+                    <a:spcPts val="0"/>
+                  </a:spcAft>
+                  <a:buClr>
+                    <a:schemeClr val="accent1"/>
+                  </a:buClr>
+                  <a:buSzPct val="80000"/>
+                  <a:buFont typeface="Wingdings 3" charset="2"/>
+                  <a:buChar char=""/>
+                  <a:defRPr sz="1200" kern="1200">
+                    <a:solidFill>
+                      <a:schemeClr val="tx1">
+                        <a:lumMod val="75000"/>
+                        <a:lumOff val="25000"/>
+                      </a:schemeClr>
+                    </a:solidFill>
+                    <a:latin typeface="+mn-lt"/>
+                    <a:ea typeface="+mn-ea"/>
+                    <a:cs typeface="+mn-cs"/>
+                  </a:defRPr>
+                </a:lvl6pPr>
+                <a:lvl7pPr marL="2971800" indent="-228600" algn="l" defTabSz="457200" rtl="0" eaLnBrk="1" latinLnBrk="0" hangingPunct="1">
+                  <a:spcBef>
+                    <a:spcPts val="1000"/>
+                  </a:spcBef>
+                  <a:spcAft>
+                    <a:spcPts val="0"/>
+                  </a:spcAft>
+                  <a:buClr>
+                    <a:schemeClr val="accent1"/>
+                  </a:buClr>
+                  <a:buSzPct val="80000"/>
+                  <a:buFont typeface="Wingdings 3" charset="2"/>
+                  <a:buChar char=""/>
+                  <a:defRPr sz="1200" kern="1200">
+                    <a:solidFill>
+                      <a:schemeClr val="tx1">
+                        <a:lumMod val="75000"/>
+                        <a:lumOff val="25000"/>
+                      </a:schemeClr>
+                    </a:solidFill>
+                    <a:latin typeface="+mn-lt"/>
+                    <a:ea typeface="+mn-ea"/>
+                    <a:cs typeface="+mn-cs"/>
+                  </a:defRPr>
+                </a:lvl7pPr>
+                <a:lvl8pPr marL="3429000" indent="-228600" algn="l" defTabSz="457200" rtl="0" eaLnBrk="1" latinLnBrk="0" hangingPunct="1">
+                  <a:spcBef>
+                    <a:spcPts val="1000"/>
+                  </a:spcBef>
+                  <a:spcAft>
+                    <a:spcPts val="0"/>
+                  </a:spcAft>
+                  <a:buClr>
+                    <a:schemeClr val="accent1"/>
+                  </a:buClr>
+                  <a:buSzPct val="80000"/>
+                  <a:buFont typeface="Wingdings 3" charset="2"/>
+                  <a:buChar char=""/>
+                  <a:defRPr sz="1200" kern="1200">
+                    <a:solidFill>
+                      <a:schemeClr val="tx1">
+                        <a:lumMod val="75000"/>
+                        <a:lumOff val="25000"/>
+                      </a:schemeClr>
+                    </a:solidFill>
+                    <a:latin typeface="+mn-lt"/>
+                    <a:ea typeface="+mn-ea"/>
+                    <a:cs typeface="+mn-cs"/>
+                  </a:defRPr>
+                </a:lvl8pPr>
+                <a:lvl9pPr marL="3886200" indent="-228600" algn="l" defTabSz="457200" rtl="0" eaLnBrk="1" latinLnBrk="0" hangingPunct="1">
+                  <a:spcBef>
+                    <a:spcPts val="1000"/>
+                  </a:spcBef>
+                  <a:spcAft>
+                    <a:spcPts val="0"/>
+                  </a:spcAft>
+                  <a:buClr>
+                    <a:schemeClr val="accent1"/>
+                  </a:buClr>
+                  <a:buSzPct val="80000"/>
+                  <a:buFont typeface="Wingdings 3" charset="2"/>
+                  <a:buChar char=""/>
+                  <a:defRPr sz="1200" kern="1200">
+                    <a:solidFill>
+                      <a:schemeClr val="tx1">
+                        <a:lumMod val="75000"/>
+                        <a:lumOff val="25000"/>
+                      </a:schemeClr>
+                    </a:solidFill>
+                    <a:latin typeface="+mn-lt"/>
+                    <a:ea typeface="+mn-ea"/>
+                    <a:cs typeface="+mn-cs"/>
+                  </a:defRPr>
+                </a:lvl9pPr>
+              </a:lstStyle>
+              <a:p>
+                <a:pPr marL="0" indent="0" algn="ctr">
+                  <a:buNone/>
+                </a:pPr>
+                <a14:m>
+                  <m:oMathPara xmlns:m="http://schemas.openxmlformats.org/officeDocument/2006/math">
+                    <m:oMathParaPr>
+                      <m:jc m:val="centerGroup"/>
+                    </m:oMathParaPr>
+                    <m:oMath xmlns:m="http://schemas.openxmlformats.org/officeDocument/2006/math">
+                      <m:f>
+                        <m:fPr>
+                          <m:ctrlPr>
+                            <a:rPr lang="en-US" sz="2000" i="1" smtClean="0">
+                              <a:latin typeface="Cambria Math" panose="02040503050406030204" pitchFamily="18" charset="0"/>
+                            </a:rPr>
+                          </m:ctrlPr>
+                        </m:fPr>
+                        <m:num>
+                          <m:r>
+                            <a:rPr lang="en-US" sz="2000" b="0" i="1" smtClean="0">
+                              <a:latin typeface="Cambria Math" panose="02040503050406030204" pitchFamily="18" charset="0"/>
+                            </a:rPr>
+                            <m:t>𝑑𝑃</m:t>
+                          </m:r>
+                        </m:num>
+                        <m:den>
+                          <m:r>
+                            <a:rPr lang="en-US" sz="2000" b="0" i="1" smtClean="0">
+                              <a:latin typeface="Cambria Math" panose="02040503050406030204" pitchFamily="18" charset="0"/>
+                            </a:rPr>
+                            <m:t>𝑑𝑇</m:t>
+                          </m:r>
+                        </m:den>
+                      </m:f>
+                      <m:r>
+                        <a:rPr lang="en-US" sz="2000" b="0" i="1" smtClean="0">
+                          <a:latin typeface="Cambria Math" panose="02040503050406030204" pitchFamily="18" charset="0"/>
+                        </a:rPr>
+                        <m:t>=</m:t>
+                      </m:r>
+                      <m:r>
+                        <a:rPr lang="en-US" sz="2000" b="0" i="1" smtClean="0">
+                          <a:latin typeface="Cambria Math" panose="02040503050406030204" pitchFamily="18" charset="0"/>
+                        </a:rPr>
+                        <m:t>𝑟𝑃</m:t>
+                      </m:r>
+                    </m:oMath>
+                  </m:oMathPara>
+                </a14:m>
+                <a:endParaRPr lang="en-US" sz="2000" dirty="0"/>
+              </a:p>
+            </p:txBody>
+          </p:sp>
+        </mc:Choice>
+        <mc:Fallback>
+          <p:sp>
+            <p:nvSpPr>
+              <p:cNvPr id="6" name="Content Placeholder 2">
+                <a:extLst>
+                  <a:ext uri="{FF2B5EF4-FFF2-40B4-BE49-F238E27FC236}">
+                    <a16:creationId xmlns:a16="http://schemas.microsoft.com/office/drawing/2014/main" id="{D9058741-E137-4FFB-8409-EBDD68DCE2EA}"/>
+                  </a:ext>
+                </a:extLst>
+              </p:cNvPr>
+              <p:cNvSpPr txBox="1">
+                <a:spLocks noRot="1" noChangeAspect="1" noMove="1" noResize="1" noEditPoints="1" noAdjustHandles="1" noChangeArrowheads="1" noChangeShapeType="1" noTextEdit="1"/>
+              </p:cNvSpPr>
+              <p:nvPr/>
+            </p:nvSpPr>
+            <p:spPr>
+              <a:xfrm>
+                <a:off x="2676897" y="4543449"/>
+                <a:ext cx="1696788" cy="809362"/>
+              </a:xfrm>
+              <a:prstGeom prst="rect">
+                <a:avLst/>
+              </a:prstGeom>
+              <a:blipFill>
+                <a:blip r:embed="rId3"/>
+                <a:stretch>
+                  <a:fillRect/>
+                </a:stretch>
+              </a:blipFill>
+            </p:spPr>
+            <p:txBody>
+              <a:bodyPr/>
+              <a:lstStyle/>
+              <a:p>
+                <a:r>
+                  <a:rPr lang="en-US">
+                    <a:noFill/>
+                  </a:rPr>
+                  <a:t> </a:t>
+                </a:r>
+              </a:p>
+            </p:txBody>
+          </p:sp>
+        </mc:Fallback>
+      </mc:AlternateContent>
+      <mc:AlternateContent xmlns:mc="http://schemas.openxmlformats.org/markup-compatibility/2006">
+        <mc:Choice xmlns:a14="http://schemas.microsoft.com/office/drawing/2010/main" Requires="a14">
+          <p:sp>
+            <p:nvSpPr>
+              <p:cNvPr id="7" name="Content Placeholder 2">
+                <a:extLst>
+                  <a:ext uri="{FF2B5EF4-FFF2-40B4-BE49-F238E27FC236}">
+                    <a16:creationId xmlns:a16="http://schemas.microsoft.com/office/drawing/2014/main" id="{18973398-1EF6-4B1D-B865-71CF3C7C7180}"/>
+                  </a:ext>
+                </a:extLst>
+              </p:cNvPr>
+              <p:cNvSpPr txBox="1">
+                <a:spLocks/>
+              </p:cNvSpPr>
+              <p:nvPr/>
+            </p:nvSpPr>
+            <p:spPr>
+              <a:xfrm>
+                <a:off x="5295945" y="4502671"/>
+                <a:ext cx="2541796" cy="890918"/>
+              </a:xfrm>
+              <a:prstGeom prst="rect">
+                <a:avLst/>
+              </a:prstGeom>
+            </p:spPr>
+            <p:txBody>
+              <a:bodyPr vert="horz" lIns="91440" tIns="45720" rIns="91440" bIns="45720" rtlCol="0">
+                <a:normAutofit/>
+              </a:bodyPr>
+              <a:lstStyle>
+                <a:lvl1pPr marL="342900" indent="-342900" algn="l" defTabSz="457200" rtl="0" eaLnBrk="1" latinLnBrk="0" hangingPunct="1">
+                  <a:spcBef>
+                    <a:spcPts val="1000"/>
+                  </a:spcBef>
+                  <a:spcAft>
+                    <a:spcPts val="0"/>
+                  </a:spcAft>
+                  <a:buClr>
+                    <a:schemeClr val="accent1"/>
+                  </a:buClr>
+                  <a:buSzPct val="80000"/>
+                  <a:buFont typeface="Wingdings 3" charset="2"/>
+                  <a:buChar char=""/>
+                  <a:defRPr sz="1800" kern="1200">
+                    <a:solidFill>
+                      <a:schemeClr val="tx1">
+                        <a:lumMod val="75000"/>
+                        <a:lumOff val="25000"/>
+                      </a:schemeClr>
+                    </a:solidFill>
+                    <a:latin typeface="+mn-lt"/>
+                    <a:ea typeface="+mn-ea"/>
+                    <a:cs typeface="+mn-cs"/>
+                  </a:defRPr>
+                </a:lvl1pPr>
+                <a:lvl2pPr marL="742950" indent="-285750" algn="l" defTabSz="457200" rtl="0" eaLnBrk="1" latinLnBrk="0" hangingPunct="1">
+                  <a:spcBef>
+                    <a:spcPts val="1000"/>
+                  </a:spcBef>
+                  <a:spcAft>
+                    <a:spcPts val="0"/>
+                  </a:spcAft>
+                  <a:buClr>
+                    <a:schemeClr val="accent1"/>
+                  </a:buClr>
+                  <a:buSzPct val="80000"/>
+                  <a:buFont typeface="Wingdings 3" charset="2"/>
+                  <a:buChar char=""/>
+                  <a:defRPr sz="1600" kern="1200">
+                    <a:solidFill>
+                      <a:schemeClr val="tx1">
+                        <a:lumMod val="75000"/>
+                        <a:lumOff val="25000"/>
+                      </a:schemeClr>
+                    </a:solidFill>
+                    <a:latin typeface="+mn-lt"/>
+                    <a:ea typeface="+mn-ea"/>
+                    <a:cs typeface="+mn-cs"/>
+                  </a:defRPr>
+                </a:lvl2pPr>
+                <a:lvl3pPr marL="1143000" indent="-228600" algn="l" defTabSz="457200" rtl="0" eaLnBrk="1" latinLnBrk="0" hangingPunct="1">
+                  <a:spcBef>
+                    <a:spcPts val="1000"/>
+                  </a:spcBef>
+                  <a:spcAft>
+                    <a:spcPts val="0"/>
+                  </a:spcAft>
+                  <a:buClr>
+                    <a:schemeClr val="accent1"/>
+                  </a:buClr>
+                  <a:buSzPct val="80000"/>
+                  <a:buFont typeface="Wingdings 3" charset="2"/>
+                  <a:buChar char=""/>
+                  <a:defRPr sz="1400" kern="1200">
+                    <a:solidFill>
+                      <a:schemeClr val="tx1">
+                        <a:lumMod val="75000"/>
+                        <a:lumOff val="25000"/>
+                      </a:schemeClr>
+                    </a:solidFill>
+                    <a:latin typeface="+mn-lt"/>
+                    <a:ea typeface="+mn-ea"/>
+                    <a:cs typeface="+mn-cs"/>
+                  </a:defRPr>
+                </a:lvl3pPr>
+                <a:lvl4pPr marL="1600200" indent="-228600" algn="l" defTabSz="457200" rtl="0" eaLnBrk="1" latinLnBrk="0" hangingPunct="1">
+                  <a:spcBef>
+                    <a:spcPts val="1000"/>
+                  </a:spcBef>
+                  <a:spcAft>
+                    <a:spcPts val="0"/>
+                  </a:spcAft>
+                  <a:buClr>
+                    <a:schemeClr val="accent1"/>
+                  </a:buClr>
+                  <a:buSzPct val="80000"/>
+                  <a:buFont typeface="Wingdings 3" charset="2"/>
+                  <a:buChar char=""/>
+                  <a:defRPr sz="1200" kern="1200">
+                    <a:solidFill>
+                      <a:schemeClr val="tx1">
+                        <a:lumMod val="75000"/>
+                        <a:lumOff val="25000"/>
+                      </a:schemeClr>
+                    </a:solidFill>
+                    <a:latin typeface="+mn-lt"/>
+                    <a:ea typeface="+mn-ea"/>
+                    <a:cs typeface="+mn-cs"/>
+                  </a:defRPr>
+                </a:lvl4pPr>
+                <a:lvl5pPr marL="2057400" indent="-228600" algn="l" defTabSz="457200" rtl="0" eaLnBrk="1" latinLnBrk="0" hangingPunct="1">
+                  <a:spcBef>
+                    <a:spcPts val="1000"/>
+                  </a:spcBef>
+                  <a:spcAft>
+                    <a:spcPts val="0"/>
+                  </a:spcAft>
+                  <a:buClr>
+                    <a:schemeClr val="accent1"/>
+                  </a:buClr>
+                  <a:buSzPct val="80000"/>
+                  <a:buFont typeface="Wingdings 3" charset="2"/>
+                  <a:buChar char=""/>
+                  <a:defRPr sz="1200" kern="1200">
+                    <a:solidFill>
+                      <a:schemeClr val="tx1">
+                        <a:lumMod val="75000"/>
+                        <a:lumOff val="25000"/>
+                      </a:schemeClr>
+                    </a:solidFill>
+                    <a:latin typeface="+mn-lt"/>
+                    <a:ea typeface="+mn-ea"/>
+                    <a:cs typeface="+mn-cs"/>
+                  </a:defRPr>
+                </a:lvl5pPr>
+                <a:lvl6pPr marL="2514600" indent="-228600" algn="l" defTabSz="457200" rtl="0" eaLnBrk="1" latinLnBrk="0" hangingPunct="1">
+                  <a:spcBef>
+                    <a:spcPts val="1000"/>
+                  </a:spcBef>
+                  <a:spcAft>
+                    <a:spcPts val="0"/>
+                  </a:spcAft>
+                  <a:buClr>
+                    <a:schemeClr val="accent1"/>
+                  </a:buClr>
+                  <a:buSzPct val="80000"/>
+                  <a:buFont typeface="Wingdings 3" charset="2"/>
+                  <a:buChar char=""/>
+                  <a:defRPr sz="1200" kern="1200">
+                    <a:solidFill>
+                      <a:schemeClr val="tx1">
+                        <a:lumMod val="75000"/>
+                        <a:lumOff val="25000"/>
+                      </a:schemeClr>
+                    </a:solidFill>
+                    <a:latin typeface="+mn-lt"/>
+                    <a:ea typeface="+mn-ea"/>
+                    <a:cs typeface="+mn-cs"/>
+                  </a:defRPr>
+                </a:lvl6pPr>
+                <a:lvl7pPr marL="2971800" indent="-228600" algn="l" defTabSz="457200" rtl="0" eaLnBrk="1" latinLnBrk="0" hangingPunct="1">
+                  <a:spcBef>
+                    <a:spcPts val="1000"/>
+                  </a:spcBef>
+                  <a:spcAft>
+                    <a:spcPts val="0"/>
+                  </a:spcAft>
+                  <a:buClr>
+                    <a:schemeClr val="accent1"/>
+                  </a:buClr>
+                  <a:buSzPct val="80000"/>
+                  <a:buFont typeface="Wingdings 3" charset="2"/>
+                  <a:buChar char=""/>
+                  <a:defRPr sz="1200" kern="1200">
+                    <a:solidFill>
+                      <a:schemeClr val="tx1">
+                        <a:lumMod val="75000"/>
+                        <a:lumOff val="25000"/>
+                      </a:schemeClr>
+                    </a:solidFill>
+                    <a:latin typeface="+mn-lt"/>
+                    <a:ea typeface="+mn-ea"/>
+                    <a:cs typeface="+mn-cs"/>
+                  </a:defRPr>
+                </a:lvl7pPr>
+                <a:lvl8pPr marL="3429000" indent="-228600" algn="l" defTabSz="457200" rtl="0" eaLnBrk="1" latinLnBrk="0" hangingPunct="1">
+                  <a:spcBef>
+                    <a:spcPts val="1000"/>
+                  </a:spcBef>
+                  <a:spcAft>
+                    <a:spcPts val="0"/>
+                  </a:spcAft>
+                  <a:buClr>
+                    <a:schemeClr val="accent1"/>
+                  </a:buClr>
+                  <a:buSzPct val="80000"/>
+                  <a:buFont typeface="Wingdings 3" charset="2"/>
+                  <a:buChar char=""/>
+                  <a:defRPr sz="1200" kern="1200">
+                    <a:solidFill>
+                      <a:schemeClr val="tx1">
+                        <a:lumMod val="75000"/>
+                        <a:lumOff val="25000"/>
+                      </a:schemeClr>
+                    </a:solidFill>
+                    <a:latin typeface="+mn-lt"/>
+                    <a:ea typeface="+mn-ea"/>
+                    <a:cs typeface="+mn-cs"/>
+                  </a:defRPr>
+                </a:lvl8pPr>
+                <a:lvl9pPr marL="3886200" indent="-228600" algn="l" defTabSz="457200" rtl="0" eaLnBrk="1" latinLnBrk="0" hangingPunct="1">
+                  <a:spcBef>
+                    <a:spcPts val="1000"/>
+                  </a:spcBef>
+                  <a:spcAft>
+                    <a:spcPts val="0"/>
+                  </a:spcAft>
+                  <a:buClr>
+                    <a:schemeClr val="accent1"/>
+                  </a:buClr>
+                  <a:buSzPct val="80000"/>
+                  <a:buFont typeface="Wingdings 3" charset="2"/>
+                  <a:buChar char=""/>
+                  <a:defRPr sz="1200" kern="1200">
+                    <a:solidFill>
+                      <a:schemeClr val="tx1">
+                        <a:lumMod val="75000"/>
+                        <a:lumOff val="25000"/>
+                      </a:schemeClr>
+                    </a:solidFill>
+                    <a:latin typeface="+mn-lt"/>
+                    <a:ea typeface="+mn-ea"/>
+                    <a:cs typeface="+mn-cs"/>
+                  </a:defRPr>
+                </a:lvl9pPr>
+              </a:lstStyle>
+              <a:p>
+                <a:pPr marL="0" indent="0" algn="ctr">
+                  <a:buNone/>
+                </a:pPr>
+                <a14:m>
+                  <m:oMathPara xmlns:m="http://schemas.openxmlformats.org/officeDocument/2006/math">
+                    <m:oMathParaPr>
+                      <m:jc m:val="centerGroup"/>
+                    </m:oMathParaPr>
+                    <m:oMath xmlns:m="http://schemas.openxmlformats.org/officeDocument/2006/math">
+                      <m:f>
+                        <m:fPr>
+                          <m:ctrlPr>
+                            <a:rPr lang="en-US" sz="2000" i="1">
+                              <a:latin typeface="Cambria Math" panose="02040503050406030204" pitchFamily="18" charset="0"/>
+                            </a:rPr>
+                          </m:ctrlPr>
+                        </m:fPr>
+                        <m:num>
+                          <m:r>
+                            <a:rPr lang="en-US" sz="2000" i="1">
+                              <a:latin typeface="Cambria Math" panose="02040503050406030204" pitchFamily="18" charset="0"/>
+                            </a:rPr>
+                            <m:t>𝑑𝑃</m:t>
+                          </m:r>
+                        </m:num>
+                        <m:den>
+                          <m:r>
+                            <a:rPr lang="en-US" sz="2000" i="1">
+                              <a:latin typeface="Cambria Math" panose="02040503050406030204" pitchFamily="18" charset="0"/>
+                            </a:rPr>
+                            <m:t>𝑑𝑡</m:t>
+                          </m:r>
+                        </m:den>
+                      </m:f>
+                      <m:r>
+                        <a:rPr lang="en-US" sz="2000" i="1">
+                          <a:latin typeface="Cambria Math" panose="02040503050406030204" pitchFamily="18" charset="0"/>
+                        </a:rPr>
+                        <m:t>=</m:t>
+                      </m:r>
+                      <m:r>
+                        <a:rPr lang="en-US" sz="2000" i="1">
+                          <a:latin typeface="Cambria Math" panose="02040503050406030204" pitchFamily="18" charset="0"/>
+                        </a:rPr>
+                        <m:t>𝑟𝑃</m:t>
+                      </m:r>
+                      <m:d>
+                        <m:dPr>
+                          <m:ctrlPr>
+                            <a:rPr lang="en-US" sz="2000" i="1">
+                              <a:latin typeface="Cambria Math" panose="02040503050406030204" pitchFamily="18" charset="0"/>
+                            </a:rPr>
+                          </m:ctrlPr>
+                        </m:dPr>
+                        <m:e>
+                          <m:r>
+                            <a:rPr lang="en-US" sz="2000" i="1">
+                              <a:latin typeface="Cambria Math" panose="02040503050406030204" pitchFamily="18" charset="0"/>
+                            </a:rPr>
+                            <m:t>1−</m:t>
+                          </m:r>
+                          <m:f>
+                            <m:fPr>
+                              <m:ctrlPr>
+                                <a:rPr lang="en-US" sz="2000" i="1">
+                                  <a:latin typeface="Cambria Math" panose="02040503050406030204" pitchFamily="18" charset="0"/>
+                                </a:rPr>
+                              </m:ctrlPr>
+                            </m:fPr>
+                            <m:num>
+                              <m:r>
+                                <a:rPr lang="en-US" sz="2000" i="1">
+                                  <a:latin typeface="Cambria Math" panose="02040503050406030204" pitchFamily="18" charset="0"/>
+                                </a:rPr>
+                                <m:t>𝑃</m:t>
+                              </m:r>
+                            </m:num>
+                            <m:den>
+                              <m:r>
+                                <a:rPr lang="en-US" sz="2000" i="1">
+                                  <a:latin typeface="Cambria Math" panose="02040503050406030204" pitchFamily="18" charset="0"/>
+                                </a:rPr>
+                                <m:t>𝐿</m:t>
+                              </m:r>
+                            </m:den>
+                          </m:f>
+                        </m:e>
+                      </m:d>
+                    </m:oMath>
+                  </m:oMathPara>
+                </a14:m>
+                <a:endParaRPr lang="en-US" sz="2000" dirty="0"/>
+              </a:p>
+            </p:txBody>
+          </p:sp>
+        </mc:Choice>
+        <mc:Fallback>
+          <p:sp>
+            <p:nvSpPr>
+              <p:cNvPr id="7" name="Content Placeholder 2">
+                <a:extLst>
+                  <a:ext uri="{FF2B5EF4-FFF2-40B4-BE49-F238E27FC236}">
+                    <a16:creationId xmlns:a16="http://schemas.microsoft.com/office/drawing/2014/main" id="{18973398-1EF6-4B1D-B865-71CF3C7C7180}"/>
+                  </a:ext>
+                </a:extLst>
+              </p:cNvPr>
+              <p:cNvSpPr txBox="1">
+                <a:spLocks noRot="1" noChangeAspect="1" noMove="1" noResize="1" noEditPoints="1" noAdjustHandles="1" noChangeArrowheads="1" noChangeShapeType="1" noTextEdit="1"/>
+              </p:cNvSpPr>
+              <p:nvPr/>
+            </p:nvSpPr>
+            <p:spPr>
+              <a:xfrm>
+                <a:off x="5295945" y="4502671"/>
+                <a:ext cx="2541796" cy="890918"/>
+              </a:xfrm>
+              <a:prstGeom prst="rect">
+                <a:avLst/>
+              </a:prstGeom>
+              <a:blipFill>
+                <a:blip r:embed="rId4"/>
+                <a:stretch>
+                  <a:fillRect/>
+                </a:stretch>
+              </a:blipFill>
+            </p:spPr>
+            <p:txBody>
+              <a:bodyPr/>
+              <a:lstStyle/>
+              <a:p>
+                <a:r>
+                  <a:rPr lang="en-US">
+                    <a:noFill/>
+                  </a:rPr>
+                  <a:t> </a:t>
+                </a:r>
+              </a:p>
+            </p:txBody>
+          </p:sp>
+        </mc:Fallback>
+      </mc:AlternateContent>
+      <mc:AlternateContent xmlns:mc="http://schemas.openxmlformats.org/markup-compatibility/2006">
+        <mc:Choice xmlns:a14="http://schemas.microsoft.com/office/drawing/2010/main" Requires="a14">
+          <p:sp>
+            <p:nvSpPr>
+              <p:cNvPr id="8" name="Content Placeholder 2">
+                <a:extLst>
+                  <a:ext uri="{FF2B5EF4-FFF2-40B4-BE49-F238E27FC236}">
+                    <a16:creationId xmlns:a16="http://schemas.microsoft.com/office/drawing/2014/main" id="{93444440-DFD2-4D61-B9BE-A23DECB1F882}"/>
+                  </a:ext>
+                </a:extLst>
+              </p:cNvPr>
+              <p:cNvSpPr txBox="1">
+                <a:spLocks/>
+              </p:cNvSpPr>
+              <p:nvPr/>
+            </p:nvSpPr>
+            <p:spPr>
+              <a:xfrm>
+                <a:off x="2676897" y="4698332"/>
+                <a:ext cx="1696788" cy="499595"/>
+              </a:xfrm>
+              <a:prstGeom prst="rect">
+                <a:avLst/>
+              </a:prstGeom>
+            </p:spPr>
+            <p:txBody>
+              <a:bodyPr vert="horz" lIns="91440" tIns="45720" rIns="91440" bIns="45720" rtlCol="0">
+                <a:normAutofit/>
+              </a:bodyPr>
+              <a:lstStyle>
+                <a:lvl1pPr marL="342900" indent="-342900" algn="l" defTabSz="457200" rtl="0" eaLnBrk="1" latinLnBrk="0" hangingPunct="1">
+                  <a:spcBef>
+                    <a:spcPts val="1000"/>
+                  </a:spcBef>
+                  <a:spcAft>
+                    <a:spcPts val="0"/>
+                  </a:spcAft>
+                  <a:buClr>
+                    <a:schemeClr val="accent1"/>
+                  </a:buClr>
+                  <a:buSzPct val="80000"/>
+                  <a:buFont typeface="Wingdings 3" charset="2"/>
+                  <a:buChar char=""/>
+                  <a:defRPr sz="1800" kern="1200">
+                    <a:solidFill>
+                      <a:schemeClr val="tx1">
+                        <a:lumMod val="75000"/>
+                        <a:lumOff val="25000"/>
+                      </a:schemeClr>
+                    </a:solidFill>
+                    <a:latin typeface="+mn-lt"/>
+                    <a:ea typeface="+mn-ea"/>
+                    <a:cs typeface="+mn-cs"/>
+                  </a:defRPr>
+                </a:lvl1pPr>
+                <a:lvl2pPr marL="742950" indent="-285750" algn="l" defTabSz="457200" rtl="0" eaLnBrk="1" latinLnBrk="0" hangingPunct="1">
+                  <a:spcBef>
+                    <a:spcPts val="1000"/>
+                  </a:spcBef>
+                  <a:spcAft>
+                    <a:spcPts val="0"/>
+                  </a:spcAft>
+                  <a:buClr>
+                    <a:schemeClr val="accent1"/>
+                  </a:buClr>
+                  <a:buSzPct val="80000"/>
+                  <a:buFont typeface="Wingdings 3" charset="2"/>
+                  <a:buChar char=""/>
+                  <a:defRPr sz="1600" kern="1200">
+                    <a:solidFill>
+                      <a:schemeClr val="tx1">
+                        <a:lumMod val="75000"/>
+                        <a:lumOff val="25000"/>
+                      </a:schemeClr>
+                    </a:solidFill>
+                    <a:latin typeface="+mn-lt"/>
+                    <a:ea typeface="+mn-ea"/>
+                    <a:cs typeface="+mn-cs"/>
+                  </a:defRPr>
+                </a:lvl2pPr>
+                <a:lvl3pPr marL="1143000" indent="-228600" algn="l" defTabSz="457200" rtl="0" eaLnBrk="1" latinLnBrk="0" hangingPunct="1">
+                  <a:spcBef>
+                    <a:spcPts val="1000"/>
+                  </a:spcBef>
+                  <a:spcAft>
+                    <a:spcPts val="0"/>
+                  </a:spcAft>
+                  <a:buClr>
+                    <a:schemeClr val="accent1"/>
+                  </a:buClr>
+                  <a:buSzPct val="80000"/>
+                  <a:buFont typeface="Wingdings 3" charset="2"/>
+                  <a:buChar char=""/>
+                  <a:defRPr sz="1400" kern="1200">
+                    <a:solidFill>
+                      <a:schemeClr val="tx1">
+                        <a:lumMod val="75000"/>
+                        <a:lumOff val="25000"/>
+                      </a:schemeClr>
+                    </a:solidFill>
+                    <a:latin typeface="+mn-lt"/>
+                    <a:ea typeface="+mn-ea"/>
+                    <a:cs typeface="+mn-cs"/>
+                  </a:defRPr>
+                </a:lvl3pPr>
+                <a:lvl4pPr marL="1600200" indent="-228600" algn="l" defTabSz="457200" rtl="0" eaLnBrk="1" latinLnBrk="0" hangingPunct="1">
+                  <a:spcBef>
+                    <a:spcPts val="1000"/>
+                  </a:spcBef>
+                  <a:spcAft>
+                    <a:spcPts val="0"/>
+                  </a:spcAft>
+                  <a:buClr>
+                    <a:schemeClr val="accent1"/>
+                  </a:buClr>
+                  <a:buSzPct val="80000"/>
+                  <a:buFont typeface="Wingdings 3" charset="2"/>
+                  <a:buChar char=""/>
+                  <a:defRPr sz="1200" kern="1200">
+                    <a:solidFill>
+                      <a:schemeClr val="tx1">
+                        <a:lumMod val="75000"/>
+                        <a:lumOff val="25000"/>
+                      </a:schemeClr>
+                    </a:solidFill>
+                    <a:latin typeface="+mn-lt"/>
+                    <a:ea typeface="+mn-ea"/>
+                    <a:cs typeface="+mn-cs"/>
+                  </a:defRPr>
+                </a:lvl4pPr>
+                <a:lvl5pPr marL="2057400" indent="-228600" algn="l" defTabSz="457200" rtl="0" eaLnBrk="1" latinLnBrk="0" hangingPunct="1">
+                  <a:spcBef>
+                    <a:spcPts val="1000"/>
+                  </a:spcBef>
+                  <a:spcAft>
+                    <a:spcPts val="0"/>
+                  </a:spcAft>
+                  <a:buClr>
+                    <a:schemeClr val="accent1"/>
+                  </a:buClr>
+                  <a:buSzPct val="80000"/>
+                  <a:buFont typeface="Wingdings 3" charset="2"/>
+                  <a:buChar char=""/>
+                  <a:defRPr sz="1200" kern="1200">
+                    <a:solidFill>
+                      <a:schemeClr val="tx1">
+                        <a:lumMod val="75000"/>
+                        <a:lumOff val="25000"/>
+                      </a:schemeClr>
+                    </a:solidFill>
+                    <a:latin typeface="+mn-lt"/>
+                    <a:ea typeface="+mn-ea"/>
+                    <a:cs typeface="+mn-cs"/>
+                  </a:defRPr>
+                </a:lvl5pPr>
+                <a:lvl6pPr marL="2514600" indent="-228600" algn="l" defTabSz="457200" rtl="0" eaLnBrk="1" latinLnBrk="0" hangingPunct="1">
+                  <a:spcBef>
+                    <a:spcPts val="1000"/>
+                  </a:spcBef>
+                  <a:spcAft>
+                    <a:spcPts val="0"/>
+                  </a:spcAft>
+                  <a:buClr>
+                    <a:schemeClr val="accent1"/>
+                  </a:buClr>
+                  <a:buSzPct val="80000"/>
+                  <a:buFont typeface="Wingdings 3" charset="2"/>
+                  <a:buChar char=""/>
+                  <a:defRPr sz="1200" kern="1200">
+                    <a:solidFill>
+                      <a:schemeClr val="tx1">
+                        <a:lumMod val="75000"/>
+                        <a:lumOff val="25000"/>
+                      </a:schemeClr>
+                    </a:solidFill>
+                    <a:latin typeface="+mn-lt"/>
+                    <a:ea typeface="+mn-ea"/>
+                    <a:cs typeface="+mn-cs"/>
+                  </a:defRPr>
+                </a:lvl6pPr>
+                <a:lvl7pPr marL="2971800" indent="-228600" algn="l" defTabSz="457200" rtl="0" eaLnBrk="1" latinLnBrk="0" hangingPunct="1">
+                  <a:spcBef>
+                    <a:spcPts val="1000"/>
+                  </a:spcBef>
+                  <a:spcAft>
+                    <a:spcPts val="0"/>
+                  </a:spcAft>
+                  <a:buClr>
+                    <a:schemeClr val="accent1"/>
+                  </a:buClr>
+                  <a:buSzPct val="80000"/>
+                  <a:buFont typeface="Wingdings 3" charset="2"/>
+                  <a:buChar char=""/>
+                  <a:defRPr sz="1200" kern="1200">
+                    <a:solidFill>
+                      <a:schemeClr val="tx1">
+                        <a:lumMod val="75000"/>
+                        <a:lumOff val="25000"/>
+                      </a:schemeClr>
+                    </a:solidFill>
+                    <a:latin typeface="+mn-lt"/>
+                    <a:ea typeface="+mn-ea"/>
+                    <a:cs typeface="+mn-cs"/>
+                  </a:defRPr>
+                </a:lvl7pPr>
+                <a:lvl8pPr marL="3429000" indent="-228600" algn="l" defTabSz="457200" rtl="0" eaLnBrk="1" latinLnBrk="0" hangingPunct="1">
+                  <a:spcBef>
+                    <a:spcPts val="1000"/>
+                  </a:spcBef>
+                  <a:spcAft>
+                    <a:spcPts val="0"/>
+                  </a:spcAft>
+                  <a:buClr>
+                    <a:schemeClr val="accent1"/>
+                  </a:buClr>
+                  <a:buSzPct val="80000"/>
+                  <a:buFont typeface="Wingdings 3" charset="2"/>
+                  <a:buChar char=""/>
+                  <a:defRPr sz="1200" kern="1200">
+                    <a:solidFill>
+                      <a:schemeClr val="tx1">
+                        <a:lumMod val="75000"/>
+                        <a:lumOff val="25000"/>
+                      </a:schemeClr>
+                    </a:solidFill>
+                    <a:latin typeface="+mn-lt"/>
+                    <a:ea typeface="+mn-ea"/>
+                    <a:cs typeface="+mn-cs"/>
+                  </a:defRPr>
+                </a:lvl8pPr>
+                <a:lvl9pPr marL="3886200" indent="-228600" algn="l" defTabSz="457200" rtl="0" eaLnBrk="1" latinLnBrk="0" hangingPunct="1">
+                  <a:spcBef>
+                    <a:spcPts val="1000"/>
+                  </a:spcBef>
+                  <a:spcAft>
+                    <a:spcPts val="0"/>
+                  </a:spcAft>
+                  <a:buClr>
+                    <a:schemeClr val="accent1"/>
+                  </a:buClr>
+                  <a:buSzPct val="80000"/>
+                  <a:buFont typeface="Wingdings 3" charset="2"/>
+                  <a:buChar char=""/>
+                  <a:defRPr sz="1200" kern="1200">
+                    <a:solidFill>
+                      <a:schemeClr val="tx1">
+                        <a:lumMod val="75000"/>
+                        <a:lumOff val="25000"/>
+                      </a:schemeClr>
+                    </a:solidFill>
+                    <a:latin typeface="+mn-lt"/>
+                    <a:ea typeface="+mn-ea"/>
+                    <a:cs typeface="+mn-cs"/>
+                  </a:defRPr>
+                </a:lvl9pPr>
+              </a:lstStyle>
+              <a:p>
+                <a:pPr marL="0" indent="0" algn="ctr">
+                  <a:buNone/>
+                </a:pPr>
+                <a14:m>
+                  <m:oMathPara xmlns:m="http://schemas.openxmlformats.org/officeDocument/2006/math">
+                    <m:oMathParaPr>
+                      <m:jc m:val="centerGroup"/>
+                    </m:oMathParaPr>
+                    <m:oMath xmlns:m="http://schemas.openxmlformats.org/officeDocument/2006/math">
+                      <m:r>
+                        <a:rPr lang="en-US" sz="2000" i="1">
+                          <a:latin typeface="Cambria Math" panose="02040503050406030204" pitchFamily="18" charset="0"/>
+                        </a:rPr>
+                        <m:t>𝑃𝑃𝐺𝑅</m:t>
+                      </m:r>
+                      <m:r>
+                        <a:rPr lang="en-US" sz="2000" i="1">
+                          <a:latin typeface="Cambria Math" panose="02040503050406030204" pitchFamily="18" charset="0"/>
+                        </a:rPr>
+                        <m:t>=</m:t>
+                      </m:r>
+                      <m:r>
+                        <a:rPr lang="en-US" sz="2000" i="1">
+                          <a:latin typeface="Cambria Math" panose="02040503050406030204" pitchFamily="18" charset="0"/>
+                        </a:rPr>
+                        <m:t>𝑟</m:t>
+                      </m:r>
+                    </m:oMath>
+                  </m:oMathPara>
+                </a14:m>
+                <a:endParaRPr lang="en-US" sz="2000" dirty="0"/>
+              </a:p>
+              <a:p>
+                <a:pPr marL="0" indent="0" algn="ctr">
+                  <a:buNone/>
+                </a:pPr>
+                <a:endParaRPr lang="en-US" sz="2000" dirty="0"/>
+              </a:p>
+            </p:txBody>
+          </p:sp>
+        </mc:Choice>
+        <mc:Fallback>
+          <p:sp>
+            <p:nvSpPr>
+              <p:cNvPr id="8" name="Content Placeholder 2">
+                <a:extLst>
+                  <a:ext uri="{FF2B5EF4-FFF2-40B4-BE49-F238E27FC236}">
+                    <a16:creationId xmlns:a16="http://schemas.microsoft.com/office/drawing/2014/main" id="{93444440-DFD2-4D61-B9BE-A23DECB1F882}"/>
+                  </a:ext>
+                </a:extLst>
+              </p:cNvPr>
+              <p:cNvSpPr txBox="1">
+                <a:spLocks noRot="1" noChangeAspect="1" noMove="1" noResize="1" noEditPoints="1" noAdjustHandles="1" noChangeArrowheads="1" noChangeShapeType="1" noTextEdit="1"/>
+              </p:cNvSpPr>
+              <p:nvPr/>
+            </p:nvSpPr>
+            <p:spPr>
+              <a:xfrm>
+                <a:off x="2676897" y="4698332"/>
+                <a:ext cx="1696788" cy="499595"/>
+              </a:xfrm>
+              <a:prstGeom prst="rect">
+                <a:avLst/>
+              </a:prstGeom>
+              <a:blipFill>
+                <a:blip r:embed="rId5"/>
+                <a:stretch>
+                  <a:fillRect/>
+                </a:stretch>
+              </a:blipFill>
+            </p:spPr>
+            <p:txBody>
+              <a:bodyPr/>
+              <a:lstStyle/>
+              <a:p>
+                <a:r>
+                  <a:rPr lang="en-US">
+                    <a:noFill/>
+                  </a:rPr>
+                  <a:t> </a:t>
+                </a:r>
+              </a:p>
+            </p:txBody>
+          </p:sp>
+        </mc:Fallback>
+      </mc:AlternateContent>
+      <mc:AlternateContent xmlns:mc="http://schemas.openxmlformats.org/markup-compatibility/2006">
+        <mc:Choice xmlns:a14="http://schemas.microsoft.com/office/drawing/2010/main" Requires="a14">
+          <p:sp>
+            <p:nvSpPr>
+              <p:cNvPr id="9" name="Content Placeholder 2">
+                <a:extLst>
+                  <a:ext uri="{FF2B5EF4-FFF2-40B4-BE49-F238E27FC236}">
+                    <a16:creationId xmlns:a16="http://schemas.microsoft.com/office/drawing/2014/main" id="{609F68E0-535F-4654-8618-C56CFEF2172B}"/>
+                  </a:ext>
+                </a:extLst>
+              </p:cNvPr>
+              <p:cNvSpPr txBox="1">
+                <a:spLocks/>
+              </p:cNvSpPr>
+              <p:nvPr/>
+            </p:nvSpPr>
+            <p:spPr>
+              <a:xfrm>
+                <a:off x="5295945" y="4543449"/>
+                <a:ext cx="2411504" cy="824753"/>
+              </a:xfrm>
+              <a:prstGeom prst="rect">
+                <a:avLst/>
+              </a:prstGeom>
+            </p:spPr>
+            <p:txBody>
+              <a:bodyPr vert="horz" lIns="91440" tIns="45720" rIns="91440" bIns="45720" rtlCol="0">
+                <a:normAutofit/>
+              </a:bodyPr>
+              <a:lstStyle>
+                <a:lvl1pPr marL="342900" indent="-342900" algn="l" defTabSz="457200" rtl="0" eaLnBrk="1" latinLnBrk="0" hangingPunct="1">
+                  <a:spcBef>
+                    <a:spcPts val="1000"/>
+                  </a:spcBef>
+                  <a:spcAft>
+                    <a:spcPts val="0"/>
+                  </a:spcAft>
+                  <a:buClr>
+                    <a:schemeClr val="accent1"/>
+                  </a:buClr>
+                  <a:buSzPct val="80000"/>
+                  <a:buFont typeface="Wingdings 3" charset="2"/>
+                  <a:buChar char=""/>
+                  <a:defRPr sz="1800" kern="1200">
+                    <a:solidFill>
+                      <a:schemeClr val="tx1">
+                        <a:lumMod val="75000"/>
+                        <a:lumOff val="25000"/>
+                      </a:schemeClr>
+                    </a:solidFill>
+                    <a:latin typeface="+mn-lt"/>
+                    <a:ea typeface="+mn-ea"/>
+                    <a:cs typeface="+mn-cs"/>
+                  </a:defRPr>
+                </a:lvl1pPr>
+                <a:lvl2pPr marL="742950" indent="-285750" algn="l" defTabSz="457200" rtl="0" eaLnBrk="1" latinLnBrk="0" hangingPunct="1">
+                  <a:spcBef>
+                    <a:spcPts val="1000"/>
+                  </a:spcBef>
+                  <a:spcAft>
+                    <a:spcPts val="0"/>
+                  </a:spcAft>
+                  <a:buClr>
+                    <a:schemeClr val="accent1"/>
+                  </a:buClr>
+                  <a:buSzPct val="80000"/>
+                  <a:buFont typeface="Wingdings 3" charset="2"/>
+                  <a:buChar char=""/>
+                  <a:defRPr sz="1600" kern="1200">
+                    <a:solidFill>
+                      <a:schemeClr val="tx1">
+                        <a:lumMod val="75000"/>
+                        <a:lumOff val="25000"/>
+                      </a:schemeClr>
+                    </a:solidFill>
+                    <a:latin typeface="+mn-lt"/>
+                    <a:ea typeface="+mn-ea"/>
+                    <a:cs typeface="+mn-cs"/>
+                  </a:defRPr>
+                </a:lvl2pPr>
+                <a:lvl3pPr marL="1143000" indent="-228600" algn="l" defTabSz="457200" rtl="0" eaLnBrk="1" latinLnBrk="0" hangingPunct="1">
+                  <a:spcBef>
+                    <a:spcPts val="1000"/>
+                  </a:spcBef>
+                  <a:spcAft>
+                    <a:spcPts val="0"/>
+                  </a:spcAft>
+                  <a:buClr>
+                    <a:schemeClr val="accent1"/>
+                  </a:buClr>
+                  <a:buSzPct val="80000"/>
+                  <a:buFont typeface="Wingdings 3" charset="2"/>
+                  <a:buChar char=""/>
+                  <a:defRPr sz="1400" kern="1200">
+                    <a:solidFill>
+                      <a:schemeClr val="tx1">
+                        <a:lumMod val="75000"/>
+                        <a:lumOff val="25000"/>
+                      </a:schemeClr>
+                    </a:solidFill>
+                    <a:latin typeface="+mn-lt"/>
+                    <a:ea typeface="+mn-ea"/>
+                    <a:cs typeface="+mn-cs"/>
+                  </a:defRPr>
+                </a:lvl3pPr>
+                <a:lvl4pPr marL="1600200" indent="-228600" algn="l" defTabSz="457200" rtl="0" eaLnBrk="1" latinLnBrk="0" hangingPunct="1">
+                  <a:spcBef>
+                    <a:spcPts val="1000"/>
+                  </a:spcBef>
+                  <a:spcAft>
+                    <a:spcPts val="0"/>
+                  </a:spcAft>
+                  <a:buClr>
+                    <a:schemeClr val="accent1"/>
+                  </a:buClr>
+                  <a:buSzPct val="80000"/>
+                  <a:buFont typeface="Wingdings 3" charset="2"/>
+                  <a:buChar char=""/>
+                  <a:defRPr sz="1200" kern="1200">
+                    <a:solidFill>
+                      <a:schemeClr val="tx1">
+                        <a:lumMod val="75000"/>
+                        <a:lumOff val="25000"/>
+                      </a:schemeClr>
+                    </a:solidFill>
+                    <a:latin typeface="+mn-lt"/>
+                    <a:ea typeface="+mn-ea"/>
+                    <a:cs typeface="+mn-cs"/>
+                  </a:defRPr>
+                </a:lvl4pPr>
+                <a:lvl5pPr marL="2057400" indent="-228600" algn="l" defTabSz="457200" rtl="0" eaLnBrk="1" latinLnBrk="0" hangingPunct="1">
+                  <a:spcBef>
+                    <a:spcPts val="1000"/>
+                  </a:spcBef>
+                  <a:spcAft>
+                    <a:spcPts val="0"/>
+                  </a:spcAft>
+                  <a:buClr>
+                    <a:schemeClr val="accent1"/>
+                  </a:buClr>
+                  <a:buSzPct val="80000"/>
+                  <a:buFont typeface="Wingdings 3" charset="2"/>
+                  <a:buChar char=""/>
+                  <a:defRPr sz="1200" kern="1200">
+                    <a:solidFill>
+                      <a:schemeClr val="tx1">
+                        <a:lumMod val="75000"/>
+                        <a:lumOff val="25000"/>
+                      </a:schemeClr>
+                    </a:solidFill>
+                    <a:latin typeface="+mn-lt"/>
+                    <a:ea typeface="+mn-ea"/>
+                    <a:cs typeface="+mn-cs"/>
+                  </a:defRPr>
+                </a:lvl5pPr>
+                <a:lvl6pPr marL="2514600" indent="-228600" algn="l" defTabSz="457200" rtl="0" eaLnBrk="1" latinLnBrk="0" hangingPunct="1">
+                  <a:spcBef>
+                    <a:spcPts val="1000"/>
+                  </a:spcBef>
+                  <a:spcAft>
+                    <a:spcPts val="0"/>
+                  </a:spcAft>
+                  <a:buClr>
+                    <a:schemeClr val="accent1"/>
+                  </a:buClr>
+                  <a:buSzPct val="80000"/>
+                  <a:buFont typeface="Wingdings 3" charset="2"/>
+                  <a:buChar char=""/>
+                  <a:defRPr sz="1200" kern="1200">
+                    <a:solidFill>
+                      <a:schemeClr val="tx1">
+                        <a:lumMod val="75000"/>
+                        <a:lumOff val="25000"/>
+                      </a:schemeClr>
+                    </a:solidFill>
+                    <a:latin typeface="+mn-lt"/>
+                    <a:ea typeface="+mn-ea"/>
+                    <a:cs typeface="+mn-cs"/>
+                  </a:defRPr>
+                </a:lvl6pPr>
+                <a:lvl7pPr marL="2971800" indent="-228600" algn="l" defTabSz="457200" rtl="0" eaLnBrk="1" latinLnBrk="0" hangingPunct="1">
+                  <a:spcBef>
+                    <a:spcPts val="1000"/>
+                  </a:spcBef>
+                  <a:spcAft>
+                    <a:spcPts val="0"/>
+                  </a:spcAft>
+                  <a:buClr>
+                    <a:schemeClr val="accent1"/>
+                  </a:buClr>
+                  <a:buSzPct val="80000"/>
+                  <a:buFont typeface="Wingdings 3" charset="2"/>
+                  <a:buChar char=""/>
+                  <a:defRPr sz="1200" kern="1200">
+                    <a:solidFill>
+                      <a:schemeClr val="tx1">
+                        <a:lumMod val="75000"/>
+                        <a:lumOff val="25000"/>
+                      </a:schemeClr>
+                    </a:solidFill>
+                    <a:latin typeface="+mn-lt"/>
+                    <a:ea typeface="+mn-ea"/>
+                    <a:cs typeface="+mn-cs"/>
+                  </a:defRPr>
+                </a:lvl7pPr>
+                <a:lvl8pPr marL="3429000" indent="-228600" algn="l" defTabSz="457200" rtl="0" eaLnBrk="1" latinLnBrk="0" hangingPunct="1">
+                  <a:spcBef>
+                    <a:spcPts val="1000"/>
+                  </a:spcBef>
+                  <a:spcAft>
+                    <a:spcPts val="0"/>
+                  </a:spcAft>
+                  <a:buClr>
+                    <a:schemeClr val="accent1"/>
+                  </a:buClr>
+                  <a:buSzPct val="80000"/>
+                  <a:buFont typeface="Wingdings 3" charset="2"/>
+                  <a:buChar char=""/>
+                  <a:defRPr sz="1200" kern="1200">
+                    <a:solidFill>
+                      <a:schemeClr val="tx1">
+                        <a:lumMod val="75000"/>
+                        <a:lumOff val="25000"/>
+                      </a:schemeClr>
+                    </a:solidFill>
+                    <a:latin typeface="+mn-lt"/>
+                    <a:ea typeface="+mn-ea"/>
+                    <a:cs typeface="+mn-cs"/>
+                  </a:defRPr>
+                </a:lvl8pPr>
+                <a:lvl9pPr marL="3886200" indent="-228600" algn="l" defTabSz="457200" rtl="0" eaLnBrk="1" latinLnBrk="0" hangingPunct="1">
+                  <a:spcBef>
+                    <a:spcPts val="1000"/>
+                  </a:spcBef>
+                  <a:spcAft>
+                    <a:spcPts val="0"/>
+                  </a:spcAft>
+                  <a:buClr>
+                    <a:schemeClr val="accent1"/>
+                  </a:buClr>
+                  <a:buSzPct val="80000"/>
+                  <a:buFont typeface="Wingdings 3" charset="2"/>
+                  <a:buChar char=""/>
+                  <a:defRPr sz="1200" kern="1200">
+                    <a:solidFill>
+                      <a:schemeClr val="tx1">
+                        <a:lumMod val="75000"/>
+                        <a:lumOff val="25000"/>
+                      </a:schemeClr>
+                    </a:solidFill>
+                    <a:latin typeface="+mn-lt"/>
+                    <a:ea typeface="+mn-ea"/>
+                    <a:cs typeface="+mn-cs"/>
+                  </a:defRPr>
+                </a:lvl9pPr>
+              </a:lstStyle>
+              <a:p>
+                <a:pPr marL="0" indent="0" algn="ctr">
+                  <a:buNone/>
+                </a:pPr>
+                <a14:m>
+                  <m:oMathPara xmlns:m="http://schemas.openxmlformats.org/officeDocument/2006/math">
+                    <m:oMathParaPr>
+                      <m:jc m:val="centerGroup"/>
+                    </m:oMathParaPr>
+                    <m:oMath xmlns:m="http://schemas.openxmlformats.org/officeDocument/2006/math">
+                      <m:r>
+                        <a:rPr lang="en-US" sz="2000" i="1">
+                          <a:latin typeface="Cambria Math" panose="02040503050406030204" pitchFamily="18" charset="0"/>
+                        </a:rPr>
+                        <m:t>𝑃𝑃𝐺𝑅</m:t>
+                      </m:r>
+                      <m:r>
+                        <a:rPr lang="en-US" sz="2000" i="1">
+                          <a:latin typeface="Cambria Math" panose="02040503050406030204" pitchFamily="18" charset="0"/>
+                        </a:rPr>
+                        <m:t>=</m:t>
+                      </m:r>
+                      <m:r>
+                        <a:rPr lang="en-US" sz="2000" i="1">
+                          <a:latin typeface="Cambria Math" panose="02040503050406030204" pitchFamily="18" charset="0"/>
+                        </a:rPr>
+                        <m:t>𝑟</m:t>
+                      </m:r>
+                      <m:d>
+                        <m:dPr>
+                          <m:ctrlPr>
+                            <a:rPr lang="en-US" sz="2000" i="1">
+                              <a:latin typeface="Cambria Math" panose="02040503050406030204" pitchFamily="18" charset="0"/>
+                            </a:rPr>
+                          </m:ctrlPr>
+                        </m:dPr>
+                        <m:e>
+                          <m:r>
+                            <a:rPr lang="en-US" sz="2000" i="1">
+                              <a:latin typeface="Cambria Math" panose="02040503050406030204" pitchFamily="18" charset="0"/>
+                            </a:rPr>
+                            <m:t>1−</m:t>
+                          </m:r>
+                          <m:f>
+                            <m:fPr>
+                              <m:ctrlPr>
+                                <a:rPr lang="en-US" sz="2000" i="1">
+                                  <a:latin typeface="Cambria Math" panose="02040503050406030204" pitchFamily="18" charset="0"/>
+                                </a:rPr>
+                              </m:ctrlPr>
+                            </m:fPr>
+                            <m:num>
+                              <m:r>
+                                <a:rPr lang="en-US" sz="2000" i="1">
+                                  <a:latin typeface="Cambria Math" panose="02040503050406030204" pitchFamily="18" charset="0"/>
+                                </a:rPr>
+                                <m:t>𝑃</m:t>
+                              </m:r>
+                            </m:num>
+                            <m:den>
+                              <m:r>
+                                <a:rPr lang="en-US" sz="2000" i="1">
+                                  <a:latin typeface="Cambria Math" panose="02040503050406030204" pitchFamily="18" charset="0"/>
+                                </a:rPr>
+                                <m:t>𝐿</m:t>
+                              </m:r>
+                            </m:den>
+                          </m:f>
+                        </m:e>
+                      </m:d>
+                    </m:oMath>
+                  </m:oMathPara>
+                </a14:m>
+                <a:endParaRPr lang="en-US" sz="2000" dirty="0"/>
+              </a:p>
+              <a:p>
+                <a:pPr marL="0" indent="0" algn="ctr">
+                  <a:buNone/>
+                </a:pPr>
+                <a:endParaRPr lang="en-US" sz="2000" dirty="0"/>
+              </a:p>
+            </p:txBody>
+          </p:sp>
+        </mc:Choice>
+        <mc:Fallback>
+          <p:sp>
+            <p:nvSpPr>
+              <p:cNvPr id="9" name="Content Placeholder 2">
+                <a:extLst>
+                  <a:ext uri="{FF2B5EF4-FFF2-40B4-BE49-F238E27FC236}">
+                    <a16:creationId xmlns:a16="http://schemas.microsoft.com/office/drawing/2014/main" id="{609F68E0-535F-4654-8618-C56CFEF2172B}"/>
+                  </a:ext>
+                </a:extLst>
+              </p:cNvPr>
+              <p:cNvSpPr txBox="1">
+                <a:spLocks noRot="1" noChangeAspect="1" noMove="1" noResize="1" noEditPoints="1" noAdjustHandles="1" noChangeArrowheads="1" noChangeShapeType="1" noTextEdit="1"/>
+              </p:cNvSpPr>
+              <p:nvPr/>
+            </p:nvSpPr>
+            <p:spPr>
+              <a:xfrm>
+                <a:off x="5295945" y="4543449"/>
+                <a:ext cx="2411504" cy="824753"/>
+              </a:xfrm>
+              <a:prstGeom prst="rect">
+                <a:avLst/>
+              </a:prstGeom>
+              <a:blipFill>
+                <a:blip r:embed="rId6"/>
+                <a:stretch>
+                  <a:fillRect/>
+                </a:stretch>
+              </a:blipFill>
+            </p:spPr>
+            <p:txBody>
+              <a:bodyPr/>
+              <a:lstStyle/>
+              <a:p>
+                <a:r>
+                  <a:rPr lang="en-US">
+                    <a:noFill/>
+                  </a:rPr>
+                  <a:t> </a:t>
+                </a:r>
+              </a:p>
+            </p:txBody>
+          </p:sp>
+        </mc:Fallback>
+      </mc:AlternateContent>
+    </p:spTree>
+    <p:extLst>
+      <p:ext uri="{BB962C8B-B14F-4D97-AF65-F5344CB8AC3E}">
+        <p14:creationId xmlns:p14="http://schemas.microsoft.com/office/powerpoint/2010/main" val="3088888440"/>
+      </p:ext>
+    </p:extLst>
+  </p:cSld>
+  <p:clrMapOvr>
+    <a:masterClrMapping/>
+  </p:clrMapOvr>
+  <p:timing>
+    <p:tnLst>
+      <p:par>
+        <p:cTn id="1" dur="indefinite" restart="never" nodeType="tmRoot">
+          <p:childTnLst>
+            <p:seq concurrent="1" nextAc="seek">
+              <p:cTn id="2" dur="indefinite" nodeType="mainSeq">
+                <p:childTnLst>
+                  <p:par>
+                    <p:cTn id="3" fill="hold">
+                      <p:stCondLst>
+                        <p:cond delay="indefinite"/>
+                      </p:stCondLst>
+                      <p:childTnLst>
+                        <p:par>
+                          <p:cTn id="4" fill="hold">
+                            <p:stCondLst>
+                              <p:cond delay="0"/>
+                            </p:stCondLst>
+                            <p:childTnLst>
+                              <p:par>
+                                <p:cTn id="5" presetID="10" presetClass="exit" presetSubtype="0" fill="hold" grpId="0" nodeType="clickEffect">
+                                  <p:stCondLst>
+                                    <p:cond delay="0"/>
+                                  </p:stCondLst>
+                                  <p:childTnLst>
+                                    <p:animEffect transition="out" filter="fade">
+                                      <p:cBhvr>
+                                        <p:cTn id="6" dur="500"/>
+                                        <p:tgtEl>
+                                          <p:spTgt spid="7"/>
+                                        </p:tgtEl>
+                                      </p:cBhvr>
+                                    </p:animEffect>
+                                    <p:set>
+                                      <p:cBhvr>
+                                        <p:cTn id="7" dur="1" fill="hold">
+                                          <p:stCondLst>
+                                            <p:cond delay="499"/>
+                                          </p:stCondLst>
+                                        </p:cTn>
+                                        <p:tgtEl>
+                                          <p:spTgt spid="7"/>
+                                        </p:tgtEl>
+                                        <p:attrNameLst>
+                                          <p:attrName>style.visibility</p:attrName>
+                                        </p:attrNameLst>
+                                      </p:cBhvr>
+                                      <p:to>
+                                        <p:strVal val="hidden"/>
+                                      </p:to>
+                                    </p:set>
+                                  </p:childTnLst>
+                                </p:cTn>
+                              </p:par>
+                              <p:par>
+                                <p:cTn id="8" presetID="10" presetClass="exit" presetSubtype="0" fill="hold" grpId="0" nodeType="withEffect">
+                                  <p:stCondLst>
+                                    <p:cond delay="0"/>
+                                  </p:stCondLst>
+                                  <p:childTnLst>
+                                    <p:animEffect transition="out" filter="fade">
+                                      <p:cBhvr>
+                                        <p:cTn id="9" dur="500"/>
+                                        <p:tgtEl>
+                                          <p:spTgt spid="6"/>
+                                        </p:tgtEl>
+                                      </p:cBhvr>
+                                    </p:animEffect>
+                                    <p:set>
+                                      <p:cBhvr>
+                                        <p:cTn id="10" dur="1" fill="hold">
+                                          <p:stCondLst>
+                                            <p:cond delay="499"/>
+                                          </p:stCondLst>
+                                        </p:cTn>
+                                        <p:tgtEl>
+                                          <p:spTgt spid="6"/>
+                                        </p:tgtEl>
+                                        <p:attrNameLst>
+                                          <p:attrName>style.visibility</p:attrName>
+                                        </p:attrNameLst>
+                                      </p:cBhvr>
+                                      <p:to>
+                                        <p:strVal val="hidden"/>
+                                      </p:to>
+                                    </p:set>
+                                  </p:childTnLst>
+                                </p:cTn>
+                              </p:par>
+                              <p:par>
+                                <p:cTn id="11" presetID="10" presetClass="entr" presetSubtype="0" fill="hold" grpId="0" nodeType="withEffect">
+                                  <p:stCondLst>
+                                    <p:cond delay="250"/>
+                                  </p:stCondLst>
+                                  <p:childTnLst>
+                                    <p:set>
+                                      <p:cBhvr>
+                                        <p:cTn id="12" dur="1" fill="hold">
+                                          <p:stCondLst>
+                                            <p:cond delay="0"/>
+                                          </p:stCondLst>
+                                        </p:cTn>
+                                        <p:tgtEl>
+                                          <p:spTgt spid="9"/>
+                                        </p:tgtEl>
+                                        <p:attrNameLst>
+                                          <p:attrName>style.visibility</p:attrName>
+                                        </p:attrNameLst>
+                                      </p:cBhvr>
+                                      <p:to>
+                                        <p:strVal val="visible"/>
+                                      </p:to>
+                                    </p:set>
+                                    <p:animEffect transition="in" filter="fade">
+                                      <p:cBhvr>
+                                        <p:cTn id="13" dur="500"/>
+                                        <p:tgtEl>
+                                          <p:spTgt spid="9"/>
+                                        </p:tgtEl>
+                                      </p:cBhvr>
+                                    </p:animEffect>
+                                  </p:childTnLst>
+                                </p:cTn>
+                              </p:par>
+                              <p:par>
+                                <p:cTn id="14" presetID="10" presetClass="entr" presetSubtype="0" fill="hold" grpId="0" nodeType="withEffect">
+                                  <p:stCondLst>
+                                    <p:cond delay="250"/>
+                                  </p:stCondLst>
+                                  <p:childTnLst>
+                                    <p:set>
+                                      <p:cBhvr>
+                                        <p:cTn id="15" dur="1" fill="hold">
+                                          <p:stCondLst>
+                                            <p:cond delay="0"/>
+                                          </p:stCondLst>
+                                        </p:cTn>
+                                        <p:tgtEl>
+                                          <p:spTgt spid="8"/>
+                                        </p:tgtEl>
+                                        <p:attrNameLst>
+                                          <p:attrName>style.visibility</p:attrName>
+                                        </p:attrNameLst>
+                                      </p:cBhvr>
+                                      <p:to>
+                                        <p:strVal val="visible"/>
+                                      </p:to>
+                                    </p:set>
+                                    <p:animEffect transition="in" filter="fade">
+                                      <p:cBhvr>
+                                        <p:cTn id="16" dur="500"/>
+                                        <p:tgtEl>
+                                          <p:spTgt spid="8"/>
+                                        </p:tgtEl>
+                                      </p:cBhvr>
+                                    </p:animEffect>
+                                  </p:childTnLst>
+                                </p:cTn>
+                              </p:par>
+                            </p:childTnLst>
+                          </p:cTn>
+                        </p:par>
+                      </p:childTnLst>
+                    </p:cTn>
+                  </p:par>
+                </p:childTnLst>
+              </p:cTn>
+              <p:prevCondLst>
+                <p:cond evt="onPrev" delay="0">
+                  <p:tgtEl>
+                    <p:sldTgt/>
+                  </p:tgtEl>
+                </p:cond>
+              </p:prevCondLst>
+              <p:nextCondLst>
+                <p:cond evt="onNext" delay="0">
+                  <p:tgtEl>
+                    <p:sldTgt/>
+                  </p:tgtEl>
+                </p:cond>
+              </p:nextCondLst>
+            </p:seq>
+          </p:childTnLst>
+        </p:cTn>
+      </p:par>
+    </p:tnLst>
+    <p:bldLst>
+      <p:bldP spid="6" grpId="0"/>
+      <p:bldP spid="7" grpId="0"/>
+      <p:bldP spid="8" grpId="0"/>
+      <p:bldP spid="9" grpId="0"/>
+    </p:bldLst>
+  </p:timing>
+</p:sld>
+</file>
+
+<file path=ppt/slides/slide5.xml><?xml version="1.0" encoding="utf-8"?>
+<p:sld xmlns:a="http://schemas.openxmlformats.org/drawingml/2006/main" xmlns:r="http://schemas.openxmlformats.org/officeDocument/2006/relationships" xmlns:p="http://schemas.openxmlformats.org/presentationml/2006/main">
+  <p:cSld>
+    <p:spTree>
+      <p:nvGrpSpPr>
+        <p:cNvPr id="1" name=""/>
+        <p:cNvGrpSpPr/>
+        <p:nvPr/>
+      </p:nvGrpSpPr>
+      <p:grpSpPr>
+        <a:xfrm>
+          <a:off x="0" y="0"/>
+          <a:ext cx="0" cy="0"/>
+          <a:chOff x="0" y="0"/>
+          <a:chExt cx="0" cy="0"/>
+        </a:xfrm>
+      </p:grpSpPr>
+      <p:sp>
+        <p:nvSpPr>
+          <p:cNvPr id="2" name="Title 1">
+            <a:extLst>
+              <a:ext uri="{FF2B5EF4-FFF2-40B4-BE49-F238E27FC236}">
                 <a16:creationId xmlns:a16="http://schemas.microsoft.com/office/drawing/2014/main" id="{234D4C67-820A-4366-B08E-357C6569B19D}"/>
               </a:ext>
             </a:extLst>
@@ -8645,7 +11225,7 @@
           <a:p>
             <a:r>
               <a:rPr lang="en-US" dirty="0"/>
-              <a:t>Solving for Parameters:</a:t>
+              <a:t>Using PPGR to find ‘r’ and ‘L’:</a:t>
             </a:r>
             <a:br>
               <a:rPr lang="en-US" dirty="0"/>
@@ -8968,8 +11548,8 @@
         </p:nvSpPr>
         <p:spPr>
           <a:xfrm>
-            <a:off x="677334" y="4305327"/>
-            <a:ext cx="8596668" cy="967622"/>
+            <a:off x="677334" y="4305326"/>
+            <a:ext cx="8596668" cy="1777421"/>
           </a:xfrm>
           <a:prstGeom prst="rect">
             <a:avLst/>
@@ -9219,6 +11799,12 @@
               <a:t>In our set, 10 years.</a:t>
             </a:r>
           </a:p>
+          <a:p>
+            <a:r>
+              <a:rPr lang="en-US" dirty="0"/>
+              <a:t>Set up a line of best fit from the points.</a:t>
+            </a:r>
+          </a:p>
         </p:txBody>
       </p:sp>
     </p:spTree>
@@ -9234,7 +11820,7 @@
 </p:sld>
 </file>
 
-<file path=ppt/slides/slide5.xml><?xml version="1.0" encoding="utf-8"?>
+<file path=ppt/slides/slide6.xml><?xml version="1.0" encoding="utf-8"?>
 <p:sld xmlns:a="http://schemas.openxmlformats.org/drawingml/2006/main" xmlns:r="http://schemas.openxmlformats.org/officeDocument/2006/relationships" xmlns:p="http://schemas.openxmlformats.org/presentationml/2006/main">
   <p:cSld>
     <p:spTree>
@@ -9284,8 +11870,8 @@
           </a:p>
         </p:txBody>
       </p:sp>
-      <mc:AlternateContent xmlns:mc="http://schemas.openxmlformats.org/markup-compatibility/2006" xmlns:a14="http://schemas.microsoft.com/office/drawing/2010/main">
-        <mc:Choice Requires="a14">
+      <mc:AlternateContent xmlns:mc="http://schemas.openxmlformats.org/markup-compatibility/2006">
+        <mc:Choice xmlns:a14="http://schemas.microsoft.com/office/drawing/2010/main" Requires="a14">
           <p:sp>
             <p:nvSpPr>
               <p:cNvPr id="3" name="TextBox 2">
@@ -9300,8 +11886,8 @@
             </p:nvSpPr>
             <p:spPr>
               <a:xfrm>
-                <a:off x="147647" y="2314126"/>
-                <a:ext cx="9656041" cy="716735"/>
+                <a:off x="351657" y="1955758"/>
+                <a:ext cx="6400342" cy="716735"/>
               </a:xfrm>
               <a:prstGeom prst="rect">
                 <a:avLst/>
@@ -9451,41 +12037,6 @@
                         </m:den>
                       </m:f>
                       <m:r>
-                        <a:rPr lang="en-US" sz="2400" b="0" i="1" smtClean="0">
-                          <a:latin typeface="Cambria Math" panose="02040503050406030204" pitchFamily="18" charset="0"/>
-                          <a:ea typeface="Cambria Math" panose="02040503050406030204" pitchFamily="18" charset="0"/>
-                        </a:rPr>
-                        <m:t>=</m:t>
-                      </m:r>
-                      <m:f>
-                        <m:fPr>
-                          <m:ctrlPr>
-                            <a:rPr lang="en-US" sz="2400" b="0" i="1" smtClean="0">
-                              <a:latin typeface="Cambria Math" panose="02040503050406030204" pitchFamily="18" charset="0"/>
-                              <a:ea typeface="Cambria Math" panose="02040503050406030204" pitchFamily="18" charset="0"/>
-                            </a:rPr>
-                          </m:ctrlPr>
-                        </m:fPr>
-                        <m:num>
-                          <m:r>
-                            <a:rPr lang="en-US" sz="2400" b="0" i="1" smtClean="0">
-                              <a:latin typeface="Cambria Math" panose="02040503050406030204" pitchFamily="18" charset="0"/>
-                              <a:ea typeface="Cambria Math" panose="02040503050406030204" pitchFamily="18" charset="0"/>
-                            </a:rPr>
-                            <m:t>91972266−62947714</m:t>
-                          </m:r>
-                        </m:num>
-                        <m:den>
-                          <m:r>
-                            <a:rPr lang="en-US" sz="2400" b="0" i="1" smtClean="0">
-                              <a:latin typeface="Cambria Math" panose="02040503050406030204" pitchFamily="18" charset="0"/>
-                              <a:ea typeface="Cambria Math" panose="02040503050406030204" pitchFamily="18" charset="0"/>
-                            </a:rPr>
-                            <m:t>20</m:t>
-                          </m:r>
-                        </m:den>
-                      </m:f>
-                      <m:r>
                         <a:rPr lang="en-US" sz="2400" b="0" i="0" smtClean="0">
                           <a:latin typeface="Cambria Math" panose="02040503050406030204" pitchFamily="18" charset="0"/>
                           <a:ea typeface="Cambria Math" panose="02040503050406030204" pitchFamily="18" charset="0"/>
@@ -9500,7 +12051,7 @@
             </p:txBody>
           </p:sp>
         </mc:Choice>
-        <mc:Fallback xmlns="">
+        <mc:Fallback>
           <p:sp>
             <p:nvSpPr>
               <p:cNvPr id="3" name="TextBox 2">
@@ -9517,8 +12068,8 @@
             </p:nvSpPr>
             <p:spPr>
               <a:xfrm>
-                <a:off x="147647" y="2314126"/>
-                <a:ext cx="9656041" cy="716735"/>
+                <a:off x="351657" y="1955758"/>
+                <a:ext cx="6400342" cy="716735"/>
               </a:xfrm>
               <a:prstGeom prst="rect">
                 <a:avLst/>
@@ -9545,8 +12096,8 @@
           </p:sp>
         </mc:Fallback>
       </mc:AlternateContent>
-      <mc:AlternateContent xmlns:mc="http://schemas.openxmlformats.org/markup-compatibility/2006" xmlns:a14="http://schemas.microsoft.com/office/drawing/2010/main">
-        <mc:Choice Requires="a14">
+      <mc:AlternateContent xmlns:mc="http://schemas.openxmlformats.org/markup-compatibility/2006">
+        <mc:Choice xmlns:a14="http://schemas.microsoft.com/office/drawing/2010/main" Requires="a14">
           <p:sp>
             <p:nvSpPr>
               <p:cNvPr id="4" name="Content Placeholder 2">
@@ -9563,8 +12114,8 @@
             </p:nvSpPr>
             <p:spPr>
               <a:xfrm>
-                <a:off x="351657" y="3967125"/>
-                <a:ext cx="8596668" cy="967622"/>
+                <a:off x="351657" y="3250387"/>
+                <a:ext cx="8596668" cy="2620325"/>
               </a:xfrm>
               <a:prstGeom prst="rect">
                 <a:avLst/>
@@ -9841,6 +12392,79 @@
                 </a:r>
               </a:p>
               <a:p>
+                <a:pPr marL="0" indent="0">
+                  <a:buNone/>
+                </a:pPr>
+                <a:endParaRPr lang="en-US" dirty="0"/>
+              </a:p>
+              <a:p>
+                <a:pPr marL="0" indent="0">
+                  <a:buNone/>
+                </a:pPr>
+                <a14:m>
+                  <m:oMathPara xmlns:m="http://schemas.openxmlformats.org/officeDocument/2006/math">
+                    <m:oMathParaPr>
+                      <m:jc m:val="centerGroup"/>
+                    </m:oMathParaPr>
+                    <m:oMath xmlns:m="http://schemas.openxmlformats.org/officeDocument/2006/math">
+                      <m:r>
+                        <a:rPr lang="en-US" sz="2400" b="0" i="1" smtClean="0">
+                          <a:latin typeface="Cambria Math" panose="02040503050406030204" pitchFamily="18" charset="0"/>
+                        </a:rPr>
+                        <m:t>1451227.6×</m:t>
+                      </m:r>
+                      <m:sSup>
+                        <m:sSupPr>
+                          <m:ctrlPr>
+                            <a:rPr lang="en-US" sz="2400" b="0" i="1" smtClean="0">
+                              <a:latin typeface="Cambria Math" panose="02040503050406030204" pitchFamily="18" charset="0"/>
+                            </a:rPr>
+                          </m:ctrlPr>
+                        </m:sSupPr>
+                        <m:e>
+                          <m:r>
+                            <a:rPr lang="en-US" sz="2400" b="0" i="1" smtClean="0">
+                              <a:latin typeface="Cambria Math" panose="02040503050406030204" pitchFamily="18" charset="0"/>
+                            </a:rPr>
+                            <m:t>10</m:t>
+                          </m:r>
+                        </m:e>
+                        <m:sup>
+                          <m:r>
+                            <a:rPr lang="en-US" sz="2400" b="0" i="1" smtClean="0">
+                              <a:latin typeface="Cambria Math" panose="02040503050406030204" pitchFamily="18" charset="0"/>
+                            </a:rPr>
+                            <m:t>−6</m:t>
+                          </m:r>
+                        </m:sup>
+                      </m:sSup>
+                      <m:r>
+                        <a:rPr lang="en-US" sz="2400" b="0" i="1" smtClean="0">
+                          <a:latin typeface="Cambria Math" panose="02040503050406030204" pitchFamily="18" charset="0"/>
+                        </a:rPr>
+                        <m:t>=1.451 </m:t>
+                      </m:r>
+                      <m:r>
+                        <m:rPr>
+                          <m:nor/>
+                        </m:rPr>
+                        <a:rPr lang="en-US" sz="2400" b="0" i="0" smtClean="0">
+                          <a:latin typeface="Cambria Math" panose="02040503050406030204" pitchFamily="18" charset="0"/>
+                        </a:rPr>
+                        <m:t>million</m:t>
+                      </m:r>
+                    </m:oMath>
+                  </m:oMathPara>
+                </a14:m>
+                <a:endParaRPr lang="en-US" sz="2400" dirty="0"/>
+              </a:p>
+              <a:p>
+                <a:pPr marL="0" indent="0">
+                  <a:buNone/>
+                </a:pPr>
+                <a:endParaRPr lang="en-US" dirty="0"/>
+              </a:p>
+              <a:p>
                 <a:r>
                   <a:rPr lang="en-US" dirty="0"/>
                   <a:t>The units on this number are population/year.</a:t>
@@ -9849,7 +12473,7 @@
             </p:txBody>
           </p:sp>
         </mc:Choice>
-        <mc:Fallback xmlns="">
+        <mc:Fallback>
           <p:sp>
             <p:nvSpPr>
               <p:cNvPr id="4" name="Content Placeholder 2">
@@ -9866,8 +12490,8 @@
             </p:nvSpPr>
             <p:spPr>
               <a:xfrm>
-                <a:off x="351657" y="3967125"/>
-                <a:ext cx="8596668" cy="967622"/>
+                <a:off x="351657" y="3250387"/>
+                <a:ext cx="8596668" cy="2620325"/>
               </a:xfrm>
               <a:prstGeom prst="rect">
                 <a:avLst/>
@@ -9875,7 +12499,7 @@
               <a:blipFill>
                 <a:blip r:embed="rId3"/>
                 <a:stretch>
-                  <a:fillRect l="-213" t="-4403"/>
+                  <a:fillRect l="-213" t="-1395"/>
                 </a:stretch>
               </a:blipFill>
             </p:spPr>
@@ -9907,7 +12531,7 @@
 </p:sld>
 </file>
 
-<file path=ppt/slides/slide6.xml><?xml version="1.0" encoding="utf-8"?>
+<file path=ppt/slides/slide7.xml><?xml version="1.0" encoding="utf-8"?>
 <p:sld xmlns:a="http://schemas.openxmlformats.org/drawingml/2006/main" xmlns:r="http://schemas.openxmlformats.org/officeDocument/2006/relationships" xmlns:p="http://schemas.openxmlformats.org/presentationml/2006/main">
   <p:cSld>
     <p:spTree>
@@ -9993,427 +12617,295 @@
           </a:prstGeom>
         </p:spPr>
       </p:pic>
-      <mc:AlternateContent xmlns:mc="http://schemas.openxmlformats.org/markup-compatibility/2006" xmlns:a14="http://schemas.microsoft.com/office/drawing/2010/main">
-        <mc:Choice Requires="a14">
-          <p:sp>
-            <p:nvSpPr>
-              <p:cNvPr id="8" name="Content Placeholder 2">
-                <a:extLst>
-                  <a:ext uri="{FF2B5EF4-FFF2-40B4-BE49-F238E27FC236}">
-                    <a16:creationId xmlns:a16="http://schemas.microsoft.com/office/drawing/2014/main" id="{4D55EBE5-5214-4193-B09C-669B0F6072AA}"/>
-                  </a:ext>
-                </a:extLst>
-              </p:cNvPr>
-              <p:cNvSpPr txBox="1">
-                <a:spLocks/>
-              </p:cNvSpPr>
-              <p:nvPr/>
-            </p:nvSpPr>
-            <p:spPr>
-              <a:xfrm>
-                <a:off x="6686485" y="747934"/>
-                <a:ext cx="3021186" cy="5527605"/>
-              </a:xfrm>
-              <a:prstGeom prst="rect">
-                <a:avLst/>
-              </a:prstGeom>
-            </p:spPr>
-            <p:txBody>
-              <a:bodyPr vert="horz" lIns="91440" tIns="45720" rIns="91440" bIns="45720" rtlCol="0">
-                <a:normAutofit/>
-              </a:bodyPr>
-              <a:lstStyle>
-                <a:lvl1pPr marL="342900" indent="-342900" algn="l" defTabSz="457200" rtl="0" eaLnBrk="1" latinLnBrk="0" hangingPunct="1">
-                  <a:spcBef>
-                    <a:spcPts val="1000"/>
-                  </a:spcBef>
-                  <a:spcAft>
-                    <a:spcPts val="0"/>
-                  </a:spcAft>
-                  <a:buClr>
-                    <a:schemeClr val="accent1"/>
-                  </a:buClr>
-                  <a:buSzPct val="80000"/>
-                  <a:buFont typeface="Wingdings 3" charset="2"/>
-                  <a:buChar char=""/>
-                  <a:defRPr sz="1800" kern="1200">
-                    <a:solidFill>
-                      <a:schemeClr val="tx1">
-                        <a:lumMod val="75000"/>
-                        <a:lumOff val="25000"/>
-                      </a:schemeClr>
-                    </a:solidFill>
-                    <a:latin typeface="+mn-lt"/>
-                    <a:ea typeface="+mn-ea"/>
-                    <a:cs typeface="+mn-cs"/>
-                  </a:defRPr>
-                </a:lvl1pPr>
-                <a:lvl2pPr marL="742950" indent="-285750" algn="l" defTabSz="457200" rtl="0" eaLnBrk="1" latinLnBrk="0" hangingPunct="1">
-                  <a:spcBef>
-                    <a:spcPts val="1000"/>
-                  </a:spcBef>
-                  <a:spcAft>
-                    <a:spcPts val="0"/>
-                  </a:spcAft>
-                  <a:buClr>
-                    <a:schemeClr val="accent1"/>
-                  </a:buClr>
-                  <a:buSzPct val="80000"/>
-                  <a:buFont typeface="Wingdings 3" charset="2"/>
-                  <a:buChar char=""/>
-                  <a:defRPr sz="1600" kern="1200">
-                    <a:solidFill>
-                      <a:schemeClr val="tx1">
-                        <a:lumMod val="75000"/>
-                        <a:lumOff val="25000"/>
-                      </a:schemeClr>
-                    </a:solidFill>
-                    <a:latin typeface="+mn-lt"/>
-                    <a:ea typeface="+mn-ea"/>
-                    <a:cs typeface="+mn-cs"/>
-                  </a:defRPr>
-                </a:lvl2pPr>
-                <a:lvl3pPr marL="1143000" indent="-228600" algn="l" defTabSz="457200" rtl="0" eaLnBrk="1" latinLnBrk="0" hangingPunct="1">
-                  <a:spcBef>
-                    <a:spcPts val="1000"/>
-                  </a:spcBef>
-                  <a:spcAft>
-                    <a:spcPts val="0"/>
-                  </a:spcAft>
-                  <a:buClr>
-                    <a:schemeClr val="accent1"/>
-                  </a:buClr>
-                  <a:buSzPct val="80000"/>
-                  <a:buFont typeface="Wingdings 3" charset="2"/>
-                  <a:buChar char=""/>
-                  <a:defRPr sz="1400" kern="1200">
-                    <a:solidFill>
-                      <a:schemeClr val="tx1">
-                        <a:lumMod val="75000"/>
-                        <a:lumOff val="25000"/>
-                      </a:schemeClr>
-                    </a:solidFill>
-                    <a:latin typeface="+mn-lt"/>
-                    <a:ea typeface="+mn-ea"/>
-                    <a:cs typeface="+mn-cs"/>
-                  </a:defRPr>
-                </a:lvl3pPr>
-                <a:lvl4pPr marL="1600200" indent="-228600" algn="l" defTabSz="457200" rtl="0" eaLnBrk="1" latinLnBrk="0" hangingPunct="1">
-                  <a:spcBef>
-                    <a:spcPts val="1000"/>
-                  </a:spcBef>
-                  <a:spcAft>
-                    <a:spcPts val="0"/>
-                  </a:spcAft>
-                  <a:buClr>
-                    <a:schemeClr val="accent1"/>
-                  </a:buClr>
-                  <a:buSzPct val="80000"/>
-                  <a:buFont typeface="Wingdings 3" charset="2"/>
-                  <a:buChar char=""/>
-                  <a:defRPr sz="1200" kern="1200">
-                    <a:solidFill>
-                      <a:schemeClr val="tx1">
-                        <a:lumMod val="75000"/>
-                        <a:lumOff val="25000"/>
-                      </a:schemeClr>
-                    </a:solidFill>
-                    <a:latin typeface="+mn-lt"/>
-                    <a:ea typeface="+mn-ea"/>
-                    <a:cs typeface="+mn-cs"/>
-                  </a:defRPr>
-                </a:lvl4pPr>
-                <a:lvl5pPr marL="2057400" indent="-228600" algn="l" defTabSz="457200" rtl="0" eaLnBrk="1" latinLnBrk="0" hangingPunct="1">
-                  <a:spcBef>
-                    <a:spcPts val="1000"/>
-                  </a:spcBef>
-                  <a:spcAft>
-                    <a:spcPts val="0"/>
-                  </a:spcAft>
-                  <a:buClr>
-                    <a:schemeClr val="accent1"/>
-                  </a:buClr>
-                  <a:buSzPct val="80000"/>
-                  <a:buFont typeface="Wingdings 3" charset="2"/>
-                  <a:buChar char=""/>
-                  <a:defRPr sz="1200" kern="1200">
-                    <a:solidFill>
-                      <a:schemeClr val="tx1">
-                        <a:lumMod val="75000"/>
-                        <a:lumOff val="25000"/>
-                      </a:schemeClr>
-                    </a:solidFill>
-                    <a:latin typeface="+mn-lt"/>
-                    <a:ea typeface="+mn-ea"/>
-                    <a:cs typeface="+mn-cs"/>
-                  </a:defRPr>
-                </a:lvl5pPr>
-                <a:lvl6pPr marL="2514600" indent="-228600" algn="l" defTabSz="457200" rtl="0" eaLnBrk="1" latinLnBrk="0" hangingPunct="1">
-                  <a:spcBef>
-                    <a:spcPts val="1000"/>
-                  </a:spcBef>
-                  <a:spcAft>
-                    <a:spcPts val="0"/>
-                  </a:spcAft>
-                  <a:buClr>
-                    <a:schemeClr val="accent1"/>
-                  </a:buClr>
-                  <a:buSzPct val="80000"/>
-                  <a:buFont typeface="Wingdings 3" charset="2"/>
-                  <a:buChar char=""/>
-                  <a:defRPr sz="1200" kern="1200">
-                    <a:solidFill>
-                      <a:schemeClr val="tx1">
-                        <a:lumMod val="75000"/>
-                        <a:lumOff val="25000"/>
-                      </a:schemeClr>
-                    </a:solidFill>
-                    <a:latin typeface="+mn-lt"/>
-                    <a:ea typeface="+mn-ea"/>
-                    <a:cs typeface="+mn-cs"/>
-                  </a:defRPr>
-                </a:lvl6pPr>
-                <a:lvl7pPr marL="2971800" indent="-228600" algn="l" defTabSz="457200" rtl="0" eaLnBrk="1" latinLnBrk="0" hangingPunct="1">
-                  <a:spcBef>
-                    <a:spcPts val="1000"/>
-                  </a:spcBef>
-                  <a:spcAft>
-                    <a:spcPts val="0"/>
-                  </a:spcAft>
-                  <a:buClr>
-                    <a:schemeClr val="accent1"/>
-                  </a:buClr>
-                  <a:buSzPct val="80000"/>
-                  <a:buFont typeface="Wingdings 3" charset="2"/>
-                  <a:buChar char=""/>
-                  <a:defRPr sz="1200" kern="1200">
-                    <a:solidFill>
-                      <a:schemeClr val="tx1">
-                        <a:lumMod val="75000"/>
-                        <a:lumOff val="25000"/>
-                      </a:schemeClr>
-                    </a:solidFill>
-                    <a:latin typeface="+mn-lt"/>
-                    <a:ea typeface="+mn-ea"/>
-                    <a:cs typeface="+mn-cs"/>
-                  </a:defRPr>
-                </a:lvl7pPr>
-                <a:lvl8pPr marL="3429000" indent="-228600" algn="l" defTabSz="457200" rtl="0" eaLnBrk="1" latinLnBrk="0" hangingPunct="1">
-                  <a:spcBef>
-                    <a:spcPts val="1000"/>
-                  </a:spcBef>
-                  <a:spcAft>
-                    <a:spcPts val="0"/>
-                  </a:spcAft>
-                  <a:buClr>
-                    <a:schemeClr val="accent1"/>
-                  </a:buClr>
-                  <a:buSzPct val="80000"/>
-                  <a:buFont typeface="Wingdings 3" charset="2"/>
-                  <a:buChar char=""/>
-                  <a:defRPr sz="1200" kern="1200">
-                    <a:solidFill>
-                      <a:schemeClr val="tx1">
-                        <a:lumMod val="75000"/>
-                        <a:lumOff val="25000"/>
-                      </a:schemeClr>
-                    </a:solidFill>
-                    <a:latin typeface="+mn-lt"/>
-                    <a:ea typeface="+mn-ea"/>
-                    <a:cs typeface="+mn-cs"/>
-                  </a:defRPr>
-                </a:lvl8pPr>
-                <a:lvl9pPr marL="3886200" indent="-228600" algn="l" defTabSz="457200" rtl="0" eaLnBrk="1" latinLnBrk="0" hangingPunct="1">
-                  <a:spcBef>
-                    <a:spcPts val="1000"/>
-                  </a:spcBef>
-                  <a:spcAft>
-                    <a:spcPts val="0"/>
-                  </a:spcAft>
-                  <a:buClr>
-                    <a:schemeClr val="accent1"/>
-                  </a:buClr>
-                  <a:buSzPct val="80000"/>
-                  <a:buFont typeface="Wingdings 3" charset="2"/>
-                  <a:buChar char=""/>
-                  <a:defRPr sz="1200" kern="1200">
-                    <a:solidFill>
-                      <a:schemeClr val="tx1">
-                        <a:lumMod val="75000"/>
-                        <a:lumOff val="25000"/>
-                      </a:schemeClr>
-                    </a:solidFill>
-                    <a:latin typeface="+mn-lt"/>
-                    <a:ea typeface="+mn-ea"/>
-                    <a:cs typeface="+mn-cs"/>
-                  </a:defRPr>
-                </a:lvl9pPr>
-              </a:lstStyle>
-              <a:p>
-                <a:r>
-                  <a:rPr lang="en-US" dirty="0"/>
-                  <a:t>Line of Best Fit:</a:t>
-                </a:r>
-              </a:p>
-              <a:p>
-                <a:pPr lvl="1"/>
-                <a:r>
-                  <a:rPr lang="en-US" dirty="0"/>
-                  <a:t>Calculated in Python</a:t>
-                </a:r>
-              </a:p>
-              <a:p>
-                <a:pPr lvl="1"/>
-                <a:r>
-                  <a:rPr lang="en-US" dirty="0"/>
-                  <a:t>Using </a:t>
-                </a:r>
-                <a:r>
-                  <a:rPr lang="en-US" dirty="0" err="1"/>
-                  <a:t>NumPy</a:t>
-                </a:r>
-                <a:endParaRPr lang="en-US" dirty="0"/>
-              </a:p>
-              <a:p>
-                <a:pPr lvl="1"/>
-                <a:r>
-                  <a:rPr lang="en-US" dirty="0" err="1"/>
-                  <a:t>np.polyfit</a:t>
-                </a:r>
-                <a:endParaRPr lang="en-US" dirty="0"/>
-              </a:p>
-              <a:p>
-                <a:pPr lvl="1"/>
-                <a:r>
-                  <a:rPr lang="en-US" dirty="0"/>
-                  <a:t>Gives slope and y-intercept</a:t>
-                </a:r>
-              </a:p>
-              <a:p>
-                <a:r>
-                  <a:rPr lang="en-US" dirty="0"/>
-                  <a:t>Using these values</a:t>
-                </a:r>
-              </a:p>
-              <a:p>
-                <a:pPr lvl="1"/>
-                <a:r>
-                  <a:rPr lang="en-US" dirty="0"/>
-                  <a:t>Average PPGR = r for exponential model</a:t>
-                </a:r>
-              </a:p>
-              <a:p>
-                <a:pPr lvl="1"/>
-                <a:r>
-                  <a:rPr lang="en-US" dirty="0"/>
-                  <a:t>Y-value at x-intercept:</a:t>
-                </a:r>
-              </a:p>
-              <a:p>
-                <a:pPr lvl="2"/>
-                <a:r>
-                  <a:rPr lang="en-US" dirty="0"/>
-                  <a:t>‘r’ for logistic</a:t>
-                </a:r>
-              </a:p>
-              <a:p>
-                <a:pPr lvl="1"/>
-                <a:r>
-                  <a:rPr lang="en-US" dirty="0"/>
-                  <a:t>x-value at y-intercept:</a:t>
-                </a:r>
-              </a:p>
-              <a:p>
-                <a:pPr lvl="2"/>
-                <a:r>
-                  <a:rPr lang="en-US" dirty="0"/>
-                  <a:t>‘L’ for logistic</a:t>
-                </a:r>
-              </a:p>
-              <a:p>
-                <a:pPr lvl="1"/>
-                <a14:m>
-                  <m:oMath xmlns:m="http://schemas.openxmlformats.org/officeDocument/2006/math">
-                    <m:sSub>
-                      <m:sSubPr>
-                        <m:ctrlPr>
-                          <a:rPr lang="en-US" i="1" smtClean="0">
-                            <a:latin typeface="Cambria Math" panose="02040503050406030204" pitchFamily="18" charset="0"/>
-                          </a:rPr>
-                        </m:ctrlPr>
-                      </m:sSubPr>
-                      <m:e>
-                        <m:r>
-                          <a:rPr lang="en-US" b="0" i="1" smtClean="0">
-                            <a:latin typeface="Cambria Math" panose="02040503050406030204" pitchFamily="18" charset="0"/>
-                          </a:rPr>
-                          <m:t>𝑃</m:t>
-                        </m:r>
-                      </m:e>
-                      <m:sub>
-                        <m:r>
-                          <a:rPr lang="en-US" b="0" i="1" smtClean="0">
-                            <a:latin typeface="Cambria Math" panose="02040503050406030204" pitchFamily="18" charset="0"/>
-                          </a:rPr>
-                          <m:t>0</m:t>
-                        </m:r>
-                      </m:sub>
-                    </m:sSub>
-                  </m:oMath>
-                </a14:m>
-                <a:r>
-                  <a:rPr lang="en-US" dirty="0"/>
-                  <a:t> is the population at the year 1900</a:t>
-                </a:r>
-              </a:p>
-            </p:txBody>
-          </p:sp>
-        </mc:Choice>
-        <mc:Fallback xmlns="">
-          <p:sp>
-            <p:nvSpPr>
-              <p:cNvPr id="8" name="Content Placeholder 2">
-                <a:extLst>
-                  <a:ext uri="{FF2B5EF4-FFF2-40B4-BE49-F238E27FC236}">
-                    <a16:creationId xmlns:a16="http://schemas.microsoft.com/office/drawing/2014/main" id="{4D55EBE5-5214-4193-B09C-669B0F6072AA}"/>
-                  </a:ext>
-                </a:extLst>
-              </p:cNvPr>
-              <p:cNvSpPr txBox="1">
-                <a:spLocks noRot="1" noChangeAspect="1" noMove="1" noResize="1" noEditPoints="1" noAdjustHandles="1" noChangeArrowheads="1" noChangeShapeType="1" noTextEdit="1"/>
-              </p:cNvSpPr>
-              <p:nvPr/>
-            </p:nvSpPr>
-            <p:spPr>
-              <a:xfrm>
-                <a:off x="6686485" y="747934"/>
-                <a:ext cx="3021186" cy="5527605"/>
-              </a:xfrm>
-              <a:prstGeom prst="rect">
-                <a:avLst/>
-              </a:prstGeom>
-              <a:blipFill>
-                <a:blip r:embed="rId4"/>
-                <a:stretch>
-                  <a:fillRect l="-606" t="-773" r="-1616"/>
-                </a:stretch>
-              </a:blipFill>
-            </p:spPr>
-            <p:txBody>
-              <a:bodyPr/>
-              <a:lstStyle/>
-              <a:p>
-                <a:r>
-                  <a:rPr lang="en-US">
-                    <a:noFill/>
-                  </a:rPr>
-                  <a:t> </a:t>
-                </a:r>
-              </a:p>
-            </p:txBody>
-          </p:sp>
-        </mc:Fallback>
-      </mc:AlternateContent>
+      <p:sp>
+        <p:nvSpPr>
+          <p:cNvPr id="8" name="Content Placeholder 2">
+            <a:extLst>
+              <a:ext uri="{FF2B5EF4-FFF2-40B4-BE49-F238E27FC236}">
+                <a16:creationId xmlns:a16="http://schemas.microsoft.com/office/drawing/2014/main" id="{4D55EBE5-5214-4193-B09C-669B0F6072AA}"/>
+              </a:ext>
+            </a:extLst>
+          </p:cNvPr>
+          <p:cNvSpPr txBox="1">
+            <a:spLocks/>
+          </p:cNvSpPr>
+          <p:nvPr/>
+        </p:nvSpPr>
+        <p:spPr>
+          <a:xfrm>
+            <a:off x="6447946" y="2101033"/>
+            <a:ext cx="3928506" cy="2411896"/>
+          </a:xfrm>
+          <a:prstGeom prst="rect">
+            <a:avLst/>
+          </a:prstGeom>
+        </p:spPr>
+        <p:txBody>
+          <a:bodyPr vert="horz" lIns="91440" tIns="45720" rIns="91440" bIns="45720" rtlCol="0">
+            <a:normAutofit/>
+          </a:bodyPr>
+          <a:lstStyle>
+            <a:lvl1pPr marL="342900" indent="-342900" algn="l" defTabSz="457200" rtl="0" eaLnBrk="1" latinLnBrk="0" hangingPunct="1">
+              <a:spcBef>
+                <a:spcPts val="1000"/>
+              </a:spcBef>
+              <a:spcAft>
+                <a:spcPts val="0"/>
+              </a:spcAft>
+              <a:buClr>
+                <a:schemeClr val="accent1"/>
+              </a:buClr>
+              <a:buSzPct val="80000"/>
+              <a:buFont typeface="Wingdings 3" charset="2"/>
+              <a:buChar char=""/>
+              <a:defRPr sz="1800" kern="1200">
+                <a:solidFill>
+                  <a:schemeClr val="tx1">
+                    <a:lumMod val="75000"/>
+                    <a:lumOff val="25000"/>
+                  </a:schemeClr>
+                </a:solidFill>
+                <a:latin typeface="+mn-lt"/>
+                <a:ea typeface="+mn-ea"/>
+                <a:cs typeface="+mn-cs"/>
+              </a:defRPr>
+            </a:lvl1pPr>
+            <a:lvl2pPr marL="742950" indent="-285750" algn="l" defTabSz="457200" rtl="0" eaLnBrk="1" latinLnBrk="0" hangingPunct="1">
+              <a:spcBef>
+                <a:spcPts val="1000"/>
+              </a:spcBef>
+              <a:spcAft>
+                <a:spcPts val="0"/>
+              </a:spcAft>
+              <a:buClr>
+                <a:schemeClr val="accent1"/>
+              </a:buClr>
+              <a:buSzPct val="80000"/>
+              <a:buFont typeface="Wingdings 3" charset="2"/>
+              <a:buChar char=""/>
+              <a:defRPr sz="1600" kern="1200">
+                <a:solidFill>
+                  <a:schemeClr val="tx1">
+                    <a:lumMod val="75000"/>
+                    <a:lumOff val="25000"/>
+                  </a:schemeClr>
+                </a:solidFill>
+                <a:latin typeface="+mn-lt"/>
+                <a:ea typeface="+mn-ea"/>
+                <a:cs typeface="+mn-cs"/>
+              </a:defRPr>
+            </a:lvl2pPr>
+            <a:lvl3pPr marL="1143000" indent="-228600" algn="l" defTabSz="457200" rtl="0" eaLnBrk="1" latinLnBrk="0" hangingPunct="1">
+              <a:spcBef>
+                <a:spcPts val="1000"/>
+              </a:spcBef>
+              <a:spcAft>
+                <a:spcPts val="0"/>
+              </a:spcAft>
+              <a:buClr>
+                <a:schemeClr val="accent1"/>
+              </a:buClr>
+              <a:buSzPct val="80000"/>
+              <a:buFont typeface="Wingdings 3" charset="2"/>
+              <a:buChar char=""/>
+              <a:defRPr sz="1400" kern="1200">
+                <a:solidFill>
+                  <a:schemeClr val="tx1">
+                    <a:lumMod val="75000"/>
+                    <a:lumOff val="25000"/>
+                  </a:schemeClr>
+                </a:solidFill>
+                <a:latin typeface="+mn-lt"/>
+                <a:ea typeface="+mn-ea"/>
+                <a:cs typeface="+mn-cs"/>
+              </a:defRPr>
+            </a:lvl3pPr>
+            <a:lvl4pPr marL="1600200" indent="-228600" algn="l" defTabSz="457200" rtl="0" eaLnBrk="1" latinLnBrk="0" hangingPunct="1">
+              <a:spcBef>
+                <a:spcPts val="1000"/>
+              </a:spcBef>
+              <a:spcAft>
+                <a:spcPts val="0"/>
+              </a:spcAft>
+              <a:buClr>
+                <a:schemeClr val="accent1"/>
+              </a:buClr>
+              <a:buSzPct val="80000"/>
+              <a:buFont typeface="Wingdings 3" charset="2"/>
+              <a:buChar char=""/>
+              <a:defRPr sz="1200" kern="1200">
+                <a:solidFill>
+                  <a:schemeClr val="tx1">
+                    <a:lumMod val="75000"/>
+                    <a:lumOff val="25000"/>
+                  </a:schemeClr>
+                </a:solidFill>
+                <a:latin typeface="+mn-lt"/>
+                <a:ea typeface="+mn-ea"/>
+                <a:cs typeface="+mn-cs"/>
+              </a:defRPr>
+            </a:lvl4pPr>
+            <a:lvl5pPr marL="2057400" indent="-228600" algn="l" defTabSz="457200" rtl="0" eaLnBrk="1" latinLnBrk="0" hangingPunct="1">
+              <a:spcBef>
+                <a:spcPts val="1000"/>
+              </a:spcBef>
+              <a:spcAft>
+                <a:spcPts val="0"/>
+              </a:spcAft>
+              <a:buClr>
+                <a:schemeClr val="accent1"/>
+              </a:buClr>
+              <a:buSzPct val="80000"/>
+              <a:buFont typeface="Wingdings 3" charset="2"/>
+              <a:buChar char=""/>
+              <a:defRPr sz="1200" kern="1200">
+                <a:solidFill>
+                  <a:schemeClr val="tx1">
+                    <a:lumMod val="75000"/>
+                    <a:lumOff val="25000"/>
+                  </a:schemeClr>
+                </a:solidFill>
+                <a:latin typeface="+mn-lt"/>
+                <a:ea typeface="+mn-ea"/>
+                <a:cs typeface="+mn-cs"/>
+              </a:defRPr>
+            </a:lvl5pPr>
+            <a:lvl6pPr marL="2514600" indent="-228600" algn="l" defTabSz="457200" rtl="0" eaLnBrk="1" latinLnBrk="0" hangingPunct="1">
+              <a:spcBef>
+                <a:spcPts val="1000"/>
+              </a:spcBef>
+              <a:spcAft>
+                <a:spcPts val="0"/>
+              </a:spcAft>
+              <a:buClr>
+                <a:schemeClr val="accent1"/>
+              </a:buClr>
+              <a:buSzPct val="80000"/>
+              <a:buFont typeface="Wingdings 3" charset="2"/>
+              <a:buChar char=""/>
+              <a:defRPr sz="1200" kern="1200">
+                <a:solidFill>
+                  <a:schemeClr val="tx1">
+                    <a:lumMod val="75000"/>
+                    <a:lumOff val="25000"/>
+                  </a:schemeClr>
+                </a:solidFill>
+                <a:latin typeface="+mn-lt"/>
+                <a:ea typeface="+mn-ea"/>
+                <a:cs typeface="+mn-cs"/>
+              </a:defRPr>
+            </a:lvl6pPr>
+            <a:lvl7pPr marL="2971800" indent="-228600" algn="l" defTabSz="457200" rtl="0" eaLnBrk="1" latinLnBrk="0" hangingPunct="1">
+              <a:spcBef>
+                <a:spcPts val="1000"/>
+              </a:spcBef>
+              <a:spcAft>
+                <a:spcPts val="0"/>
+              </a:spcAft>
+              <a:buClr>
+                <a:schemeClr val="accent1"/>
+              </a:buClr>
+              <a:buSzPct val="80000"/>
+              <a:buFont typeface="Wingdings 3" charset="2"/>
+              <a:buChar char=""/>
+              <a:defRPr sz="1200" kern="1200">
+                <a:solidFill>
+                  <a:schemeClr val="tx1">
+                    <a:lumMod val="75000"/>
+                    <a:lumOff val="25000"/>
+                  </a:schemeClr>
+                </a:solidFill>
+                <a:latin typeface="+mn-lt"/>
+                <a:ea typeface="+mn-ea"/>
+                <a:cs typeface="+mn-cs"/>
+              </a:defRPr>
+            </a:lvl7pPr>
+            <a:lvl8pPr marL="3429000" indent="-228600" algn="l" defTabSz="457200" rtl="0" eaLnBrk="1" latinLnBrk="0" hangingPunct="1">
+              <a:spcBef>
+                <a:spcPts val="1000"/>
+              </a:spcBef>
+              <a:spcAft>
+                <a:spcPts val="0"/>
+              </a:spcAft>
+              <a:buClr>
+                <a:schemeClr val="accent1"/>
+              </a:buClr>
+              <a:buSzPct val="80000"/>
+              <a:buFont typeface="Wingdings 3" charset="2"/>
+              <a:buChar char=""/>
+              <a:defRPr sz="1200" kern="1200">
+                <a:solidFill>
+                  <a:schemeClr val="tx1">
+                    <a:lumMod val="75000"/>
+                    <a:lumOff val="25000"/>
+                  </a:schemeClr>
+                </a:solidFill>
+                <a:latin typeface="+mn-lt"/>
+                <a:ea typeface="+mn-ea"/>
+                <a:cs typeface="+mn-cs"/>
+              </a:defRPr>
+            </a:lvl8pPr>
+            <a:lvl9pPr marL="3886200" indent="-228600" algn="l" defTabSz="457200" rtl="0" eaLnBrk="1" latinLnBrk="0" hangingPunct="1">
+              <a:spcBef>
+                <a:spcPts val="1000"/>
+              </a:spcBef>
+              <a:spcAft>
+                <a:spcPts val="0"/>
+              </a:spcAft>
+              <a:buClr>
+                <a:schemeClr val="accent1"/>
+              </a:buClr>
+              <a:buSzPct val="80000"/>
+              <a:buFont typeface="Wingdings 3" charset="2"/>
+              <a:buChar char=""/>
+              <a:defRPr sz="1200" kern="1200">
+                <a:solidFill>
+                  <a:schemeClr val="tx1">
+                    <a:lumMod val="75000"/>
+                    <a:lumOff val="25000"/>
+                  </a:schemeClr>
+                </a:solidFill>
+                <a:latin typeface="+mn-lt"/>
+                <a:ea typeface="+mn-ea"/>
+                <a:cs typeface="+mn-cs"/>
+              </a:defRPr>
+            </a:lvl9pPr>
+          </a:lstStyle>
+          <a:p>
+            <a:r>
+              <a:rPr lang="en-US" sz="2000" dirty="0"/>
+              <a:t>Exponential Model</a:t>
+            </a:r>
+          </a:p>
+          <a:p>
+            <a:pPr lvl="1"/>
+            <a:r>
+              <a:rPr lang="en-US" sz="1800" dirty="0"/>
+              <a:t>Average PPGR = r</a:t>
+            </a:r>
+          </a:p>
+          <a:p>
+            <a:r>
+              <a:rPr lang="en-US" sz="2000" dirty="0"/>
+              <a:t>Logistic Model</a:t>
+            </a:r>
+          </a:p>
+          <a:p>
+            <a:pPr lvl="1"/>
+            <a:r>
+              <a:rPr lang="en-US" sz="1800" dirty="0"/>
+              <a:t>L = x-intercept</a:t>
+            </a:r>
+          </a:p>
+          <a:p>
+            <a:pPr lvl="1"/>
+            <a:r>
+              <a:rPr lang="en-US" sz="1800" dirty="0"/>
+              <a:t>r = y-intercept</a:t>
+            </a:r>
+          </a:p>
+        </p:txBody>
+      </p:sp>
     </p:spTree>
     <p:extLst>
       <p:ext uri="{BB962C8B-B14F-4D97-AF65-F5344CB8AC3E}">
@@ -10427,7 +12919,7 @@
 </p:sld>
 </file>
 
-<file path=ppt/slides/slide7.xml><?xml version="1.0" encoding="utf-8"?>
+<file path=ppt/slides/slide8.xml><?xml version="1.0" encoding="utf-8"?>
 <p:sld xmlns:a="http://schemas.openxmlformats.org/drawingml/2006/main" xmlns:r="http://schemas.openxmlformats.org/officeDocument/2006/relationships" xmlns:p="http://schemas.openxmlformats.org/presentationml/2006/main">
   <p:cSld>
     <p:spTree>
@@ -10444,42 +12936,6 @@
           <a:chExt cx="0" cy="0"/>
         </a:xfrm>
       </p:grpSpPr>
-      <p:pic>
-        <p:nvPicPr>
-          <p:cNvPr id="5" name="Picture 4">
-            <a:extLst>
-              <a:ext uri="{FF2B5EF4-FFF2-40B4-BE49-F238E27FC236}">
-                <a16:creationId xmlns:a16="http://schemas.microsoft.com/office/drawing/2014/main" id="{9E671ED8-FD51-463C-A369-B807EDADE3EC}"/>
-              </a:ext>
-            </a:extLst>
-          </p:cNvPr>
-          <p:cNvPicPr>
-            <a:picLocks noChangeAspect="1"/>
-          </p:cNvPicPr>
-          <p:nvPr/>
-        </p:nvPicPr>
-        <p:blipFill>
-          <a:blip r:embed="rId2">
-            <a:extLst>
-              <a:ext uri="{28A0092B-C50C-407E-A947-70E740481C1C}">
-                <a14:useLocalDpi xmlns:a14="http://schemas.microsoft.com/office/drawing/2010/main" val="0"/>
-              </a:ext>
-            </a:extLst>
-          </a:blip>
-          <a:stretch>
-            <a:fillRect/>
-          </a:stretch>
-        </p:blipFill>
-        <p:spPr>
-          <a:xfrm>
-            <a:off x="339130" y="1570626"/>
-            <a:ext cx="7298731" cy="4379238"/>
-          </a:xfrm>
-          <a:prstGeom prst="rect">
-            <a:avLst/>
-          </a:prstGeom>
-        </p:spPr>
-      </p:pic>
       <p:sp>
         <p:nvSpPr>
           <p:cNvPr id="2" name="Title 1">
@@ -10513,6 +12969,42 @@
           </a:p>
         </p:txBody>
       </p:sp>
+      <p:pic>
+        <p:nvPicPr>
+          <p:cNvPr id="4" name="Picture 3">
+            <a:extLst>
+              <a:ext uri="{FF2B5EF4-FFF2-40B4-BE49-F238E27FC236}">
+                <a16:creationId xmlns:a16="http://schemas.microsoft.com/office/drawing/2014/main" id="{5BFF18EE-1D11-40DE-8C2C-560ED2A4AA90}"/>
+              </a:ext>
+            </a:extLst>
+          </p:cNvPr>
+          <p:cNvPicPr>
+            <a:picLocks noChangeAspect="1"/>
+          </p:cNvPicPr>
+          <p:nvPr/>
+        </p:nvPicPr>
+        <p:blipFill>
+          <a:blip r:embed="rId2">
+            <a:extLst>
+              <a:ext uri="{28A0092B-C50C-407E-A947-70E740481C1C}">
+                <a14:useLocalDpi xmlns:a14="http://schemas.microsoft.com/office/drawing/2010/main" val="0"/>
+              </a:ext>
+            </a:extLst>
+          </a:blip>
+          <a:stretch>
+            <a:fillRect/>
+          </a:stretch>
+        </p:blipFill>
+        <p:spPr>
+          <a:xfrm>
+            <a:off x="677334" y="1090112"/>
+            <a:ext cx="7207709" cy="5405781"/>
+          </a:xfrm>
+          <a:prstGeom prst="rect">
+            <a:avLst/>
+          </a:prstGeom>
+        </p:spPr>
+      </p:pic>
       <p:sp>
         <p:nvSpPr>
           <p:cNvPr id="6" name="Content Placeholder 2">
@@ -10529,7 +13021,7 @@
         </p:nvSpPr>
         <p:spPr>
           <a:xfrm>
-            <a:off x="6945339" y="2138323"/>
+            <a:off x="7143804" y="1806510"/>
             <a:ext cx="2937697" cy="4224899"/>
           </a:xfrm>
           <a:prstGeom prst="rect">
@@ -10800,7 +13292,7 @@
 </p:sld>
 </file>
 
-<file path=ppt/slides/slide8.xml><?xml version="1.0" encoding="utf-8"?>
+<file path=ppt/slides/slide9.xml><?xml version="1.0" encoding="utf-8"?>
 <p:sld xmlns:a="http://schemas.openxmlformats.org/drawingml/2006/main" xmlns:r="http://schemas.openxmlformats.org/officeDocument/2006/relationships" xmlns:p="http://schemas.openxmlformats.org/presentationml/2006/main">
   <p:cSld>
     <p:spTree>
@@ -10833,7 +13325,7 @@
         </p:nvSpPr>
         <p:spPr>
           <a:xfrm>
-            <a:off x="689860" y="2864285"/>
+            <a:off x="557338" y="724838"/>
             <a:ext cx="8596668" cy="961026"/>
           </a:xfrm>
           <a:prstGeom prst="rect">
@@ -10917,7 +13409,320 @@
           <a:p>
             <a:r>
               <a:rPr lang="en-US" dirty="0"/>
-              <a:t>Thank you for your participation!</a:t>
+              <a:t>Thank you!</a:t>
+            </a:r>
+          </a:p>
+        </p:txBody>
+      </p:sp>
+      <p:sp>
+        <p:nvSpPr>
+          <p:cNvPr id="3" name="Content Placeholder 2">
+            <a:extLst>
+              <a:ext uri="{FF2B5EF4-FFF2-40B4-BE49-F238E27FC236}">
+                <a16:creationId xmlns:a16="http://schemas.microsoft.com/office/drawing/2014/main" id="{38BE2DD0-5E8B-47EC-9E79-D5A27C7CED52}"/>
+              </a:ext>
+            </a:extLst>
+          </p:cNvPr>
+          <p:cNvSpPr txBox="1">
+            <a:spLocks/>
+          </p:cNvSpPr>
+          <p:nvPr/>
+        </p:nvSpPr>
+        <p:spPr>
+          <a:xfrm>
+            <a:off x="557338" y="1479676"/>
+            <a:ext cx="8878210" cy="3940463"/>
+          </a:xfrm>
+          <a:prstGeom prst="rect">
+            <a:avLst/>
+          </a:prstGeom>
+        </p:spPr>
+        <p:txBody>
+          <a:bodyPr vert="horz" lIns="91440" tIns="45720" rIns="91440" bIns="45720" rtlCol="0">
+            <a:normAutofit/>
+          </a:bodyPr>
+          <a:lstStyle>
+            <a:lvl1pPr marL="342900" indent="-342900" algn="l" defTabSz="457200" rtl="0" eaLnBrk="1" latinLnBrk="0" hangingPunct="1">
+              <a:spcBef>
+                <a:spcPts val="1000"/>
+              </a:spcBef>
+              <a:spcAft>
+                <a:spcPts val="0"/>
+              </a:spcAft>
+              <a:buClr>
+                <a:schemeClr val="accent1"/>
+              </a:buClr>
+              <a:buSzPct val="80000"/>
+              <a:buFont typeface="Wingdings 3" charset="2"/>
+              <a:buChar char=""/>
+              <a:defRPr sz="1800" kern="1200">
+                <a:solidFill>
+                  <a:schemeClr val="tx1">
+                    <a:lumMod val="75000"/>
+                    <a:lumOff val="25000"/>
+                  </a:schemeClr>
+                </a:solidFill>
+                <a:latin typeface="+mn-lt"/>
+                <a:ea typeface="+mn-ea"/>
+                <a:cs typeface="+mn-cs"/>
+              </a:defRPr>
+            </a:lvl1pPr>
+            <a:lvl2pPr marL="742950" indent="-285750" algn="l" defTabSz="457200" rtl="0" eaLnBrk="1" latinLnBrk="0" hangingPunct="1">
+              <a:spcBef>
+                <a:spcPts val="1000"/>
+              </a:spcBef>
+              <a:spcAft>
+                <a:spcPts val="0"/>
+              </a:spcAft>
+              <a:buClr>
+                <a:schemeClr val="accent1"/>
+              </a:buClr>
+              <a:buSzPct val="80000"/>
+              <a:buFont typeface="Wingdings 3" charset="2"/>
+              <a:buChar char=""/>
+              <a:defRPr sz="1600" kern="1200">
+                <a:solidFill>
+                  <a:schemeClr val="tx1">
+                    <a:lumMod val="75000"/>
+                    <a:lumOff val="25000"/>
+                  </a:schemeClr>
+                </a:solidFill>
+                <a:latin typeface="+mn-lt"/>
+                <a:ea typeface="+mn-ea"/>
+                <a:cs typeface="+mn-cs"/>
+              </a:defRPr>
+            </a:lvl2pPr>
+            <a:lvl3pPr marL="1143000" indent="-228600" algn="l" defTabSz="457200" rtl="0" eaLnBrk="1" latinLnBrk="0" hangingPunct="1">
+              <a:spcBef>
+                <a:spcPts val="1000"/>
+              </a:spcBef>
+              <a:spcAft>
+                <a:spcPts val="0"/>
+              </a:spcAft>
+              <a:buClr>
+                <a:schemeClr val="accent1"/>
+              </a:buClr>
+              <a:buSzPct val="80000"/>
+              <a:buFont typeface="Wingdings 3" charset="2"/>
+              <a:buChar char=""/>
+              <a:defRPr sz="1400" kern="1200">
+                <a:solidFill>
+                  <a:schemeClr val="tx1">
+                    <a:lumMod val="75000"/>
+                    <a:lumOff val="25000"/>
+                  </a:schemeClr>
+                </a:solidFill>
+                <a:latin typeface="+mn-lt"/>
+                <a:ea typeface="+mn-ea"/>
+                <a:cs typeface="+mn-cs"/>
+              </a:defRPr>
+            </a:lvl3pPr>
+            <a:lvl4pPr marL="1600200" indent="-228600" algn="l" defTabSz="457200" rtl="0" eaLnBrk="1" latinLnBrk="0" hangingPunct="1">
+              <a:spcBef>
+                <a:spcPts val="1000"/>
+              </a:spcBef>
+              <a:spcAft>
+                <a:spcPts val="0"/>
+              </a:spcAft>
+              <a:buClr>
+                <a:schemeClr val="accent1"/>
+              </a:buClr>
+              <a:buSzPct val="80000"/>
+              <a:buFont typeface="Wingdings 3" charset="2"/>
+              <a:buChar char=""/>
+              <a:defRPr sz="1200" kern="1200">
+                <a:solidFill>
+                  <a:schemeClr val="tx1">
+                    <a:lumMod val="75000"/>
+                    <a:lumOff val="25000"/>
+                  </a:schemeClr>
+                </a:solidFill>
+                <a:latin typeface="+mn-lt"/>
+                <a:ea typeface="+mn-ea"/>
+                <a:cs typeface="+mn-cs"/>
+              </a:defRPr>
+            </a:lvl4pPr>
+            <a:lvl5pPr marL="2057400" indent="-228600" algn="l" defTabSz="457200" rtl="0" eaLnBrk="1" latinLnBrk="0" hangingPunct="1">
+              <a:spcBef>
+                <a:spcPts val="1000"/>
+              </a:spcBef>
+              <a:spcAft>
+                <a:spcPts val="0"/>
+              </a:spcAft>
+              <a:buClr>
+                <a:schemeClr val="accent1"/>
+              </a:buClr>
+              <a:buSzPct val="80000"/>
+              <a:buFont typeface="Wingdings 3" charset="2"/>
+              <a:buChar char=""/>
+              <a:defRPr sz="1200" kern="1200">
+                <a:solidFill>
+                  <a:schemeClr val="tx1">
+                    <a:lumMod val="75000"/>
+                    <a:lumOff val="25000"/>
+                  </a:schemeClr>
+                </a:solidFill>
+                <a:latin typeface="+mn-lt"/>
+                <a:ea typeface="+mn-ea"/>
+                <a:cs typeface="+mn-cs"/>
+              </a:defRPr>
+            </a:lvl5pPr>
+            <a:lvl6pPr marL="2514600" indent="-228600" algn="l" defTabSz="457200" rtl="0" eaLnBrk="1" latinLnBrk="0" hangingPunct="1">
+              <a:spcBef>
+                <a:spcPts val="1000"/>
+              </a:spcBef>
+              <a:spcAft>
+                <a:spcPts val="0"/>
+              </a:spcAft>
+              <a:buClr>
+                <a:schemeClr val="accent1"/>
+              </a:buClr>
+              <a:buSzPct val="80000"/>
+              <a:buFont typeface="Wingdings 3" charset="2"/>
+              <a:buChar char=""/>
+              <a:defRPr sz="1200" kern="1200">
+                <a:solidFill>
+                  <a:schemeClr val="tx1">
+                    <a:lumMod val="75000"/>
+                    <a:lumOff val="25000"/>
+                  </a:schemeClr>
+                </a:solidFill>
+                <a:latin typeface="+mn-lt"/>
+                <a:ea typeface="+mn-ea"/>
+                <a:cs typeface="+mn-cs"/>
+              </a:defRPr>
+            </a:lvl6pPr>
+            <a:lvl7pPr marL="2971800" indent="-228600" algn="l" defTabSz="457200" rtl="0" eaLnBrk="1" latinLnBrk="0" hangingPunct="1">
+              <a:spcBef>
+                <a:spcPts val="1000"/>
+              </a:spcBef>
+              <a:spcAft>
+                <a:spcPts val="0"/>
+              </a:spcAft>
+              <a:buClr>
+                <a:schemeClr val="accent1"/>
+              </a:buClr>
+              <a:buSzPct val="80000"/>
+              <a:buFont typeface="Wingdings 3" charset="2"/>
+              <a:buChar char=""/>
+              <a:defRPr sz="1200" kern="1200">
+                <a:solidFill>
+                  <a:schemeClr val="tx1">
+                    <a:lumMod val="75000"/>
+                    <a:lumOff val="25000"/>
+                  </a:schemeClr>
+                </a:solidFill>
+                <a:latin typeface="+mn-lt"/>
+                <a:ea typeface="+mn-ea"/>
+                <a:cs typeface="+mn-cs"/>
+              </a:defRPr>
+            </a:lvl7pPr>
+            <a:lvl8pPr marL="3429000" indent="-228600" algn="l" defTabSz="457200" rtl="0" eaLnBrk="1" latinLnBrk="0" hangingPunct="1">
+              <a:spcBef>
+                <a:spcPts val="1000"/>
+              </a:spcBef>
+              <a:spcAft>
+                <a:spcPts val="0"/>
+              </a:spcAft>
+              <a:buClr>
+                <a:schemeClr val="accent1"/>
+              </a:buClr>
+              <a:buSzPct val="80000"/>
+              <a:buFont typeface="Wingdings 3" charset="2"/>
+              <a:buChar char=""/>
+              <a:defRPr sz="1200" kern="1200">
+                <a:solidFill>
+                  <a:schemeClr val="tx1">
+                    <a:lumMod val="75000"/>
+                    <a:lumOff val="25000"/>
+                  </a:schemeClr>
+                </a:solidFill>
+                <a:latin typeface="+mn-lt"/>
+                <a:ea typeface="+mn-ea"/>
+                <a:cs typeface="+mn-cs"/>
+              </a:defRPr>
+            </a:lvl8pPr>
+            <a:lvl9pPr marL="3886200" indent="-228600" algn="l" defTabSz="457200" rtl="0" eaLnBrk="1" latinLnBrk="0" hangingPunct="1">
+              <a:spcBef>
+                <a:spcPts val="1000"/>
+              </a:spcBef>
+              <a:spcAft>
+                <a:spcPts val="0"/>
+              </a:spcAft>
+              <a:buClr>
+                <a:schemeClr val="accent1"/>
+              </a:buClr>
+              <a:buSzPct val="80000"/>
+              <a:buFont typeface="Wingdings 3" charset="2"/>
+              <a:buChar char=""/>
+              <a:defRPr sz="1200" kern="1200">
+                <a:solidFill>
+                  <a:schemeClr val="tx1">
+                    <a:lumMod val="75000"/>
+                    <a:lumOff val="25000"/>
+                  </a:schemeClr>
+                </a:solidFill>
+                <a:latin typeface="+mn-lt"/>
+                <a:ea typeface="+mn-ea"/>
+                <a:cs typeface="+mn-cs"/>
+              </a:defRPr>
+            </a:lvl9pPr>
+          </a:lstStyle>
+          <a:p>
+            <a:pPr marL="0" indent="0">
+              <a:buNone/>
+            </a:pPr>
+            <a:endParaRPr lang="en-US" u="sng" dirty="0"/>
+          </a:p>
+          <a:p>
+            <a:pPr marL="0" indent="0">
+              <a:buNone/>
+            </a:pPr>
+            <a:endParaRPr lang="en-US" u="sng" dirty="0"/>
+          </a:p>
+          <a:p>
+            <a:pPr marL="0" indent="0">
+              <a:buNone/>
+            </a:pPr>
+            <a:r>
+              <a:rPr lang="en-US" u="sng" dirty="0"/>
+              <a:t>References:</a:t>
+            </a:r>
+          </a:p>
+          <a:p>
+            <a:r>
+              <a:rPr lang="en-US" dirty="0"/>
+              <a:t>Jean Marie </a:t>
+            </a:r>
+            <a:r>
+              <a:rPr lang="en-US" dirty="0" err="1"/>
+              <a:t>Linhart</a:t>
+            </a:r>
+            <a:r>
+              <a:rPr lang="en-US" dirty="0"/>
+              <a:t>. 2017. </a:t>
+            </a:r>
+            <a:r>
+              <a:rPr lang="en-US" i="1" dirty="0"/>
+              <a:t>Population Modeling with Census Data</a:t>
+            </a:r>
+            <a:r>
+              <a:rPr lang="en-US" dirty="0"/>
+              <a:t>. Department of Mathematics, Central Washington University. </a:t>
+            </a:r>
+          </a:p>
+          <a:p>
+            <a:r>
+              <a:rPr lang="en-US" dirty="0"/>
+              <a:t>Wikipedia Contributors. 2017. </a:t>
+            </a:r>
+            <a:r>
+              <a:rPr lang="en-US" i="1" dirty="0"/>
+              <a:t>Demography of the United States. </a:t>
+            </a:r>
+            <a:r>
+              <a:rPr lang="en-US" dirty="0"/>
+              <a:t>Wikipedia, The Free Encyclopedia, 24 August 2017. https://en.Wikipedia.org/wiki/Deomgraphy_of_the_United_States. Accessed 24 August 2017.</a:t>
             </a:r>
           </a:p>
         </p:txBody>
